--- a/Senior Project Day Oral Presentation.pptx
+++ b/Senior Project Day Oral Presentation.pptx
@@ -1,46 +1,46 @@
 
 <file path=ppt/presentation.xml><?xml version="1.0" encoding="utf-8"?>
-<p:presentation xmlns:a="http://schemas.openxmlformats.org/drawingml/2006/main" xmlns:r="http://schemas.openxmlformats.org/officeDocument/2006/relationships" xmlns:mc="http://schemas.openxmlformats.org/markup-compatibility/2006" xmlns:mv="urn:schemas-microsoft-com:mac:vml" xmlns:p="http://schemas.openxmlformats.org/presentationml/2006/main" xmlns:c="http://schemas.openxmlformats.org/drawingml/2006/chart" xmlns:dgm="http://schemas.openxmlformats.org/drawingml/2006/diagram" xmlns:o="urn:schemas-microsoft-com:office:office" xmlns:v="urn:schemas-microsoft-com:vml" xmlns:pvml="urn:schemas-microsoft-com:office:powerpoint" xmlns:com="http://schemas.openxmlformats.org/drawingml/2006/compatibility" xmlns:p14="http://schemas.microsoft.com/office/powerpoint/2010/main" xmlns:p15="http://schemas.microsoft.com/office/powerpoint/2012/main" xmlns:ahyp="http://schemas.microsoft.com/office/drawing/2018/hyperlinkcolor" autoCompressPictures="0" embedTrueTypeFonts="1" strictFirstAndLastChars="0" saveSubsetFonts="1">
+<p:presentation xmlns:a="http://schemas.openxmlformats.org/drawingml/2006/main" xmlns:r="http://schemas.openxmlformats.org/officeDocument/2006/relationships" xmlns:p="http://schemas.openxmlformats.org/presentationml/2006/main" strictFirstAndLastChars="0" embedTrueTypeFonts="1" saveSubsetFonts="1" autoCompressPictures="0">
   <p:sldMasterIdLst>
-    <p:sldMasterId id="2147483659" r:id="rId4"/>
+    <p:sldMasterId id="2147483659" r:id="rId1"/>
   </p:sldMasterIdLst>
   <p:notesMasterIdLst>
-    <p:notesMasterId r:id="rId5"/>
+    <p:notesMasterId r:id="rId9"/>
   </p:notesMasterIdLst>
   <p:sldIdLst>
-    <p:sldId id="256" r:id="rId6"/>
-    <p:sldId id="257" r:id="rId7"/>
-    <p:sldId id="258" r:id="rId8"/>
-    <p:sldId id="259" r:id="rId9"/>
-    <p:sldId id="260" r:id="rId10"/>
-    <p:sldId id="261" r:id="rId11"/>
-    <p:sldId id="262" r:id="rId12"/>
+    <p:sldId id="256" r:id="rId2"/>
+    <p:sldId id="257" r:id="rId3"/>
+    <p:sldId id="258" r:id="rId4"/>
+    <p:sldId id="259" r:id="rId5"/>
+    <p:sldId id="260" r:id="rId6"/>
+    <p:sldId id="261" r:id="rId7"/>
+    <p:sldId id="262" r:id="rId8"/>
   </p:sldIdLst>
-  <p:sldSz cy="5143500" cx="9144000"/>
+  <p:sldSz cx="9144000" cy="5143500" type="screen16x9"/>
   <p:notesSz cx="6858000" cy="9144000"/>
   <p:embeddedFontLst>
     <p:embeddedFont>
-      <p:font typeface="Montserrat"/>
-      <p:regular r:id="rId13"/>
-      <p:bold r:id="rId14"/>
-      <p:italic r:id="rId15"/>
-      <p:boldItalic r:id="rId16"/>
+      <p:font typeface="Lato" panose="020F0502020204030203" pitchFamily="34" charset="0"/>
+      <p:regular r:id="rId10"/>
+      <p:bold r:id="rId11"/>
+      <p:italic r:id="rId12"/>
+      <p:boldItalic r:id="rId13"/>
     </p:embeddedFont>
     <p:embeddedFont>
-      <p:font typeface="Lato"/>
-      <p:regular r:id="rId17"/>
-      <p:bold r:id="rId18"/>
-      <p:italic r:id="rId19"/>
-      <p:boldItalic r:id="rId20"/>
+      <p:font typeface="Montserrat" panose="00000500000000000000" pitchFamily="2" charset="0"/>
+      <p:regular r:id="rId14"/>
+      <p:bold r:id="rId15"/>
+      <p:italic r:id="rId16"/>
+      <p:boldItalic r:id="rId17"/>
     </p:embeddedFont>
     <p:embeddedFont>
-      <p:font typeface="Oswald"/>
-      <p:regular r:id="rId21"/>
-      <p:bold r:id="rId22"/>
+      <p:font typeface="Oswald" panose="00000500000000000000" pitchFamily="2" charset="0"/>
+      <p:regular r:id="rId18"/>
+      <p:bold r:id="rId19"/>
     </p:embeddedFont>
   </p:embeddedFontLst>
   <p:defaultTextStyle>
-    <a:defPPr lvl="0" marR="0" rtl="0" algn="l">
+    <a:defPPr marR="0" lvl="0" algn="l" rtl="0">
       <a:lnSpc>
         <a:spcPct val="100000"/>
       </a:lnSpc>
@@ -51,7 +51,7 @@
         <a:spcPts val="0"/>
       </a:spcAft>
     </a:defPPr>
-    <a:lvl1pPr lvl="0" marR="0" rtl="0" algn="l">
+    <a:lvl1pPr marR="0" lvl="0" algn="l" rtl="0">
       <a:lnSpc>
         <a:spcPct val="100000"/>
       </a:lnSpc>
@@ -65,7 +65,7 @@
         <a:srgbClr val="000000"/>
       </a:buClr>
       <a:buFont typeface="Arial"/>
-      <a:defRPr b="0" i="0" sz="1400" u="none" cap="none" strike="noStrike">
+      <a:defRPr sz="1400" b="0" i="0" u="none" strike="noStrike" cap="none">
         <a:solidFill>
           <a:srgbClr val="000000"/>
         </a:solidFill>
@@ -75,7 +75,7 @@
         <a:sym typeface="Arial"/>
       </a:defRPr>
     </a:lvl1pPr>
-    <a:lvl2pPr lvl="1" marR="0" rtl="0" algn="l">
+    <a:lvl2pPr marR="0" lvl="1" algn="l" rtl="0">
       <a:lnSpc>
         <a:spcPct val="100000"/>
       </a:lnSpc>
@@ -89,7 +89,7 @@
         <a:srgbClr val="000000"/>
       </a:buClr>
       <a:buFont typeface="Arial"/>
-      <a:defRPr b="0" i="0" sz="1400" u="none" cap="none" strike="noStrike">
+      <a:defRPr sz="1400" b="0" i="0" u="none" strike="noStrike" cap="none">
         <a:solidFill>
           <a:srgbClr val="000000"/>
         </a:solidFill>
@@ -99,7 +99,7 @@
         <a:sym typeface="Arial"/>
       </a:defRPr>
     </a:lvl2pPr>
-    <a:lvl3pPr lvl="2" marR="0" rtl="0" algn="l">
+    <a:lvl3pPr marR="0" lvl="2" algn="l" rtl="0">
       <a:lnSpc>
         <a:spcPct val="100000"/>
       </a:lnSpc>
@@ -113,7 +113,7 @@
         <a:srgbClr val="000000"/>
       </a:buClr>
       <a:buFont typeface="Arial"/>
-      <a:defRPr b="0" i="0" sz="1400" u="none" cap="none" strike="noStrike">
+      <a:defRPr sz="1400" b="0" i="0" u="none" strike="noStrike" cap="none">
         <a:solidFill>
           <a:srgbClr val="000000"/>
         </a:solidFill>
@@ -123,7 +123,7 @@
         <a:sym typeface="Arial"/>
       </a:defRPr>
     </a:lvl3pPr>
-    <a:lvl4pPr lvl="3" marR="0" rtl="0" algn="l">
+    <a:lvl4pPr marR="0" lvl="3" algn="l" rtl="0">
       <a:lnSpc>
         <a:spcPct val="100000"/>
       </a:lnSpc>
@@ -137,7 +137,7 @@
         <a:srgbClr val="000000"/>
       </a:buClr>
       <a:buFont typeface="Arial"/>
-      <a:defRPr b="0" i="0" sz="1400" u="none" cap="none" strike="noStrike">
+      <a:defRPr sz="1400" b="0" i="0" u="none" strike="noStrike" cap="none">
         <a:solidFill>
           <a:srgbClr val="000000"/>
         </a:solidFill>
@@ -147,7 +147,7 @@
         <a:sym typeface="Arial"/>
       </a:defRPr>
     </a:lvl4pPr>
-    <a:lvl5pPr lvl="4" marR="0" rtl="0" algn="l">
+    <a:lvl5pPr marR="0" lvl="4" algn="l" rtl="0">
       <a:lnSpc>
         <a:spcPct val="100000"/>
       </a:lnSpc>
@@ -161,7 +161,7 @@
         <a:srgbClr val="000000"/>
       </a:buClr>
       <a:buFont typeface="Arial"/>
-      <a:defRPr b="0" i="0" sz="1400" u="none" cap="none" strike="noStrike">
+      <a:defRPr sz="1400" b="0" i="0" u="none" strike="noStrike" cap="none">
         <a:solidFill>
           <a:srgbClr val="000000"/>
         </a:solidFill>
@@ -171,7 +171,7 @@
         <a:sym typeface="Arial"/>
       </a:defRPr>
     </a:lvl5pPr>
-    <a:lvl6pPr lvl="5" marR="0" rtl="0" algn="l">
+    <a:lvl6pPr marR="0" lvl="5" algn="l" rtl="0">
       <a:lnSpc>
         <a:spcPct val="100000"/>
       </a:lnSpc>
@@ -185,7 +185,7 @@
         <a:srgbClr val="000000"/>
       </a:buClr>
       <a:buFont typeface="Arial"/>
-      <a:defRPr b="0" i="0" sz="1400" u="none" cap="none" strike="noStrike">
+      <a:defRPr sz="1400" b="0" i="0" u="none" strike="noStrike" cap="none">
         <a:solidFill>
           <a:srgbClr val="000000"/>
         </a:solidFill>
@@ -195,7 +195,7 @@
         <a:sym typeface="Arial"/>
       </a:defRPr>
     </a:lvl6pPr>
-    <a:lvl7pPr lvl="6" marR="0" rtl="0" algn="l">
+    <a:lvl7pPr marR="0" lvl="6" algn="l" rtl="0">
       <a:lnSpc>
         <a:spcPct val="100000"/>
       </a:lnSpc>
@@ -209,7 +209,7 @@
         <a:srgbClr val="000000"/>
       </a:buClr>
       <a:buFont typeface="Arial"/>
-      <a:defRPr b="0" i="0" sz="1400" u="none" cap="none" strike="noStrike">
+      <a:defRPr sz="1400" b="0" i="0" u="none" strike="noStrike" cap="none">
         <a:solidFill>
           <a:srgbClr val="000000"/>
         </a:solidFill>
@@ -219,7 +219,7 @@
         <a:sym typeface="Arial"/>
       </a:defRPr>
     </a:lvl7pPr>
-    <a:lvl8pPr lvl="7" marR="0" rtl="0" algn="l">
+    <a:lvl8pPr marR="0" lvl="7" algn="l" rtl="0">
       <a:lnSpc>
         <a:spcPct val="100000"/>
       </a:lnSpc>
@@ -233,7 +233,7 @@
         <a:srgbClr val="000000"/>
       </a:buClr>
       <a:buFont typeface="Arial"/>
-      <a:defRPr b="0" i="0" sz="1400" u="none" cap="none" strike="noStrike">
+      <a:defRPr sz="1400" b="0" i="0" u="none" strike="noStrike" cap="none">
         <a:solidFill>
           <a:srgbClr val="000000"/>
         </a:solidFill>
@@ -243,7 +243,7 @@
         <a:sym typeface="Arial"/>
       </a:defRPr>
     </a:lvl8pPr>
-    <a:lvl9pPr lvl="8" marR="0" rtl="0" algn="l">
+    <a:lvl9pPr marR="0" lvl="8" algn="l" rtl="0">
       <a:lnSpc>
         <a:spcPct val="100000"/>
       </a:lnSpc>
@@ -257,7 +257,7 @@
         <a:srgbClr val="000000"/>
       </a:buClr>
       <a:buFont typeface="Arial"/>
-      <a:defRPr b="0" i="0" sz="1400" u="none" cap="none" strike="noStrike">
+      <a:defRPr sz="1400" b="0" i="0" u="none" strike="noStrike" cap="none">
         <a:solidFill>
           <a:srgbClr val="000000"/>
         </a:solidFill>
@@ -270,7 +270,7 @@
   </p:defaultTextStyle>
   <p:extLst>
     <p:ext uri="{EFAFB233-063F-42B5-8137-9DF3F51BA10A}">
-      <p15:sldGuideLst>
+      <p15:sldGuideLst xmlns:p15="http://schemas.microsoft.com/office/powerpoint/2012/main">
         <p15:guide id="1" orient="horz" pos="1620">
           <p15:clr>
             <a:srgbClr val="747775"/>
@@ -288,11 +288,16 @@
 </file>
 
 <file path=ppt/notesMasters/notesMaster1.xml><?xml version="1.0" encoding="utf-8"?>
-<p:notesMaster xmlns:a="http://schemas.openxmlformats.org/drawingml/2006/main" xmlns:r="http://schemas.openxmlformats.org/officeDocument/2006/relationships" xmlns:mc="http://schemas.openxmlformats.org/markup-compatibility/2006" xmlns:mv="urn:schemas-microsoft-com:mac:vml" xmlns:p="http://schemas.openxmlformats.org/presentationml/2006/main" xmlns:c="http://schemas.openxmlformats.org/drawingml/2006/chart" xmlns:dgm="http://schemas.openxmlformats.org/drawingml/2006/diagram" xmlns:o="urn:schemas-microsoft-com:office:office" xmlns:v="urn:schemas-microsoft-com:vml" xmlns:pvml="urn:schemas-microsoft-com:office:powerpoint" xmlns:com="http://schemas.openxmlformats.org/drawingml/2006/compatibility" xmlns:p14="http://schemas.microsoft.com/office/powerpoint/2010/main" xmlns:p15="http://schemas.microsoft.com/office/powerpoint/2012/main" xmlns:ahyp="http://schemas.microsoft.com/office/drawing/2018/hyperlinkcolor">
+<p:notesMaster xmlns:a="http://schemas.openxmlformats.org/drawingml/2006/main" xmlns:r="http://schemas.openxmlformats.org/officeDocument/2006/relationships" xmlns:p="http://schemas.openxmlformats.org/presentationml/2006/main">
   <p:cSld>
+    <p:bg>
+      <p:bgRef idx="1001">
+        <a:schemeClr val="bg1"/>
+      </p:bgRef>
+    </p:bg>
     <p:spTree>
       <p:nvGrpSpPr>
-        <p:cNvPr id="2" name="Shape 2"/>
+        <p:cNvPr id="1" name="Shape 2"/>
         <p:cNvGrpSpPr/>
         <p:nvPr/>
       </p:nvGrpSpPr>
@@ -307,9 +312,11 @@
       <p:sp>
         <p:nvSpPr>
           <p:cNvPr id="3" name="Google Shape;3;n"/>
-          <p:cNvSpPr/>
+          <p:cNvSpPr>
+            <a:spLocks noGrp="1" noRot="1" noChangeAspect="1"/>
+          </p:cNvSpPr>
           <p:nvPr>
-            <p:ph idx="2" type="sldImg"/>
+            <p:ph type="sldImg" idx="2"/>
           </p:nvPr>
         </p:nvSpPr>
         <p:spPr>
@@ -318,9 +325,13 @@
             <a:ext cx="6096075" cy="3429000"/>
           </a:xfrm>
           <a:custGeom>
-            <a:rect b="b" l="l" r="r" t="t"/>
+            <a:avLst/>
+            <a:gdLst/>
+            <a:ahLst/>
+            <a:cxnLst/>
+            <a:rect l="l" t="t" r="r" b="b"/>
             <a:pathLst>
-              <a:path extrusionOk="0" h="120000" w="120000">
+              <a:path w="120000" h="120000" extrusionOk="0">
                 <a:moveTo>
                   <a:pt x="0" y="0"/>
                 </a:moveTo>
@@ -338,23 +349,25 @@
             </a:pathLst>
           </a:custGeom>
           <a:noFill/>
-          <a:ln cap="flat" cmpd="sng" w="9525">
+          <a:ln w="9525" cap="flat" cmpd="sng">
             <a:solidFill>
               <a:srgbClr val="000000"/>
             </a:solidFill>
             <a:prstDash val="solid"/>
             <a:round/>
-            <a:headEnd len="sm" w="sm" type="none"/>
-            <a:tailEnd len="sm" w="sm" type="none"/>
+            <a:headEnd type="none" w="sm" len="sm"/>
+            <a:tailEnd type="none" w="sm" len="sm"/>
           </a:ln>
         </p:spPr>
       </p:sp>
       <p:sp>
         <p:nvSpPr>
           <p:cNvPr id="4" name="Google Shape;4;n"/>
-          <p:cNvSpPr txBox="1"/>
+          <p:cNvSpPr txBox="1">
+            <a:spLocks noGrp="1"/>
+          </p:cNvSpPr>
           <p:nvPr>
-            <p:ph idx="1" type="body"/>
+            <p:ph type="body" idx="1"/>
           </p:nvPr>
         </p:nvSpPr>
         <p:spPr>
@@ -371,11 +384,11 @@
           </a:ln>
         </p:spPr>
         <p:txBody>
-          <a:bodyPr anchorCtr="0" anchor="t" bIns="91425" lIns="91425" spcFirstLastPara="1" rIns="91425" wrap="square" tIns="91425">
+          <a:bodyPr spcFirstLastPara="1" wrap="square" lIns="91425" tIns="91425" rIns="91425" bIns="91425" anchor="t" anchorCtr="0">
             <a:noAutofit/>
           </a:bodyPr>
           <a:lstStyle>
-            <a:lvl1pPr indent="-298450" lvl="0" marL="457200">
+            <a:lvl1pPr marL="457200" lvl="0" indent="-298450">
               <a:spcBef>
                 <a:spcPts val="0"/>
               </a:spcBef>
@@ -386,7 +399,7 @@
               <a:buChar char="●"/>
               <a:defRPr sz="1100"/>
             </a:lvl1pPr>
-            <a:lvl2pPr indent="-298450" lvl="1" marL="914400">
+            <a:lvl2pPr marL="914400" lvl="1" indent="-298450">
               <a:spcBef>
                 <a:spcPts val="0"/>
               </a:spcBef>
@@ -397,7 +410,7 @@
               <a:buChar char="○"/>
               <a:defRPr sz="1100"/>
             </a:lvl2pPr>
-            <a:lvl3pPr indent="-298450" lvl="2" marL="1371600">
+            <a:lvl3pPr marL="1371600" lvl="2" indent="-298450">
               <a:spcBef>
                 <a:spcPts val="0"/>
               </a:spcBef>
@@ -408,7 +421,7 @@
               <a:buChar char="■"/>
               <a:defRPr sz="1100"/>
             </a:lvl3pPr>
-            <a:lvl4pPr indent="-298450" lvl="3" marL="1828800">
+            <a:lvl4pPr marL="1828800" lvl="3" indent="-298450">
               <a:spcBef>
                 <a:spcPts val="0"/>
               </a:spcBef>
@@ -419,7 +432,7 @@
               <a:buChar char="●"/>
               <a:defRPr sz="1100"/>
             </a:lvl4pPr>
-            <a:lvl5pPr indent="-298450" lvl="4" marL="2286000">
+            <a:lvl5pPr marL="2286000" lvl="4" indent="-298450">
               <a:spcBef>
                 <a:spcPts val="0"/>
               </a:spcBef>
@@ -430,7 +443,7 @@
               <a:buChar char="○"/>
               <a:defRPr sz="1100"/>
             </a:lvl5pPr>
-            <a:lvl6pPr indent="-298450" lvl="5" marL="2743200">
+            <a:lvl6pPr marL="2743200" lvl="5" indent="-298450">
               <a:spcBef>
                 <a:spcPts val="0"/>
               </a:spcBef>
@@ -441,7 +454,7 @@
               <a:buChar char="■"/>
               <a:defRPr sz="1100"/>
             </a:lvl6pPr>
-            <a:lvl7pPr indent="-298450" lvl="6" marL="3200400">
+            <a:lvl7pPr marL="3200400" lvl="6" indent="-298450">
               <a:spcBef>
                 <a:spcPts val="0"/>
               </a:spcBef>
@@ -452,7 +465,7 @@
               <a:buChar char="●"/>
               <a:defRPr sz="1100"/>
             </a:lvl7pPr>
-            <a:lvl8pPr indent="-298450" lvl="7" marL="3657600">
+            <a:lvl8pPr marL="3657600" lvl="7" indent="-298450">
               <a:spcBef>
                 <a:spcPts val="0"/>
               </a:spcBef>
@@ -463,7 +476,7 @@
               <a:buChar char="○"/>
               <a:defRPr sz="1100"/>
             </a:lvl8pPr>
-            <a:lvl9pPr indent="-298450" lvl="8" marL="4114800">
+            <a:lvl9pPr marL="4114800" lvl="8" indent="-298450">
               <a:spcBef>
                 <a:spcPts val="0"/>
               </a:spcBef>
@@ -475,14 +488,16 @@
               <a:defRPr sz="1100"/>
             </a:lvl9pPr>
           </a:lstStyle>
-          <a:p/>
+          <a:p>
+            <a:endParaRPr/>
+          </a:p>
         </p:txBody>
       </p:sp>
     </p:spTree>
   </p:cSld>
-  <p:clrMap accent1="accent1" accent2="accent2" accent3="accent3" accent4="accent4" accent5="accent5" accent6="accent6" bg1="lt1" bg2="dk2" tx1="dk1" tx2="lt2" folHlink="folHlink" hlink="hlink"/>
+  <p:clrMap bg1="lt1" tx1="dk1" bg2="dk2" tx2="lt2" accent1="accent1" accent2="accent2" accent3="accent3" accent4="accent4" accent5="accent5" accent6="accent6" hlink="hlink" folHlink="folHlink"/>
   <p:notesStyle>
-    <a:defPPr lvl="0" marR="0" rtl="0" algn="l">
+    <a:defPPr marR="0" lvl="0" algn="l" rtl="0">
       <a:lnSpc>
         <a:spcPct val="100000"/>
       </a:lnSpc>
@@ -493,7 +508,7 @@
         <a:spcPts val="0"/>
       </a:spcAft>
     </a:defPPr>
-    <a:lvl1pPr lvl="0" marR="0" rtl="0" algn="l">
+    <a:lvl1pPr marR="0" lvl="0" algn="l" rtl="0">
       <a:lnSpc>
         <a:spcPct val="100000"/>
       </a:lnSpc>
@@ -507,7 +522,7 @@
         <a:srgbClr val="000000"/>
       </a:buClr>
       <a:buFont typeface="Arial"/>
-      <a:defRPr b="0" i="0" sz="1400" u="none" cap="none" strike="noStrike">
+      <a:defRPr sz="1400" b="0" i="0" u="none" strike="noStrike" cap="none">
         <a:solidFill>
           <a:srgbClr val="000000"/>
         </a:solidFill>
@@ -517,7 +532,7 @@
         <a:sym typeface="Arial"/>
       </a:defRPr>
     </a:lvl1pPr>
-    <a:lvl2pPr lvl="1" marR="0" rtl="0" algn="l">
+    <a:lvl2pPr marR="0" lvl="1" algn="l" rtl="0">
       <a:lnSpc>
         <a:spcPct val="100000"/>
       </a:lnSpc>
@@ -531,7 +546,7 @@
         <a:srgbClr val="000000"/>
       </a:buClr>
       <a:buFont typeface="Arial"/>
-      <a:defRPr b="0" i="0" sz="1400" u="none" cap="none" strike="noStrike">
+      <a:defRPr sz="1400" b="0" i="0" u="none" strike="noStrike" cap="none">
         <a:solidFill>
           <a:srgbClr val="000000"/>
         </a:solidFill>
@@ -541,7 +556,7 @@
         <a:sym typeface="Arial"/>
       </a:defRPr>
     </a:lvl2pPr>
-    <a:lvl3pPr lvl="2" marR="0" rtl="0" algn="l">
+    <a:lvl3pPr marR="0" lvl="2" algn="l" rtl="0">
       <a:lnSpc>
         <a:spcPct val="100000"/>
       </a:lnSpc>
@@ -555,7 +570,7 @@
         <a:srgbClr val="000000"/>
       </a:buClr>
       <a:buFont typeface="Arial"/>
-      <a:defRPr b="0" i="0" sz="1400" u="none" cap="none" strike="noStrike">
+      <a:defRPr sz="1400" b="0" i="0" u="none" strike="noStrike" cap="none">
         <a:solidFill>
           <a:srgbClr val="000000"/>
         </a:solidFill>
@@ -565,7 +580,7 @@
         <a:sym typeface="Arial"/>
       </a:defRPr>
     </a:lvl3pPr>
-    <a:lvl4pPr lvl="3" marR="0" rtl="0" algn="l">
+    <a:lvl4pPr marR="0" lvl="3" algn="l" rtl="0">
       <a:lnSpc>
         <a:spcPct val="100000"/>
       </a:lnSpc>
@@ -579,7 +594,7 @@
         <a:srgbClr val="000000"/>
       </a:buClr>
       <a:buFont typeface="Arial"/>
-      <a:defRPr b="0" i="0" sz="1400" u="none" cap="none" strike="noStrike">
+      <a:defRPr sz="1400" b="0" i="0" u="none" strike="noStrike" cap="none">
         <a:solidFill>
           <a:srgbClr val="000000"/>
         </a:solidFill>
@@ -589,7 +604,7 @@
         <a:sym typeface="Arial"/>
       </a:defRPr>
     </a:lvl4pPr>
-    <a:lvl5pPr lvl="4" marR="0" rtl="0" algn="l">
+    <a:lvl5pPr marR="0" lvl="4" algn="l" rtl="0">
       <a:lnSpc>
         <a:spcPct val="100000"/>
       </a:lnSpc>
@@ -603,7 +618,7 @@
         <a:srgbClr val="000000"/>
       </a:buClr>
       <a:buFont typeface="Arial"/>
-      <a:defRPr b="0" i="0" sz="1400" u="none" cap="none" strike="noStrike">
+      <a:defRPr sz="1400" b="0" i="0" u="none" strike="noStrike" cap="none">
         <a:solidFill>
           <a:srgbClr val="000000"/>
         </a:solidFill>
@@ -613,7 +628,7 @@
         <a:sym typeface="Arial"/>
       </a:defRPr>
     </a:lvl5pPr>
-    <a:lvl6pPr lvl="5" marR="0" rtl="0" algn="l">
+    <a:lvl6pPr marR="0" lvl="5" algn="l" rtl="0">
       <a:lnSpc>
         <a:spcPct val="100000"/>
       </a:lnSpc>
@@ -627,7 +642,7 @@
         <a:srgbClr val="000000"/>
       </a:buClr>
       <a:buFont typeface="Arial"/>
-      <a:defRPr b="0" i="0" sz="1400" u="none" cap="none" strike="noStrike">
+      <a:defRPr sz="1400" b="0" i="0" u="none" strike="noStrike" cap="none">
         <a:solidFill>
           <a:srgbClr val="000000"/>
         </a:solidFill>
@@ -637,7 +652,7 @@
         <a:sym typeface="Arial"/>
       </a:defRPr>
     </a:lvl6pPr>
-    <a:lvl7pPr lvl="6" marR="0" rtl="0" algn="l">
+    <a:lvl7pPr marR="0" lvl="6" algn="l" rtl="0">
       <a:lnSpc>
         <a:spcPct val="100000"/>
       </a:lnSpc>
@@ -651,7 +666,7 @@
         <a:srgbClr val="000000"/>
       </a:buClr>
       <a:buFont typeface="Arial"/>
-      <a:defRPr b="0" i="0" sz="1400" u="none" cap="none" strike="noStrike">
+      <a:defRPr sz="1400" b="0" i="0" u="none" strike="noStrike" cap="none">
         <a:solidFill>
           <a:srgbClr val="000000"/>
         </a:solidFill>
@@ -661,7 +676,7 @@
         <a:sym typeface="Arial"/>
       </a:defRPr>
     </a:lvl7pPr>
-    <a:lvl8pPr lvl="7" marR="0" rtl="0" algn="l">
+    <a:lvl8pPr marR="0" lvl="7" algn="l" rtl="0">
       <a:lnSpc>
         <a:spcPct val="100000"/>
       </a:lnSpc>
@@ -675,7 +690,7 @@
         <a:srgbClr val="000000"/>
       </a:buClr>
       <a:buFont typeface="Arial"/>
-      <a:defRPr b="0" i="0" sz="1400" u="none" cap="none" strike="noStrike">
+      <a:defRPr sz="1400" b="0" i="0" u="none" strike="noStrike" cap="none">
         <a:solidFill>
           <a:srgbClr val="000000"/>
         </a:solidFill>
@@ -685,7 +700,7 @@
         <a:sym typeface="Arial"/>
       </a:defRPr>
     </a:lvl8pPr>
-    <a:lvl9pPr lvl="8" marR="0" rtl="0" algn="l">
+    <a:lvl9pPr marR="0" lvl="8" algn="l" rtl="0">
       <a:lnSpc>
         <a:spcPct val="100000"/>
       </a:lnSpc>
@@ -699,7 +714,7 @@
         <a:srgbClr val="000000"/>
       </a:buClr>
       <a:buFont typeface="Arial"/>
-      <a:defRPr b="0" i="0" sz="1400" u="none" cap="none" strike="noStrike">
+      <a:defRPr sz="1400" b="0" i="0" u="none" strike="noStrike" cap="none">
         <a:solidFill>
           <a:srgbClr val="000000"/>
         </a:solidFill>
@@ -714,11 +729,11 @@
 </file>
 
 <file path=ppt/notesSlides/notesSlide1.xml><?xml version="1.0" encoding="utf-8"?>
-<p:notes xmlns:a="http://schemas.openxmlformats.org/drawingml/2006/main" xmlns:r="http://schemas.openxmlformats.org/officeDocument/2006/relationships" xmlns:mc="http://schemas.openxmlformats.org/markup-compatibility/2006" xmlns:mv="urn:schemas-microsoft-com:mac:vml" xmlns:p="http://schemas.openxmlformats.org/presentationml/2006/main" xmlns:c="http://schemas.openxmlformats.org/drawingml/2006/chart" xmlns:dgm="http://schemas.openxmlformats.org/drawingml/2006/diagram" xmlns:o="urn:schemas-microsoft-com:office:office" xmlns:v="urn:schemas-microsoft-com:vml" xmlns:pvml="urn:schemas-microsoft-com:office:powerpoint" xmlns:com="http://schemas.openxmlformats.org/drawingml/2006/compatibility" xmlns:p14="http://schemas.microsoft.com/office/powerpoint/2010/main" xmlns:p15="http://schemas.microsoft.com/office/powerpoint/2012/main" xmlns:ahyp="http://schemas.microsoft.com/office/drawing/2018/hyperlinkcolor" showMasterPhAnim="0" showMasterSp="0">
+<p:notes xmlns:a="http://schemas.openxmlformats.org/drawingml/2006/main" xmlns:r="http://schemas.openxmlformats.org/officeDocument/2006/relationships" xmlns:p="http://schemas.openxmlformats.org/presentationml/2006/main" showMasterSp="0" showMasterPhAnim="0">
   <p:cSld>
     <p:spTree>
       <p:nvGrpSpPr>
-        <p:cNvPr id="130" name="Shape 130"/>
+        <p:cNvPr id="1" name="Shape 130"/>
         <p:cNvGrpSpPr/>
         <p:nvPr/>
       </p:nvGrpSpPr>
@@ -733,20 +748,26 @@
       <p:sp>
         <p:nvSpPr>
           <p:cNvPr id="131" name="Google Shape;131;g218936cdedd_0_20:notes"/>
-          <p:cNvSpPr/>
+          <p:cNvSpPr>
+            <a:spLocks noGrp="1" noRot="1" noChangeAspect="1"/>
+          </p:cNvSpPr>
           <p:nvPr>
-            <p:ph idx="2" type="sldImg"/>
+            <p:ph type="sldImg" idx="2"/>
           </p:nvPr>
         </p:nvSpPr>
         <p:spPr>
           <a:xfrm>
-            <a:off x="381300" y="685800"/>
+            <a:off x="381000" y="685800"/>
             <a:ext cx="6096000" cy="3429000"/>
           </a:xfrm>
           <a:custGeom>
-            <a:rect b="b" l="l" r="r" t="t"/>
+            <a:avLst/>
+            <a:gdLst/>
+            <a:ahLst/>
+            <a:cxnLst/>
+            <a:rect l="l" t="t" r="r" b="b"/>
             <a:pathLst>
-              <a:path extrusionOk="0" h="120000" w="120000">
+              <a:path w="120000" h="120000" extrusionOk="0">
                 <a:moveTo>
                   <a:pt x="0" y="0"/>
                 </a:moveTo>
@@ -768,9 +789,11 @@
       <p:sp>
         <p:nvSpPr>
           <p:cNvPr id="132" name="Google Shape;132;g218936cdedd_0_20:notes"/>
-          <p:cNvSpPr txBox="1"/>
+          <p:cNvSpPr txBox="1">
+            <a:spLocks noGrp="1"/>
+          </p:cNvSpPr>
           <p:nvPr>
-            <p:ph idx="1" type="body"/>
+            <p:ph type="body" idx="1"/>
           </p:nvPr>
         </p:nvSpPr>
         <p:spPr>
@@ -783,12 +806,12 @@
           </a:prstGeom>
         </p:spPr>
         <p:txBody>
-          <a:bodyPr anchorCtr="0" anchor="t" bIns="91425" lIns="91425" spcFirstLastPara="1" rIns="91425" wrap="square" tIns="91425">
+          <a:bodyPr spcFirstLastPara="1" wrap="square" lIns="91425" tIns="91425" rIns="91425" bIns="91425" anchor="t" anchorCtr="0">
             <a:noAutofit/>
           </a:bodyPr>
           <a:lstStyle/>
           <a:p>
-            <a:pPr indent="0" lvl="0" marL="0" rtl="0" algn="l">
+            <a:pPr marL="0" lvl="0" indent="0" algn="l" rtl="0">
               <a:spcBef>
                 <a:spcPts val="0"/>
               </a:spcBef>
@@ -797,9 +820,6 @@
               </a:spcAft>
               <a:buNone/>
             </a:pPr>
-            <a:r>
-              <a:t/>
-            </a:r>
             <a:endParaRPr/>
           </a:p>
         </p:txBody>
@@ -813,11 +833,11 @@
 </file>
 
 <file path=ppt/notesSlides/notesSlide2.xml><?xml version="1.0" encoding="utf-8"?>
-<p:notes xmlns:a="http://schemas.openxmlformats.org/drawingml/2006/main" xmlns:r="http://schemas.openxmlformats.org/officeDocument/2006/relationships" xmlns:mc="http://schemas.openxmlformats.org/markup-compatibility/2006" xmlns:mv="urn:schemas-microsoft-com:mac:vml" xmlns:p="http://schemas.openxmlformats.org/presentationml/2006/main" xmlns:c="http://schemas.openxmlformats.org/drawingml/2006/chart" xmlns:dgm="http://schemas.openxmlformats.org/drawingml/2006/diagram" xmlns:o="urn:schemas-microsoft-com:office:office" xmlns:v="urn:schemas-microsoft-com:vml" xmlns:pvml="urn:schemas-microsoft-com:office:powerpoint" xmlns:com="http://schemas.openxmlformats.org/drawingml/2006/compatibility" xmlns:p14="http://schemas.microsoft.com/office/powerpoint/2010/main" xmlns:p15="http://schemas.microsoft.com/office/powerpoint/2012/main" xmlns:ahyp="http://schemas.microsoft.com/office/drawing/2018/hyperlinkcolor" showMasterPhAnim="0" showMasterSp="0">
+<p:notes xmlns:a="http://schemas.openxmlformats.org/drawingml/2006/main" xmlns:r="http://schemas.openxmlformats.org/officeDocument/2006/relationships" xmlns:p="http://schemas.openxmlformats.org/presentationml/2006/main" showMasterSp="0" showMasterPhAnim="0">
   <p:cSld>
     <p:spTree>
       <p:nvGrpSpPr>
-        <p:cNvPr id="136" name="Shape 136"/>
+        <p:cNvPr id="1" name="Shape 136"/>
         <p:cNvGrpSpPr/>
         <p:nvPr/>
       </p:nvGrpSpPr>
@@ -832,20 +852,26 @@
       <p:sp>
         <p:nvSpPr>
           <p:cNvPr id="137" name="Google Shape;137;p:notes"/>
-          <p:cNvSpPr/>
+          <p:cNvSpPr>
+            <a:spLocks noGrp="1" noRot="1" noChangeAspect="1"/>
+          </p:cNvSpPr>
           <p:nvPr>
-            <p:ph idx="2" type="sldImg"/>
+            <p:ph type="sldImg" idx="2"/>
           </p:nvPr>
         </p:nvSpPr>
         <p:spPr>
           <a:xfrm>
-            <a:off x="381300" y="685800"/>
-            <a:ext cx="6096075" cy="3429000"/>
+            <a:off x="381000" y="685800"/>
+            <a:ext cx="6096000" cy="3429000"/>
           </a:xfrm>
           <a:custGeom>
-            <a:rect b="b" l="l" r="r" t="t"/>
+            <a:avLst/>
+            <a:gdLst/>
+            <a:ahLst/>
+            <a:cxnLst/>
+            <a:rect l="l" t="t" r="r" b="b"/>
             <a:pathLst>
-              <a:path extrusionOk="0" h="120000" w="120000">
+              <a:path w="120000" h="120000" extrusionOk="0">
                 <a:moveTo>
                   <a:pt x="0" y="0"/>
                 </a:moveTo>
@@ -867,9 +893,11 @@
       <p:sp>
         <p:nvSpPr>
           <p:cNvPr id="138" name="Google Shape;138;p:notes"/>
-          <p:cNvSpPr txBox="1"/>
+          <p:cNvSpPr txBox="1">
+            <a:spLocks noGrp="1"/>
+          </p:cNvSpPr>
           <p:nvPr>
-            <p:ph idx="1" type="body"/>
+            <p:ph type="body" idx="1"/>
           </p:nvPr>
         </p:nvSpPr>
         <p:spPr>
@@ -882,12 +910,12 @@
           </a:prstGeom>
         </p:spPr>
         <p:txBody>
-          <a:bodyPr anchorCtr="0" anchor="t" bIns="91425" lIns="91425" spcFirstLastPara="1" rIns="91425" wrap="square" tIns="91425">
+          <a:bodyPr spcFirstLastPara="1" wrap="square" lIns="91425" tIns="91425" rIns="91425" bIns="91425" anchor="t" anchorCtr="0">
             <a:noAutofit/>
           </a:bodyPr>
           <a:lstStyle/>
           <a:p>
-            <a:pPr indent="0" lvl="0" marL="0" rtl="0" algn="l">
+            <a:pPr marL="0" lvl="0" indent="0" algn="l" rtl="0">
               <a:spcBef>
                 <a:spcPts val="0"/>
               </a:spcBef>
@@ -896,9 +924,6 @@
               </a:spcAft>
               <a:buNone/>
             </a:pPr>
-            <a:r>
-              <a:t/>
-            </a:r>
             <a:endParaRPr/>
           </a:p>
         </p:txBody>
@@ -912,11 +937,11 @@
 </file>
 
 <file path=ppt/notesSlides/notesSlide3.xml><?xml version="1.0" encoding="utf-8"?>
-<p:notes xmlns:a="http://schemas.openxmlformats.org/drawingml/2006/main" xmlns:r="http://schemas.openxmlformats.org/officeDocument/2006/relationships" xmlns:mc="http://schemas.openxmlformats.org/markup-compatibility/2006" xmlns:mv="urn:schemas-microsoft-com:mac:vml" xmlns:p="http://schemas.openxmlformats.org/presentationml/2006/main" xmlns:c="http://schemas.openxmlformats.org/drawingml/2006/chart" xmlns:dgm="http://schemas.openxmlformats.org/drawingml/2006/diagram" xmlns:o="urn:schemas-microsoft-com:office:office" xmlns:v="urn:schemas-microsoft-com:vml" xmlns:pvml="urn:schemas-microsoft-com:office:powerpoint" xmlns:com="http://schemas.openxmlformats.org/drawingml/2006/compatibility" xmlns:p14="http://schemas.microsoft.com/office/powerpoint/2010/main" xmlns:p15="http://schemas.microsoft.com/office/powerpoint/2012/main" xmlns:ahyp="http://schemas.microsoft.com/office/drawing/2018/hyperlinkcolor" showMasterPhAnim="0" showMasterSp="0">
+<p:notes xmlns:a="http://schemas.openxmlformats.org/drawingml/2006/main" xmlns:r="http://schemas.openxmlformats.org/officeDocument/2006/relationships" xmlns:p="http://schemas.openxmlformats.org/presentationml/2006/main" showMasterSp="0" showMasterPhAnim="0">
   <p:cSld>
     <p:spTree>
       <p:nvGrpSpPr>
-        <p:cNvPr id="142" name="Shape 142"/>
+        <p:cNvPr id="1" name="Shape 142"/>
         <p:cNvGrpSpPr/>
         <p:nvPr/>
       </p:nvGrpSpPr>
@@ -931,20 +956,26 @@
       <p:sp>
         <p:nvSpPr>
           <p:cNvPr id="143" name="Google Shape;143;g218936cdedd_0_0:notes"/>
-          <p:cNvSpPr/>
+          <p:cNvSpPr>
+            <a:spLocks noGrp="1" noRot="1" noChangeAspect="1"/>
+          </p:cNvSpPr>
           <p:nvPr>
-            <p:ph idx="2" type="sldImg"/>
+            <p:ph type="sldImg" idx="2"/>
           </p:nvPr>
         </p:nvSpPr>
         <p:spPr>
           <a:xfrm>
-            <a:off x="381300" y="685800"/>
+            <a:off x="381000" y="685800"/>
             <a:ext cx="6096000" cy="3429000"/>
           </a:xfrm>
           <a:custGeom>
-            <a:rect b="b" l="l" r="r" t="t"/>
+            <a:avLst/>
+            <a:gdLst/>
+            <a:ahLst/>
+            <a:cxnLst/>
+            <a:rect l="l" t="t" r="r" b="b"/>
             <a:pathLst>
-              <a:path extrusionOk="0" h="120000" w="120000">
+              <a:path w="120000" h="120000" extrusionOk="0">
                 <a:moveTo>
                   <a:pt x="0" y="0"/>
                 </a:moveTo>
@@ -966,9 +997,11 @@
       <p:sp>
         <p:nvSpPr>
           <p:cNvPr id="144" name="Google Shape;144;g218936cdedd_0_0:notes"/>
-          <p:cNvSpPr txBox="1"/>
+          <p:cNvSpPr txBox="1">
+            <a:spLocks noGrp="1"/>
+          </p:cNvSpPr>
           <p:nvPr>
-            <p:ph idx="1" type="body"/>
+            <p:ph type="body" idx="1"/>
           </p:nvPr>
         </p:nvSpPr>
         <p:spPr>
@@ -981,12 +1014,12 @@
           </a:prstGeom>
         </p:spPr>
         <p:txBody>
-          <a:bodyPr anchorCtr="0" anchor="t" bIns="91425" lIns="91425" spcFirstLastPara="1" rIns="91425" wrap="square" tIns="91425">
+          <a:bodyPr spcFirstLastPara="1" wrap="square" lIns="91425" tIns="91425" rIns="91425" bIns="91425" anchor="t" anchorCtr="0">
             <a:noAutofit/>
           </a:bodyPr>
           <a:lstStyle/>
           <a:p>
-            <a:pPr indent="0" lvl="0" marL="0" rtl="0" algn="l">
+            <a:pPr marL="0" lvl="0" indent="0" algn="l" rtl="0">
               <a:spcBef>
                 <a:spcPts val="0"/>
               </a:spcBef>
@@ -995,9 +1028,6 @@
               </a:spcAft>
               <a:buNone/>
             </a:pPr>
-            <a:r>
-              <a:t/>
-            </a:r>
             <a:endParaRPr/>
           </a:p>
         </p:txBody>
@@ -1011,11 +1041,11 @@
 </file>
 
 <file path=ppt/notesSlides/notesSlide4.xml><?xml version="1.0" encoding="utf-8"?>
-<p:notes xmlns:a="http://schemas.openxmlformats.org/drawingml/2006/main" xmlns:r="http://schemas.openxmlformats.org/officeDocument/2006/relationships" xmlns:mc="http://schemas.openxmlformats.org/markup-compatibility/2006" xmlns:mv="urn:schemas-microsoft-com:mac:vml" xmlns:p="http://schemas.openxmlformats.org/presentationml/2006/main" xmlns:c="http://schemas.openxmlformats.org/drawingml/2006/chart" xmlns:dgm="http://schemas.openxmlformats.org/drawingml/2006/diagram" xmlns:o="urn:schemas-microsoft-com:office:office" xmlns:v="urn:schemas-microsoft-com:vml" xmlns:pvml="urn:schemas-microsoft-com:office:powerpoint" xmlns:com="http://schemas.openxmlformats.org/drawingml/2006/compatibility" xmlns:p14="http://schemas.microsoft.com/office/powerpoint/2010/main" xmlns:p15="http://schemas.microsoft.com/office/powerpoint/2012/main" xmlns:ahyp="http://schemas.microsoft.com/office/drawing/2018/hyperlinkcolor" showMasterPhAnim="0" showMasterSp="0">
+<p:notes xmlns:a="http://schemas.openxmlformats.org/drawingml/2006/main" xmlns:r="http://schemas.openxmlformats.org/officeDocument/2006/relationships" xmlns:p="http://schemas.openxmlformats.org/presentationml/2006/main" showMasterSp="0" showMasterPhAnim="0">
   <p:cSld>
     <p:spTree>
       <p:nvGrpSpPr>
-        <p:cNvPr id="151" name="Shape 151"/>
+        <p:cNvPr id="1" name="Shape 151"/>
         <p:cNvGrpSpPr/>
         <p:nvPr/>
       </p:nvGrpSpPr>
@@ -1030,9 +1060,11 @@
       <p:sp>
         <p:nvSpPr>
           <p:cNvPr id="152" name="Google Shape;152;g218936cdedd_0_5:notes"/>
-          <p:cNvSpPr/>
+          <p:cNvSpPr>
+            <a:spLocks noGrp="1" noRot="1" noChangeAspect="1"/>
+          </p:cNvSpPr>
           <p:nvPr>
-            <p:ph idx="2" type="sldImg"/>
+            <p:ph type="sldImg" idx="2"/>
           </p:nvPr>
         </p:nvSpPr>
         <p:spPr>
@@ -1041,9 +1073,13 @@
             <a:ext cx="6096000" cy="3429000"/>
           </a:xfrm>
           <a:custGeom>
-            <a:rect b="b" l="l" r="r" t="t"/>
+            <a:avLst/>
+            <a:gdLst/>
+            <a:ahLst/>
+            <a:cxnLst/>
+            <a:rect l="l" t="t" r="r" b="b"/>
             <a:pathLst>
-              <a:path extrusionOk="0" h="120000" w="120000">
+              <a:path w="120000" h="120000" extrusionOk="0">
                 <a:moveTo>
                   <a:pt x="0" y="0"/>
                 </a:moveTo>
@@ -1065,9 +1101,11 @@
       <p:sp>
         <p:nvSpPr>
           <p:cNvPr id="153" name="Google Shape;153;g218936cdedd_0_5:notes"/>
-          <p:cNvSpPr txBox="1"/>
+          <p:cNvSpPr txBox="1">
+            <a:spLocks noGrp="1"/>
+          </p:cNvSpPr>
           <p:nvPr>
-            <p:ph idx="1" type="body"/>
+            <p:ph type="body" idx="1"/>
           </p:nvPr>
         </p:nvSpPr>
         <p:spPr>
@@ -1080,12 +1118,12 @@
           </a:prstGeom>
         </p:spPr>
         <p:txBody>
-          <a:bodyPr anchorCtr="0" anchor="t" bIns="91425" lIns="91425" spcFirstLastPara="1" rIns="91425" wrap="square" tIns="91425">
+          <a:bodyPr spcFirstLastPara="1" wrap="square" lIns="91425" tIns="91425" rIns="91425" bIns="91425" anchor="t" anchorCtr="0">
             <a:noAutofit/>
           </a:bodyPr>
           <a:lstStyle/>
           <a:p>
-            <a:pPr indent="0" lvl="0" marL="0" rtl="0" algn="l">
+            <a:pPr marL="0" lvl="0" indent="0" algn="l" rtl="0">
               <a:spcBef>
                 <a:spcPts val="0"/>
               </a:spcBef>
@@ -1094,9 +1132,6 @@
               </a:spcAft>
               <a:buNone/>
             </a:pPr>
-            <a:r>
-              <a:t/>
-            </a:r>
             <a:endParaRPr/>
           </a:p>
         </p:txBody>
@@ -1110,11 +1145,11 @@
 </file>
 
 <file path=ppt/notesSlides/notesSlide5.xml><?xml version="1.0" encoding="utf-8"?>
-<p:notes xmlns:a="http://schemas.openxmlformats.org/drawingml/2006/main" xmlns:r="http://schemas.openxmlformats.org/officeDocument/2006/relationships" xmlns:mc="http://schemas.openxmlformats.org/markup-compatibility/2006" xmlns:mv="urn:schemas-microsoft-com:mac:vml" xmlns:p="http://schemas.openxmlformats.org/presentationml/2006/main" xmlns:c="http://schemas.openxmlformats.org/drawingml/2006/chart" xmlns:dgm="http://schemas.openxmlformats.org/drawingml/2006/diagram" xmlns:o="urn:schemas-microsoft-com:office:office" xmlns:v="urn:schemas-microsoft-com:vml" xmlns:pvml="urn:schemas-microsoft-com:office:powerpoint" xmlns:com="http://schemas.openxmlformats.org/drawingml/2006/compatibility" xmlns:p14="http://schemas.microsoft.com/office/powerpoint/2010/main" xmlns:p15="http://schemas.microsoft.com/office/powerpoint/2012/main" xmlns:ahyp="http://schemas.microsoft.com/office/drawing/2018/hyperlinkcolor" showMasterPhAnim="0" showMasterSp="0">
+<p:notes xmlns:a="http://schemas.openxmlformats.org/drawingml/2006/main" xmlns:r="http://schemas.openxmlformats.org/officeDocument/2006/relationships" xmlns:p="http://schemas.openxmlformats.org/presentationml/2006/main" showMasterSp="0" showMasterPhAnim="0">
   <p:cSld>
     <p:spTree>
       <p:nvGrpSpPr>
-        <p:cNvPr id="157" name="Shape 157"/>
+        <p:cNvPr id="1" name="Shape 157"/>
         <p:cNvGrpSpPr/>
         <p:nvPr/>
       </p:nvGrpSpPr>
@@ -1129,9 +1164,11 @@
       <p:sp>
         <p:nvSpPr>
           <p:cNvPr id="158" name="Google Shape;158;g218936cdedd_0_10:notes"/>
-          <p:cNvSpPr/>
+          <p:cNvSpPr>
+            <a:spLocks noGrp="1" noRot="1" noChangeAspect="1"/>
+          </p:cNvSpPr>
           <p:nvPr>
-            <p:ph idx="2" type="sldImg"/>
+            <p:ph type="sldImg" idx="2"/>
           </p:nvPr>
         </p:nvSpPr>
         <p:spPr>
@@ -1140,9 +1177,13 @@
             <a:ext cx="6096000" cy="3429000"/>
           </a:xfrm>
           <a:custGeom>
-            <a:rect b="b" l="l" r="r" t="t"/>
+            <a:avLst/>
+            <a:gdLst/>
+            <a:ahLst/>
+            <a:cxnLst/>
+            <a:rect l="l" t="t" r="r" b="b"/>
             <a:pathLst>
-              <a:path extrusionOk="0" h="120000" w="120000">
+              <a:path w="120000" h="120000" extrusionOk="0">
                 <a:moveTo>
                   <a:pt x="0" y="0"/>
                 </a:moveTo>
@@ -1164,9 +1205,11 @@
       <p:sp>
         <p:nvSpPr>
           <p:cNvPr id="159" name="Google Shape;159;g218936cdedd_0_10:notes"/>
-          <p:cNvSpPr txBox="1"/>
+          <p:cNvSpPr txBox="1">
+            <a:spLocks noGrp="1"/>
+          </p:cNvSpPr>
           <p:nvPr>
-            <p:ph idx="1" type="body"/>
+            <p:ph type="body" idx="1"/>
           </p:nvPr>
         </p:nvSpPr>
         <p:spPr>
@@ -1179,12 +1222,12 @@
           </a:prstGeom>
         </p:spPr>
         <p:txBody>
-          <a:bodyPr anchorCtr="0" anchor="t" bIns="91425" lIns="91425" spcFirstLastPara="1" rIns="91425" wrap="square" tIns="91425">
+          <a:bodyPr spcFirstLastPara="1" wrap="square" lIns="91425" tIns="91425" rIns="91425" bIns="91425" anchor="t" anchorCtr="0">
             <a:noAutofit/>
           </a:bodyPr>
           <a:lstStyle/>
           <a:p>
-            <a:pPr indent="0" lvl="0" marL="0" rtl="0" algn="l">
+            <a:pPr marL="0" lvl="0" indent="0" algn="l" rtl="0">
               <a:spcBef>
                 <a:spcPts val="0"/>
               </a:spcBef>
@@ -1193,9 +1236,6 @@
               </a:spcAft>
               <a:buNone/>
             </a:pPr>
-            <a:r>
-              <a:t/>
-            </a:r>
             <a:endParaRPr/>
           </a:p>
         </p:txBody>
@@ -1209,11 +1249,11 @@
 </file>
 
 <file path=ppt/notesSlides/notesSlide6.xml><?xml version="1.0" encoding="utf-8"?>
-<p:notes xmlns:a="http://schemas.openxmlformats.org/drawingml/2006/main" xmlns:r="http://schemas.openxmlformats.org/officeDocument/2006/relationships" xmlns:mc="http://schemas.openxmlformats.org/markup-compatibility/2006" xmlns:mv="urn:schemas-microsoft-com:mac:vml" xmlns:p="http://schemas.openxmlformats.org/presentationml/2006/main" xmlns:c="http://schemas.openxmlformats.org/drawingml/2006/chart" xmlns:dgm="http://schemas.openxmlformats.org/drawingml/2006/diagram" xmlns:o="urn:schemas-microsoft-com:office:office" xmlns:v="urn:schemas-microsoft-com:vml" xmlns:pvml="urn:schemas-microsoft-com:office:powerpoint" xmlns:com="http://schemas.openxmlformats.org/drawingml/2006/compatibility" xmlns:p14="http://schemas.microsoft.com/office/powerpoint/2010/main" xmlns:p15="http://schemas.microsoft.com/office/powerpoint/2012/main" xmlns:ahyp="http://schemas.microsoft.com/office/drawing/2018/hyperlinkcolor" showMasterPhAnim="0" showMasterSp="0">
+<p:notes xmlns:a="http://schemas.openxmlformats.org/drawingml/2006/main" xmlns:r="http://schemas.openxmlformats.org/officeDocument/2006/relationships" xmlns:p="http://schemas.openxmlformats.org/presentationml/2006/main" showMasterSp="0" showMasterPhAnim="0">
   <p:cSld>
     <p:spTree>
       <p:nvGrpSpPr>
-        <p:cNvPr id="163" name="Shape 163"/>
+        <p:cNvPr id="1" name="Shape 163"/>
         <p:cNvGrpSpPr/>
         <p:nvPr/>
       </p:nvGrpSpPr>
@@ -1228,9 +1268,11 @@
       <p:sp>
         <p:nvSpPr>
           <p:cNvPr id="164" name="Google Shape;164;g21d35f56f4a_0_0:notes"/>
-          <p:cNvSpPr/>
+          <p:cNvSpPr>
+            <a:spLocks noGrp="1" noRot="1" noChangeAspect="1"/>
+          </p:cNvSpPr>
           <p:nvPr>
-            <p:ph idx="2" type="sldImg"/>
+            <p:ph type="sldImg" idx="2"/>
           </p:nvPr>
         </p:nvSpPr>
         <p:spPr>
@@ -1239,9 +1281,13 @@
             <a:ext cx="6096000" cy="3429000"/>
           </a:xfrm>
           <a:custGeom>
-            <a:rect b="b" l="l" r="r" t="t"/>
+            <a:avLst/>
+            <a:gdLst/>
+            <a:ahLst/>
+            <a:cxnLst/>
+            <a:rect l="l" t="t" r="r" b="b"/>
             <a:pathLst>
-              <a:path extrusionOk="0" h="120000" w="120000">
+              <a:path w="120000" h="120000" extrusionOk="0">
                 <a:moveTo>
                   <a:pt x="0" y="0"/>
                 </a:moveTo>
@@ -1263,9 +1309,11 @@
       <p:sp>
         <p:nvSpPr>
           <p:cNvPr id="165" name="Google Shape;165;g21d35f56f4a_0_0:notes"/>
-          <p:cNvSpPr txBox="1"/>
+          <p:cNvSpPr txBox="1">
+            <a:spLocks noGrp="1"/>
+          </p:cNvSpPr>
           <p:nvPr>
-            <p:ph idx="1" type="body"/>
+            <p:ph type="body" idx="1"/>
           </p:nvPr>
         </p:nvSpPr>
         <p:spPr>
@@ -1278,12 +1326,12 @@
           </a:prstGeom>
         </p:spPr>
         <p:txBody>
-          <a:bodyPr anchorCtr="0" anchor="t" bIns="91425" lIns="91425" spcFirstLastPara="1" rIns="91425" wrap="square" tIns="91425">
+          <a:bodyPr spcFirstLastPara="1" wrap="square" lIns="91425" tIns="91425" rIns="91425" bIns="91425" anchor="t" anchorCtr="0">
             <a:noAutofit/>
           </a:bodyPr>
           <a:lstStyle/>
           <a:p>
-            <a:pPr indent="0" lvl="0" marL="0" rtl="0" algn="l">
+            <a:pPr marL="0" lvl="0" indent="0" algn="l" rtl="0">
               <a:spcBef>
                 <a:spcPts val="0"/>
               </a:spcBef>
@@ -1292,9 +1340,6 @@
               </a:spcAft>
               <a:buNone/>
             </a:pPr>
-            <a:r>
-              <a:t/>
-            </a:r>
             <a:endParaRPr/>
           </a:p>
         </p:txBody>
@@ -1308,11 +1353,11 @@
 </file>
 
 <file path=ppt/notesSlides/notesSlide7.xml><?xml version="1.0" encoding="utf-8"?>
-<p:notes xmlns:a="http://schemas.openxmlformats.org/drawingml/2006/main" xmlns:r="http://schemas.openxmlformats.org/officeDocument/2006/relationships" xmlns:mc="http://schemas.openxmlformats.org/markup-compatibility/2006" xmlns:mv="urn:schemas-microsoft-com:mac:vml" xmlns:p="http://schemas.openxmlformats.org/presentationml/2006/main" xmlns:c="http://schemas.openxmlformats.org/drawingml/2006/chart" xmlns:dgm="http://schemas.openxmlformats.org/drawingml/2006/diagram" xmlns:o="urn:schemas-microsoft-com:office:office" xmlns:v="urn:schemas-microsoft-com:vml" xmlns:pvml="urn:schemas-microsoft-com:office:powerpoint" xmlns:com="http://schemas.openxmlformats.org/drawingml/2006/compatibility" xmlns:p14="http://schemas.microsoft.com/office/powerpoint/2010/main" xmlns:p15="http://schemas.microsoft.com/office/powerpoint/2012/main" xmlns:ahyp="http://schemas.microsoft.com/office/drawing/2018/hyperlinkcolor" showMasterPhAnim="0" showMasterSp="0">
+<p:notes xmlns:a="http://schemas.openxmlformats.org/drawingml/2006/main" xmlns:r="http://schemas.openxmlformats.org/officeDocument/2006/relationships" xmlns:p="http://schemas.openxmlformats.org/presentationml/2006/main" showMasterSp="0" showMasterPhAnim="0">
   <p:cSld>
     <p:spTree>
       <p:nvGrpSpPr>
-        <p:cNvPr id="169" name="Shape 169"/>
+        <p:cNvPr id="1" name="Shape 169"/>
         <p:cNvGrpSpPr/>
         <p:nvPr/>
       </p:nvGrpSpPr>
@@ -1327,9 +1372,11 @@
       <p:sp>
         <p:nvSpPr>
           <p:cNvPr id="170" name="Google Shape;170;g218936cdedd_0_155:notes"/>
-          <p:cNvSpPr/>
+          <p:cNvSpPr>
+            <a:spLocks noGrp="1" noRot="1" noChangeAspect="1"/>
+          </p:cNvSpPr>
           <p:nvPr>
-            <p:ph idx="2" type="sldImg"/>
+            <p:ph type="sldImg" idx="2"/>
           </p:nvPr>
         </p:nvSpPr>
         <p:spPr>
@@ -1338,9 +1385,13 @@
             <a:ext cx="6096000" cy="3429000"/>
           </a:xfrm>
           <a:custGeom>
-            <a:rect b="b" l="l" r="r" t="t"/>
+            <a:avLst/>
+            <a:gdLst/>
+            <a:ahLst/>
+            <a:cxnLst/>
+            <a:rect l="l" t="t" r="r" b="b"/>
             <a:pathLst>
-              <a:path extrusionOk="0" h="120000" w="120000">
+              <a:path w="120000" h="120000" extrusionOk="0">
                 <a:moveTo>
                   <a:pt x="0" y="0"/>
                 </a:moveTo>
@@ -1362,9 +1413,11 @@
       <p:sp>
         <p:nvSpPr>
           <p:cNvPr id="171" name="Google Shape;171;g218936cdedd_0_155:notes"/>
-          <p:cNvSpPr txBox="1"/>
+          <p:cNvSpPr txBox="1">
+            <a:spLocks noGrp="1"/>
+          </p:cNvSpPr>
           <p:nvPr>
-            <p:ph idx="1" type="body"/>
+            <p:ph type="body" idx="1"/>
           </p:nvPr>
         </p:nvSpPr>
         <p:spPr>
@@ -1377,12 +1430,12 @@
           </a:prstGeom>
         </p:spPr>
         <p:txBody>
-          <a:bodyPr anchorCtr="0" anchor="t" bIns="91425" lIns="91425" spcFirstLastPara="1" rIns="91425" wrap="square" tIns="91425">
+          <a:bodyPr spcFirstLastPara="1" wrap="square" lIns="91425" tIns="91425" rIns="91425" bIns="91425" anchor="t" anchorCtr="0">
             <a:noAutofit/>
           </a:bodyPr>
           <a:lstStyle/>
           <a:p>
-            <a:pPr indent="0" lvl="0" marL="0" rtl="0" algn="l">
+            <a:pPr marL="0" lvl="0" indent="0" algn="l" rtl="0">
               <a:spcBef>
                 <a:spcPts val="0"/>
               </a:spcBef>
@@ -1391,9 +1444,6 @@
               </a:spcAft>
               <a:buNone/>
             </a:pPr>
-            <a:r>
-              <a:t/>
-            </a:r>
             <a:endParaRPr/>
           </a:p>
         </p:txBody>
@@ -1407,11 +1457,11 @@
 </file>
 
 <file path=ppt/slideLayouts/slideLayout1.xml><?xml version="1.0" encoding="utf-8"?>
-<p:sldLayout xmlns:a="http://schemas.openxmlformats.org/drawingml/2006/main" xmlns:r="http://schemas.openxmlformats.org/officeDocument/2006/relationships" xmlns:mc="http://schemas.openxmlformats.org/markup-compatibility/2006" xmlns:mv="urn:schemas-microsoft-com:mac:vml" xmlns:p="http://schemas.openxmlformats.org/presentationml/2006/main" xmlns:c="http://schemas.openxmlformats.org/drawingml/2006/chart" xmlns:dgm="http://schemas.openxmlformats.org/drawingml/2006/diagram" xmlns:o="urn:schemas-microsoft-com:office:office" xmlns:v="urn:schemas-microsoft-com:vml" xmlns:pvml="urn:schemas-microsoft-com:office:powerpoint" xmlns:com="http://schemas.openxmlformats.org/drawingml/2006/compatibility" xmlns:p14="http://schemas.microsoft.com/office/powerpoint/2010/main" xmlns:p15="http://schemas.microsoft.com/office/powerpoint/2012/main" xmlns:ahyp="http://schemas.microsoft.com/office/drawing/2018/hyperlinkcolor" matchingName="Title slide" type="title">
+<p:sldLayout xmlns:a="http://schemas.openxmlformats.org/drawingml/2006/main" xmlns:r="http://schemas.openxmlformats.org/officeDocument/2006/relationships" xmlns:p="http://schemas.openxmlformats.org/presentationml/2006/main" matchingName="Title slide" type="title">
   <p:cSld name="TITLE">
     <p:spTree>
       <p:nvGrpSpPr>
-        <p:cNvPr id="9" name="Shape 9"/>
+        <p:cNvPr id="1" name="Shape 9"/>
         <p:cNvGrpSpPr/>
         <p:nvPr/>
       </p:nvGrpSpPr>
@@ -1436,7 +1486,7 @@
           </a:xfrm>
           <a:prstGeom prst="diagStripe">
             <a:avLst>
-              <a:gd fmla="val 0" name="adj"/>
+              <a:gd name="adj" fmla="val 0"/>
             </a:avLst>
           </a:prstGeom>
           <a:solidFill>
@@ -1449,12 +1499,12 @@
           </a:ln>
         </p:spPr>
         <p:txBody>
-          <a:bodyPr anchorCtr="0" anchor="ctr" bIns="91425" lIns="91425" spcFirstLastPara="1" rIns="91425" wrap="square" tIns="91425">
+          <a:bodyPr spcFirstLastPara="1" wrap="square" lIns="91425" tIns="91425" rIns="91425" bIns="91425" anchor="ctr" anchorCtr="0">
             <a:noAutofit/>
           </a:bodyPr>
           <a:lstStyle/>
           <a:p>
-            <a:pPr indent="0" lvl="0" marL="0" rtl="0" algn="l">
+            <a:pPr marL="0" lvl="0" indent="0" algn="l" rtl="0">
               <a:spcBef>
                 <a:spcPts val="0"/>
               </a:spcBef>
@@ -1463,9 +1513,6 @@
               </a:spcAft>
               <a:buNone/>
             </a:pPr>
-            <a:r>
-              <a:t/>
-            </a:r>
             <a:endParaRPr/>
           </a:p>
         </p:txBody>
@@ -1497,7 +1544,7 @@
             </a:xfrm>
             <a:prstGeom prst="diagStripe">
               <a:avLst>
-                <a:gd fmla="val 50000" name="adj"/>
+                <a:gd name="adj" fmla="val 50000"/>
               </a:avLst>
             </a:prstGeom>
             <a:solidFill>
@@ -1510,12 +1557,12 @@
             </a:ln>
           </p:spPr>
           <p:txBody>
-            <a:bodyPr anchorCtr="0" anchor="ctr" bIns="91425" lIns="91425" spcFirstLastPara="1" rIns="91425" wrap="square" tIns="91425">
+            <a:bodyPr spcFirstLastPara="1" wrap="square" lIns="91425" tIns="91425" rIns="91425" bIns="91425" anchor="ctr" anchorCtr="0">
               <a:noAutofit/>
             </a:bodyPr>
             <a:lstStyle/>
             <a:p>
-              <a:pPr indent="0" lvl="0" marL="0" rtl="0" algn="l">
+              <a:pPr marL="0" lvl="0" indent="0" algn="l" rtl="0">
                 <a:spcBef>
                   <a:spcPts val="0"/>
                 </a:spcBef>
@@ -1524,9 +1571,6 @@
                 </a:spcAft>
                 <a:buNone/>
               </a:pPr>
-              <a:r>
-                <a:t/>
-              </a:r>
               <a:endParaRPr/>
             </a:p>
           </p:txBody>
@@ -1544,7 +1588,7 @@
             </a:xfrm>
             <a:prstGeom prst="diagStripe">
               <a:avLst>
-                <a:gd fmla="val 58774" name="adj"/>
+                <a:gd name="adj" fmla="val 58774"/>
               </a:avLst>
             </a:prstGeom>
             <a:solidFill>
@@ -1557,12 +1601,12 @@
             </a:ln>
           </p:spPr>
           <p:txBody>
-            <a:bodyPr anchorCtr="0" anchor="ctr" bIns="91425" lIns="91425" spcFirstLastPara="1" rIns="91425" wrap="square" tIns="91425">
+            <a:bodyPr spcFirstLastPara="1" wrap="square" lIns="91425" tIns="91425" rIns="91425" bIns="91425" anchor="ctr" anchorCtr="0">
               <a:noAutofit/>
             </a:bodyPr>
             <a:lstStyle/>
             <a:p>
-              <a:pPr indent="0" lvl="0" marL="0" rtl="0" algn="l">
+              <a:pPr marL="0" lvl="0" indent="0" algn="l" rtl="0">
                 <a:spcBef>
                   <a:spcPts val="0"/>
                 </a:spcBef>
@@ -1571,9 +1615,6 @@
                 </a:spcAft>
                 <a:buNone/>
               </a:pPr>
-              <a:r>
-                <a:t/>
-              </a:r>
               <a:endParaRPr/>
             </a:p>
           </p:txBody>
@@ -1591,7 +1632,7 @@
             </a:xfrm>
             <a:prstGeom prst="diagStripe">
               <a:avLst>
-                <a:gd fmla="val 50000" name="adj"/>
+                <a:gd name="adj" fmla="val 50000"/>
               </a:avLst>
             </a:prstGeom>
             <a:solidFill>
@@ -1602,12 +1643,12 @@
             </a:ln>
           </p:spPr>
           <p:txBody>
-            <a:bodyPr anchorCtr="0" anchor="ctr" bIns="91425" lIns="91425" spcFirstLastPara="1" rIns="91425" wrap="square" tIns="91425">
+            <a:bodyPr spcFirstLastPara="1" wrap="square" lIns="91425" tIns="91425" rIns="91425" bIns="91425" anchor="ctr" anchorCtr="0">
               <a:noAutofit/>
             </a:bodyPr>
             <a:lstStyle/>
             <a:p>
-              <a:pPr indent="0" lvl="0" marL="0" rtl="0" algn="l">
+              <a:pPr marL="0" lvl="0" indent="0" algn="l" rtl="0">
                 <a:spcBef>
                   <a:spcPts val="0"/>
                 </a:spcBef>
@@ -1616,9 +1657,6 @@
                 </a:spcAft>
                 <a:buNone/>
               </a:pPr>
-              <a:r>
-                <a:t/>
-              </a:r>
               <a:endParaRPr/>
             </a:p>
           </p:txBody>
@@ -1636,7 +1674,7 @@
             </a:xfrm>
             <a:prstGeom prst="diagStripe">
               <a:avLst>
-                <a:gd fmla="val 50000" name="adj"/>
+                <a:gd name="adj" fmla="val 50000"/>
               </a:avLst>
             </a:prstGeom>
             <a:solidFill>
@@ -1647,12 +1685,12 @@
             </a:ln>
           </p:spPr>
           <p:txBody>
-            <a:bodyPr anchorCtr="0" anchor="ctr" bIns="91425" lIns="91425" spcFirstLastPara="1" rIns="91425" wrap="square" tIns="91425">
+            <a:bodyPr spcFirstLastPara="1" wrap="square" lIns="91425" tIns="91425" rIns="91425" bIns="91425" anchor="ctr" anchorCtr="0">
               <a:noAutofit/>
             </a:bodyPr>
             <a:lstStyle/>
             <a:p>
-              <a:pPr indent="0" lvl="0" marL="0" rtl="0" algn="l">
+              <a:pPr marL="0" lvl="0" indent="0" algn="l" rtl="0">
                 <a:spcBef>
                   <a:spcPts val="0"/>
                 </a:spcBef>
@@ -1661,9 +1699,6 @@
                 </a:spcAft>
                 <a:buNone/>
               </a:pPr>
-              <a:r>
-                <a:t/>
-              </a:r>
               <a:endParaRPr/>
             </a:p>
           </p:txBody>
@@ -1672,7 +1707,9 @@
       <p:sp>
         <p:nvSpPr>
           <p:cNvPr id="16" name="Google Shape;16;p2"/>
-          <p:cNvSpPr txBox="1"/>
+          <p:cNvSpPr txBox="1">
+            <a:spLocks noGrp="1"/>
+          </p:cNvSpPr>
           <p:nvPr>
             <p:ph type="ctrTitle"/>
           </p:nvPr>
@@ -1687,7 +1724,7 @@
           </a:prstGeom>
         </p:spPr>
         <p:txBody>
-          <a:bodyPr anchorCtr="0" anchor="t" bIns="91425" lIns="91425" spcFirstLastPara="1" rIns="91425" wrap="square" tIns="91425">
+          <a:bodyPr spcFirstLastPara="1" wrap="square" lIns="91425" tIns="91425" rIns="91425" bIns="91425" anchor="t" anchorCtr="0">
             <a:normAutofit/>
           </a:bodyPr>
           <a:lstStyle>
@@ -1791,15 +1828,19 @@
               <a:defRPr sz="4000"/>
             </a:lvl9pPr>
           </a:lstStyle>
-          <a:p/>
+          <a:p>
+            <a:endParaRPr/>
+          </a:p>
         </p:txBody>
       </p:sp>
       <p:sp>
         <p:nvSpPr>
           <p:cNvPr id="17" name="Google Shape;17;p2"/>
-          <p:cNvSpPr txBox="1"/>
+          <p:cNvSpPr txBox="1">
+            <a:spLocks noGrp="1"/>
+          </p:cNvSpPr>
           <p:nvPr>
-            <p:ph idx="1" type="subTitle"/>
+            <p:ph type="subTitle" idx="1"/>
           </p:nvPr>
         </p:nvSpPr>
         <p:spPr>
@@ -1812,7 +1853,7 @@
           </a:prstGeom>
         </p:spPr>
         <p:txBody>
-          <a:bodyPr anchorCtr="0" anchor="t" bIns="91425" lIns="91425" spcFirstLastPara="1" rIns="91425" wrap="square" tIns="91425">
+          <a:bodyPr spcFirstLastPara="1" wrap="square" lIns="91425" tIns="91425" rIns="91425" bIns="91425" anchor="t" anchorCtr="0">
             <a:normAutofit/>
           </a:bodyPr>
           <a:lstStyle>
@@ -1943,15 +1984,19 @@
               <a:defRPr sz="1300"/>
             </a:lvl9pPr>
           </a:lstStyle>
-          <a:p/>
+          <a:p>
+            <a:endParaRPr/>
+          </a:p>
         </p:txBody>
       </p:sp>
       <p:sp>
         <p:nvSpPr>
           <p:cNvPr id="18" name="Google Shape;18;p2"/>
-          <p:cNvSpPr txBox="1"/>
+          <p:cNvSpPr txBox="1">
+            <a:spLocks noGrp="1"/>
+          </p:cNvSpPr>
           <p:nvPr>
-            <p:ph idx="12" type="sldNum"/>
+            <p:ph type="sldNum" idx="12"/>
           </p:nvPr>
         </p:nvSpPr>
         <p:spPr>
@@ -1964,7 +2009,7 @@
           </a:prstGeom>
         </p:spPr>
         <p:txBody>
-          <a:bodyPr anchorCtr="0" anchor="ctr" bIns="91425" lIns="91425" spcFirstLastPara="1" rIns="91425" wrap="square" tIns="91425">
+          <a:bodyPr spcFirstLastPara="1" wrap="square" lIns="91425" tIns="91425" rIns="91425" bIns="91425" anchor="ctr" anchorCtr="0">
             <a:normAutofit/>
           </a:bodyPr>
           <a:lstStyle>
@@ -2006,7 +2051,7 @@
             </a:lvl9pPr>
           </a:lstStyle>
           <a:p>
-            <a:pPr indent="0" lvl="0" marL="0" rtl="0" algn="r">
+            <a:pPr marL="0" lvl="0" indent="0" algn="r" rtl="0">
               <a:spcBef>
                 <a:spcPts val="0"/>
               </a:spcBef>
@@ -2032,11 +2077,11 @@
 </file>
 
 <file path=ppt/slideLayouts/slideLayout10.xml><?xml version="1.0" encoding="utf-8"?>
-<p:sldLayout xmlns:a="http://schemas.openxmlformats.org/drawingml/2006/main" xmlns:r="http://schemas.openxmlformats.org/officeDocument/2006/relationships" xmlns:mc="http://schemas.openxmlformats.org/markup-compatibility/2006" xmlns:mv="urn:schemas-microsoft-com:mac:vml" xmlns:p="http://schemas.openxmlformats.org/presentationml/2006/main" xmlns:c="http://schemas.openxmlformats.org/drawingml/2006/chart" xmlns:dgm="http://schemas.openxmlformats.org/drawingml/2006/diagram" xmlns:o="urn:schemas-microsoft-com:office:office" xmlns:v="urn:schemas-microsoft-com:vml" xmlns:pvml="urn:schemas-microsoft-com:office:powerpoint" xmlns:com="http://schemas.openxmlformats.org/drawingml/2006/compatibility" xmlns:p14="http://schemas.microsoft.com/office/powerpoint/2010/main" xmlns:p15="http://schemas.microsoft.com/office/powerpoint/2012/main" xmlns:ahyp="http://schemas.microsoft.com/office/drawing/2018/hyperlinkcolor" matchingName="Big number">
+<p:sldLayout xmlns:a="http://schemas.openxmlformats.org/drawingml/2006/main" xmlns:r="http://schemas.openxmlformats.org/officeDocument/2006/relationships" xmlns:p="http://schemas.openxmlformats.org/presentationml/2006/main" matchingName="Big number">
   <p:cSld name="BIG_NUMBER">
     <p:spTree>
       <p:nvGrpSpPr>
-        <p:cNvPr id="105" name="Shape 105"/>
+        <p:cNvPr id="1" name="Shape 105"/>
         <p:cNvGrpSpPr/>
         <p:nvPr/>
       </p:nvGrpSpPr>
@@ -2075,7 +2120,7 @@
             </a:xfrm>
             <a:prstGeom prst="diagStripe">
               <a:avLst>
-                <a:gd fmla="val 49469" name="adj"/>
+                <a:gd name="adj" fmla="val 49469"/>
               </a:avLst>
             </a:prstGeom>
             <a:solidFill>
@@ -2088,12 +2133,12 @@
             </a:ln>
           </p:spPr>
           <p:txBody>
-            <a:bodyPr anchorCtr="0" anchor="ctr" bIns="91425" lIns="91425" spcFirstLastPara="1" rIns="91425" wrap="square" tIns="91425">
+            <a:bodyPr spcFirstLastPara="1" wrap="square" lIns="91425" tIns="91425" rIns="91425" bIns="91425" anchor="ctr" anchorCtr="0">
               <a:noAutofit/>
             </a:bodyPr>
             <a:lstStyle/>
             <a:p>
-              <a:pPr indent="0" lvl="0" marL="0" rtl="0" algn="l">
+              <a:pPr marL="0" lvl="0" indent="0" algn="l" rtl="0">
                 <a:spcBef>
                   <a:spcPts val="0"/>
                 </a:spcBef>
@@ -2102,9 +2147,6 @@
                 </a:spcAft>
                 <a:buNone/>
               </a:pPr>
-              <a:r>
-                <a:t/>
-              </a:r>
               <a:endParaRPr/>
             </a:p>
           </p:txBody>
@@ -2122,7 +2164,7 @@
             </a:xfrm>
             <a:prstGeom prst="diagStripe">
               <a:avLst>
-                <a:gd fmla="val 0" name="adj"/>
+                <a:gd name="adj" fmla="val 0"/>
               </a:avLst>
             </a:prstGeom>
             <a:solidFill>
@@ -2135,12 +2177,12 @@
             </a:ln>
           </p:spPr>
           <p:txBody>
-            <a:bodyPr anchorCtr="0" anchor="ctr" bIns="91425" lIns="91425" spcFirstLastPara="1" rIns="91425" wrap="square" tIns="91425">
+            <a:bodyPr spcFirstLastPara="1" wrap="square" lIns="91425" tIns="91425" rIns="91425" bIns="91425" anchor="ctr" anchorCtr="0">
               <a:noAutofit/>
             </a:bodyPr>
             <a:lstStyle/>
             <a:p>
-              <a:pPr indent="0" lvl="0" marL="0" rtl="0" algn="l">
+              <a:pPr marL="0" lvl="0" indent="0" algn="l" rtl="0">
                 <a:spcBef>
                   <a:spcPts val="0"/>
                 </a:spcBef>
@@ -2149,9 +2191,6 @@
                 </a:spcAft>
                 <a:buNone/>
               </a:pPr>
-              <a:r>
-                <a:t/>
-              </a:r>
               <a:endParaRPr/>
             </a:p>
           </p:txBody>
@@ -2169,7 +2208,7 @@
             </a:xfrm>
             <a:prstGeom prst="diagStripe">
               <a:avLst>
-                <a:gd fmla="val 50000" name="adj"/>
+                <a:gd name="adj" fmla="val 50000"/>
               </a:avLst>
             </a:prstGeom>
             <a:solidFill>
@@ -2182,12 +2221,12 @@
             </a:ln>
           </p:spPr>
           <p:txBody>
-            <a:bodyPr anchorCtr="0" anchor="ctr" bIns="91425" lIns="91425" spcFirstLastPara="1" rIns="91425" wrap="square" tIns="91425">
+            <a:bodyPr spcFirstLastPara="1" wrap="square" lIns="91425" tIns="91425" rIns="91425" bIns="91425" anchor="ctr" anchorCtr="0">
               <a:noAutofit/>
             </a:bodyPr>
             <a:lstStyle/>
             <a:p>
-              <a:pPr indent="0" lvl="0" marL="0" rtl="0" algn="l">
+              <a:pPr marL="0" lvl="0" indent="0" algn="l" rtl="0">
                 <a:spcBef>
                   <a:spcPts val="0"/>
                 </a:spcBef>
@@ -2196,9 +2235,6 @@
                 </a:spcAft>
                 <a:buNone/>
               </a:pPr>
-              <a:r>
-                <a:t/>
-              </a:r>
               <a:endParaRPr/>
             </a:p>
           </p:txBody>
@@ -2216,7 +2252,7 @@
             </a:xfrm>
             <a:prstGeom prst="diagStripe">
               <a:avLst>
-                <a:gd fmla="val 50000" name="adj"/>
+                <a:gd name="adj" fmla="val 50000"/>
               </a:avLst>
             </a:prstGeom>
             <a:solidFill>
@@ -2229,12 +2265,12 @@
             </a:ln>
           </p:spPr>
           <p:txBody>
-            <a:bodyPr anchorCtr="0" anchor="ctr" bIns="91425" lIns="91425" spcFirstLastPara="1" rIns="91425" wrap="square" tIns="91425">
+            <a:bodyPr spcFirstLastPara="1" wrap="square" lIns="91425" tIns="91425" rIns="91425" bIns="91425" anchor="ctr" anchorCtr="0">
               <a:noAutofit/>
             </a:bodyPr>
             <a:lstStyle/>
             <a:p>
-              <a:pPr indent="0" lvl="0" marL="0" rtl="0" algn="l">
+              <a:pPr marL="0" lvl="0" indent="0" algn="l" rtl="0">
                 <a:spcBef>
                   <a:spcPts val="0"/>
                 </a:spcBef>
@@ -2243,9 +2279,6 @@
                 </a:spcAft>
                 <a:buNone/>
               </a:pPr>
-              <a:r>
-                <a:t/>
-              </a:r>
               <a:endParaRPr/>
             </a:p>
           </p:txBody>
@@ -2263,7 +2296,7 @@
             </a:xfrm>
             <a:prstGeom prst="diagStripe">
               <a:avLst>
-                <a:gd fmla="val 50000" name="adj"/>
+                <a:gd name="adj" fmla="val 50000"/>
               </a:avLst>
             </a:prstGeom>
             <a:solidFill>
@@ -2276,12 +2309,12 @@
             </a:ln>
           </p:spPr>
           <p:txBody>
-            <a:bodyPr anchorCtr="0" anchor="ctr" bIns="91425" lIns="91425" spcFirstLastPara="1" rIns="91425" wrap="square" tIns="91425">
+            <a:bodyPr spcFirstLastPara="1" wrap="square" lIns="91425" tIns="91425" rIns="91425" bIns="91425" anchor="ctr" anchorCtr="0">
               <a:noAutofit/>
             </a:bodyPr>
             <a:lstStyle/>
             <a:p>
-              <a:pPr indent="0" lvl="0" marL="0" rtl="0" algn="l">
+              <a:pPr marL="0" lvl="0" indent="0" algn="l" rtl="0">
                 <a:spcBef>
                   <a:spcPts val="0"/>
                 </a:spcBef>
@@ -2290,9 +2323,6 @@
                 </a:spcAft>
                 <a:buNone/>
               </a:pPr>
-              <a:r>
-                <a:t/>
-              </a:r>
               <a:endParaRPr/>
             </a:p>
           </p:txBody>
@@ -2310,7 +2340,7 @@
             </a:xfrm>
             <a:prstGeom prst="diagStripe">
               <a:avLst>
-                <a:gd fmla="val 50000" name="adj"/>
+                <a:gd name="adj" fmla="val 50000"/>
               </a:avLst>
             </a:prstGeom>
             <a:solidFill>
@@ -2323,12 +2353,12 @@
             </a:ln>
           </p:spPr>
           <p:txBody>
-            <a:bodyPr anchorCtr="0" anchor="ctr" bIns="91425" lIns="91425" spcFirstLastPara="1" rIns="91425" wrap="square" tIns="91425">
+            <a:bodyPr spcFirstLastPara="1" wrap="square" lIns="91425" tIns="91425" rIns="91425" bIns="91425" anchor="ctr" anchorCtr="0">
               <a:noAutofit/>
             </a:bodyPr>
             <a:lstStyle/>
             <a:p>
-              <a:pPr indent="0" lvl="0" marL="0" rtl="0" algn="l">
+              <a:pPr marL="0" lvl="0" indent="0" algn="l" rtl="0">
                 <a:spcBef>
                   <a:spcPts val="0"/>
                 </a:spcBef>
@@ -2337,9 +2367,6 @@
                 </a:spcAft>
                 <a:buNone/>
               </a:pPr>
-              <a:r>
-                <a:t/>
-              </a:r>
               <a:endParaRPr/>
             </a:p>
           </p:txBody>
@@ -2357,7 +2384,7 @@
             </a:xfrm>
             <a:prstGeom prst="diagStripe">
               <a:avLst>
-                <a:gd fmla="val 50000" name="adj"/>
+                <a:gd name="adj" fmla="val 50000"/>
               </a:avLst>
             </a:prstGeom>
             <a:solidFill>
@@ -2370,12 +2397,12 @@
             </a:ln>
           </p:spPr>
           <p:txBody>
-            <a:bodyPr anchorCtr="0" anchor="ctr" bIns="91425" lIns="91425" spcFirstLastPara="1" rIns="91425" wrap="square" tIns="91425">
+            <a:bodyPr spcFirstLastPara="1" wrap="square" lIns="91425" tIns="91425" rIns="91425" bIns="91425" anchor="ctr" anchorCtr="0">
               <a:noAutofit/>
             </a:bodyPr>
             <a:lstStyle/>
             <a:p>
-              <a:pPr indent="0" lvl="0" marL="0" rtl="0" algn="l">
+              <a:pPr marL="0" lvl="0" indent="0" algn="l" rtl="0">
                 <a:spcBef>
                   <a:spcPts val="0"/>
                 </a:spcBef>
@@ -2384,9 +2411,6 @@
                 </a:spcAft>
                 <a:buNone/>
               </a:pPr>
-              <a:r>
-                <a:t/>
-              </a:r>
               <a:endParaRPr/>
             </a:p>
           </p:txBody>
@@ -2404,7 +2428,7 @@
             </a:xfrm>
             <a:prstGeom prst="diagStripe">
               <a:avLst>
-                <a:gd fmla="val 50000" name="adj"/>
+                <a:gd name="adj" fmla="val 50000"/>
               </a:avLst>
             </a:prstGeom>
             <a:solidFill>
@@ -2415,12 +2439,12 @@
             </a:ln>
           </p:spPr>
           <p:txBody>
-            <a:bodyPr anchorCtr="0" anchor="ctr" bIns="91425" lIns="91425" spcFirstLastPara="1" rIns="91425" wrap="square" tIns="91425">
+            <a:bodyPr spcFirstLastPara="1" wrap="square" lIns="91425" tIns="91425" rIns="91425" bIns="91425" anchor="ctr" anchorCtr="0">
               <a:noAutofit/>
             </a:bodyPr>
             <a:lstStyle/>
             <a:p>
-              <a:pPr indent="0" lvl="0" marL="0" rtl="0" algn="l">
+              <a:pPr marL="0" lvl="0" indent="0" algn="l" rtl="0">
                 <a:spcBef>
                   <a:spcPts val="0"/>
                 </a:spcBef>
@@ -2429,9 +2453,6 @@
                 </a:spcAft>
                 <a:buNone/>
               </a:pPr>
-              <a:r>
-                <a:t/>
-              </a:r>
               <a:endParaRPr/>
             </a:p>
           </p:txBody>
@@ -2449,7 +2470,7 @@
             </a:xfrm>
             <a:prstGeom prst="diagStripe">
               <a:avLst>
-                <a:gd fmla="val 50000" name="adj"/>
+                <a:gd name="adj" fmla="val 50000"/>
               </a:avLst>
             </a:prstGeom>
             <a:solidFill>
@@ -2462,12 +2483,12 @@
             </a:ln>
           </p:spPr>
           <p:txBody>
-            <a:bodyPr anchorCtr="0" anchor="ctr" bIns="91425" lIns="91425" spcFirstLastPara="1" rIns="91425" wrap="square" tIns="91425">
+            <a:bodyPr spcFirstLastPara="1" wrap="square" lIns="91425" tIns="91425" rIns="91425" bIns="91425" anchor="ctr" anchorCtr="0">
               <a:noAutofit/>
             </a:bodyPr>
             <a:lstStyle/>
             <a:p>
-              <a:pPr indent="0" lvl="0" marL="0" rtl="0" algn="l">
+              <a:pPr marL="0" lvl="0" indent="0" algn="l" rtl="0">
                 <a:spcBef>
                   <a:spcPts val="0"/>
                 </a:spcBef>
@@ -2476,9 +2497,6 @@
                 </a:spcAft>
                 <a:buNone/>
               </a:pPr>
-              <a:r>
-                <a:t/>
-              </a:r>
               <a:endParaRPr/>
             </a:p>
           </p:txBody>
@@ -2496,7 +2514,7 @@
             </a:xfrm>
             <a:prstGeom prst="diagStripe">
               <a:avLst>
-                <a:gd fmla="val 50000" name="adj"/>
+                <a:gd name="adj" fmla="val 50000"/>
               </a:avLst>
             </a:prstGeom>
             <a:solidFill>
@@ -2509,12 +2527,12 @@
             </a:ln>
           </p:spPr>
           <p:txBody>
-            <a:bodyPr anchorCtr="0" anchor="ctr" bIns="91425" lIns="91425" spcFirstLastPara="1" rIns="91425" wrap="square" tIns="91425">
+            <a:bodyPr spcFirstLastPara="1" wrap="square" lIns="91425" tIns="91425" rIns="91425" bIns="91425" anchor="ctr" anchorCtr="0">
               <a:noAutofit/>
             </a:bodyPr>
             <a:lstStyle/>
             <a:p>
-              <a:pPr indent="0" lvl="0" marL="0" rtl="0" algn="l">
+              <a:pPr marL="0" lvl="0" indent="0" algn="l" rtl="0">
                 <a:spcBef>
                   <a:spcPts val="0"/>
                 </a:spcBef>
@@ -2523,9 +2541,6 @@
                 </a:spcAft>
                 <a:buNone/>
               </a:pPr>
-              <a:r>
-                <a:t/>
-              </a:r>
               <a:endParaRPr/>
             </a:p>
           </p:txBody>
@@ -2543,7 +2558,7 @@
             </a:xfrm>
             <a:prstGeom prst="diagStripe">
               <a:avLst>
-                <a:gd fmla="val 50000" name="adj"/>
+                <a:gd name="adj" fmla="val 50000"/>
               </a:avLst>
             </a:prstGeom>
             <a:solidFill>
@@ -2556,12 +2571,12 @@
             </a:ln>
           </p:spPr>
           <p:txBody>
-            <a:bodyPr anchorCtr="0" anchor="ctr" bIns="91425" lIns="91425" spcFirstLastPara="1" rIns="91425" wrap="square" tIns="91425">
+            <a:bodyPr spcFirstLastPara="1" wrap="square" lIns="91425" tIns="91425" rIns="91425" bIns="91425" anchor="ctr" anchorCtr="0">
               <a:noAutofit/>
             </a:bodyPr>
             <a:lstStyle/>
             <a:p>
-              <a:pPr indent="0" lvl="0" marL="0" rtl="0" algn="l">
+              <a:pPr marL="0" lvl="0" indent="0" algn="l" rtl="0">
                 <a:spcBef>
                   <a:spcPts val="0"/>
                 </a:spcBef>
@@ -2570,9 +2585,6 @@
                 </a:spcAft>
                 <a:buNone/>
               </a:pPr>
-              <a:r>
-                <a:t/>
-              </a:r>
               <a:endParaRPr/>
             </a:p>
           </p:txBody>
@@ -2590,7 +2602,7 @@
             </a:xfrm>
             <a:prstGeom prst="diagStripe">
               <a:avLst>
-                <a:gd fmla="val 50000" name="adj"/>
+                <a:gd name="adj" fmla="val 50000"/>
               </a:avLst>
             </a:prstGeom>
             <a:solidFill>
@@ -2603,12 +2615,12 @@
             </a:ln>
           </p:spPr>
           <p:txBody>
-            <a:bodyPr anchorCtr="0" anchor="ctr" bIns="91425" lIns="91425" spcFirstLastPara="1" rIns="91425" wrap="square" tIns="91425">
+            <a:bodyPr spcFirstLastPara="1" wrap="square" lIns="91425" tIns="91425" rIns="91425" bIns="91425" anchor="ctr" anchorCtr="0">
               <a:noAutofit/>
             </a:bodyPr>
             <a:lstStyle/>
             <a:p>
-              <a:pPr indent="0" lvl="0" marL="0" rtl="0" algn="l">
+              <a:pPr marL="0" lvl="0" indent="0" algn="l" rtl="0">
                 <a:spcBef>
                   <a:spcPts val="0"/>
                 </a:spcBef>
@@ -2617,9 +2629,6 @@
                 </a:spcAft>
                 <a:buNone/>
               </a:pPr>
-              <a:r>
-                <a:t/>
-              </a:r>
               <a:endParaRPr/>
             </a:p>
           </p:txBody>
@@ -2637,7 +2646,7 @@
             </a:xfrm>
             <a:prstGeom prst="diagStripe">
               <a:avLst>
-                <a:gd fmla="val 50000" name="adj"/>
+                <a:gd name="adj" fmla="val 50000"/>
               </a:avLst>
             </a:prstGeom>
             <a:solidFill>
@@ -2650,12 +2659,12 @@
             </a:ln>
           </p:spPr>
           <p:txBody>
-            <a:bodyPr anchorCtr="0" anchor="ctr" bIns="91425" lIns="91425" spcFirstLastPara="1" rIns="91425" wrap="square" tIns="91425">
+            <a:bodyPr spcFirstLastPara="1" wrap="square" lIns="91425" tIns="91425" rIns="91425" bIns="91425" anchor="ctr" anchorCtr="0">
               <a:noAutofit/>
             </a:bodyPr>
             <a:lstStyle/>
             <a:p>
-              <a:pPr indent="0" lvl="0" marL="0" rtl="0" algn="l">
+              <a:pPr marL="0" lvl="0" indent="0" algn="l" rtl="0">
                 <a:spcBef>
                   <a:spcPts val="0"/>
                 </a:spcBef>
@@ -2664,9 +2673,6 @@
                 </a:spcAft>
                 <a:buNone/>
               </a:pPr>
-              <a:r>
-                <a:t/>
-              </a:r>
               <a:endParaRPr/>
             </a:p>
           </p:txBody>
@@ -2684,7 +2690,7 @@
             </a:xfrm>
             <a:prstGeom prst="diagStripe">
               <a:avLst>
-                <a:gd fmla="val 50000" name="adj"/>
+                <a:gd name="adj" fmla="val 50000"/>
               </a:avLst>
             </a:prstGeom>
             <a:solidFill>
@@ -2695,12 +2701,12 @@
             </a:ln>
           </p:spPr>
           <p:txBody>
-            <a:bodyPr anchorCtr="0" anchor="ctr" bIns="91425" lIns="91425" spcFirstLastPara="1" rIns="91425" wrap="square" tIns="91425">
+            <a:bodyPr spcFirstLastPara="1" wrap="square" lIns="91425" tIns="91425" rIns="91425" bIns="91425" anchor="ctr" anchorCtr="0">
               <a:noAutofit/>
             </a:bodyPr>
             <a:lstStyle/>
             <a:p>
-              <a:pPr indent="0" lvl="0" marL="0" rtl="0" algn="l">
+              <a:pPr marL="0" lvl="0" indent="0" algn="l" rtl="0">
                 <a:spcBef>
                   <a:spcPts val="0"/>
                 </a:spcBef>
@@ -2709,9 +2715,6 @@
                 </a:spcAft>
                 <a:buNone/>
               </a:pPr>
-              <a:r>
-                <a:t/>
-              </a:r>
               <a:endParaRPr/>
             </a:p>
           </p:txBody>
@@ -2729,7 +2732,7 @@
             </a:xfrm>
             <a:prstGeom prst="diagStripe">
               <a:avLst>
-                <a:gd fmla="val 50000" name="adj"/>
+                <a:gd name="adj" fmla="val 50000"/>
               </a:avLst>
             </a:prstGeom>
             <a:solidFill>
@@ -2742,12 +2745,12 @@
             </a:ln>
           </p:spPr>
           <p:txBody>
-            <a:bodyPr anchorCtr="0" anchor="ctr" bIns="91425" lIns="91425" spcFirstLastPara="1" rIns="91425" wrap="square" tIns="91425">
+            <a:bodyPr spcFirstLastPara="1" wrap="square" lIns="91425" tIns="91425" rIns="91425" bIns="91425" anchor="ctr" anchorCtr="0">
               <a:noAutofit/>
             </a:bodyPr>
             <a:lstStyle/>
             <a:p>
-              <a:pPr indent="0" lvl="0" marL="0" rtl="0" algn="l">
+              <a:pPr marL="0" lvl="0" indent="0" algn="l" rtl="0">
                 <a:spcBef>
                   <a:spcPts val="0"/>
                 </a:spcBef>
@@ -2756,9 +2759,6 @@
                 </a:spcAft>
                 <a:buNone/>
               </a:pPr>
-              <a:r>
-                <a:t/>
-              </a:r>
               <a:endParaRPr/>
             </a:p>
           </p:txBody>
@@ -2776,7 +2776,7 @@
             </a:xfrm>
             <a:prstGeom prst="diagStripe">
               <a:avLst>
-                <a:gd fmla="val 50000" name="adj"/>
+                <a:gd name="adj" fmla="val 50000"/>
               </a:avLst>
             </a:prstGeom>
             <a:solidFill>
@@ -2789,12 +2789,12 @@
             </a:ln>
           </p:spPr>
           <p:txBody>
-            <a:bodyPr anchorCtr="0" anchor="ctr" bIns="91425" lIns="91425" spcFirstLastPara="1" rIns="91425" wrap="square" tIns="91425">
+            <a:bodyPr spcFirstLastPara="1" wrap="square" lIns="91425" tIns="91425" rIns="91425" bIns="91425" anchor="ctr" anchorCtr="0">
               <a:noAutofit/>
             </a:bodyPr>
             <a:lstStyle/>
             <a:p>
-              <a:pPr indent="0" lvl="0" marL="0" rtl="0" algn="l">
+              <a:pPr marL="0" lvl="0" indent="0" algn="l" rtl="0">
                 <a:spcBef>
                   <a:spcPts val="0"/>
                 </a:spcBef>
@@ -2803,9 +2803,6 @@
                 </a:spcAft>
                 <a:buNone/>
               </a:pPr>
-              <a:r>
-                <a:t/>
-              </a:r>
               <a:endParaRPr/>
             </a:p>
           </p:txBody>
@@ -2823,7 +2820,7 @@
             </a:xfrm>
             <a:prstGeom prst="diagStripe">
               <a:avLst>
-                <a:gd fmla="val 50000" name="adj"/>
+                <a:gd name="adj" fmla="val 50000"/>
               </a:avLst>
             </a:prstGeom>
             <a:solidFill>
@@ -2836,12 +2833,12 @@
             </a:ln>
           </p:spPr>
           <p:txBody>
-            <a:bodyPr anchorCtr="0" anchor="ctr" bIns="91425" lIns="91425" spcFirstLastPara="1" rIns="91425" wrap="square" tIns="91425">
+            <a:bodyPr spcFirstLastPara="1" wrap="square" lIns="91425" tIns="91425" rIns="91425" bIns="91425" anchor="ctr" anchorCtr="0">
               <a:noAutofit/>
             </a:bodyPr>
             <a:lstStyle/>
             <a:p>
-              <a:pPr indent="0" lvl="0" marL="0" rtl="0" algn="l">
+              <a:pPr marL="0" lvl="0" indent="0" algn="l" rtl="0">
                 <a:spcBef>
                   <a:spcPts val="0"/>
                 </a:spcBef>
@@ -2850,9 +2847,6 @@
                 </a:spcAft>
                 <a:buNone/>
               </a:pPr>
-              <a:r>
-                <a:t/>
-              </a:r>
               <a:endParaRPr/>
             </a:p>
           </p:txBody>
@@ -2870,7 +2864,7 @@
             </a:xfrm>
             <a:prstGeom prst="diagStripe">
               <a:avLst>
-                <a:gd fmla="val 50000" name="adj"/>
+                <a:gd name="adj" fmla="val 50000"/>
               </a:avLst>
             </a:prstGeom>
             <a:solidFill>
@@ -2883,12 +2877,12 @@
             </a:ln>
           </p:spPr>
           <p:txBody>
-            <a:bodyPr anchorCtr="0" anchor="ctr" bIns="91425" lIns="91425" spcFirstLastPara="1" rIns="91425" wrap="square" tIns="91425">
+            <a:bodyPr spcFirstLastPara="1" wrap="square" lIns="91425" tIns="91425" rIns="91425" bIns="91425" anchor="ctr" anchorCtr="0">
               <a:noAutofit/>
             </a:bodyPr>
             <a:lstStyle/>
             <a:p>
-              <a:pPr indent="0" lvl="0" marL="0" rtl="0" algn="l">
+              <a:pPr marL="0" lvl="0" indent="0" algn="l" rtl="0">
                 <a:spcBef>
                   <a:spcPts val="0"/>
                 </a:spcBef>
@@ -2897,9 +2891,6 @@
                 </a:spcAft>
                 <a:buNone/>
               </a:pPr>
-              <a:r>
-                <a:t/>
-              </a:r>
               <a:endParaRPr/>
             </a:p>
           </p:txBody>
@@ -2908,9 +2899,11 @@
       <p:sp>
         <p:nvSpPr>
           <p:cNvPr id="125" name="Google Shape;125;p11"/>
-          <p:cNvSpPr txBox="1"/>
+          <p:cNvSpPr txBox="1">
+            <a:spLocks noGrp="1"/>
+          </p:cNvSpPr>
           <p:nvPr>
-            <p:ph hasCustomPrompt="1" type="title"/>
+            <p:ph type="title" hasCustomPrompt="1"/>
           </p:nvPr>
         </p:nvSpPr>
         <p:spPr>
@@ -2923,7 +2916,7 @@
           </a:prstGeom>
         </p:spPr>
         <p:txBody>
-          <a:bodyPr anchorCtr="0" anchor="t" bIns="91425" lIns="91425" spcFirstLastPara="1" rIns="91425" wrap="square" tIns="91425">
+          <a:bodyPr spcFirstLastPara="1" wrap="square" lIns="91425" tIns="91425" rIns="91425" bIns="91425" anchor="t" anchorCtr="0">
             <a:normAutofit/>
           </a:bodyPr>
           <a:lstStyle>
@@ -3037,9 +3030,11 @@
       <p:sp>
         <p:nvSpPr>
           <p:cNvPr id="126" name="Google Shape;126;p11"/>
-          <p:cNvSpPr txBox="1"/>
+          <p:cNvSpPr txBox="1">
+            <a:spLocks noGrp="1"/>
+          </p:cNvSpPr>
           <p:nvPr>
-            <p:ph idx="1" type="body"/>
+            <p:ph type="body" idx="1"/>
           </p:nvPr>
         </p:nvSpPr>
         <p:spPr>
@@ -3052,11 +3047,11 @@
           </a:prstGeom>
         </p:spPr>
         <p:txBody>
-          <a:bodyPr anchorCtr="0" anchor="t" bIns="91425" lIns="91425" spcFirstLastPara="1" rIns="91425" wrap="square" tIns="91425">
+          <a:bodyPr spcFirstLastPara="1" wrap="square" lIns="91425" tIns="91425" rIns="91425" bIns="91425" anchor="t" anchorCtr="0">
             <a:normAutofit/>
           </a:bodyPr>
           <a:lstStyle>
-            <a:lvl1pPr indent="-311150" lvl="0" marL="457200">
+            <a:lvl1pPr marL="457200" lvl="0" indent="-311150">
               <a:spcBef>
                 <a:spcPts val="0"/>
               </a:spcBef>
@@ -3067,7 +3062,7 @@
               <a:buChar char="●"/>
               <a:defRPr/>
             </a:lvl1pPr>
-            <a:lvl2pPr indent="-298450" lvl="1" marL="914400">
+            <a:lvl2pPr marL="914400" lvl="1" indent="-298450">
               <a:spcBef>
                 <a:spcPts val="0"/>
               </a:spcBef>
@@ -3078,7 +3073,7 @@
               <a:buChar char="○"/>
               <a:defRPr/>
             </a:lvl2pPr>
-            <a:lvl3pPr indent="-298450" lvl="2" marL="1371600">
+            <a:lvl3pPr marL="1371600" lvl="2" indent="-298450">
               <a:spcBef>
                 <a:spcPts val="0"/>
               </a:spcBef>
@@ -3089,7 +3084,7 @@
               <a:buChar char="■"/>
               <a:defRPr/>
             </a:lvl3pPr>
-            <a:lvl4pPr indent="-298450" lvl="3" marL="1828800">
+            <a:lvl4pPr marL="1828800" lvl="3" indent="-298450">
               <a:spcBef>
                 <a:spcPts val="0"/>
               </a:spcBef>
@@ -3100,7 +3095,7 @@
               <a:buChar char="●"/>
               <a:defRPr/>
             </a:lvl4pPr>
-            <a:lvl5pPr indent="-298450" lvl="4" marL="2286000">
+            <a:lvl5pPr marL="2286000" lvl="4" indent="-298450">
               <a:spcBef>
                 <a:spcPts val="0"/>
               </a:spcBef>
@@ -3111,7 +3106,7 @@
               <a:buChar char="○"/>
               <a:defRPr/>
             </a:lvl5pPr>
-            <a:lvl6pPr indent="-298450" lvl="5" marL="2743200">
+            <a:lvl6pPr marL="2743200" lvl="5" indent="-298450">
               <a:spcBef>
                 <a:spcPts val="0"/>
               </a:spcBef>
@@ -3122,7 +3117,7 @@
               <a:buChar char="■"/>
               <a:defRPr/>
             </a:lvl6pPr>
-            <a:lvl7pPr indent="-298450" lvl="6" marL="3200400">
+            <a:lvl7pPr marL="3200400" lvl="6" indent="-298450">
               <a:spcBef>
                 <a:spcPts val="0"/>
               </a:spcBef>
@@ -3133,7 +3128,7 @@
               <a:buChar char="●"/>
               <a:defRPr/>
             </a:lvl7pPr>
-            <a:lvl8pPr indent="-298450" lvl="7" marL="3657600">
+            <a:lvl8pPr marL="3657600" lvl="7" indent="-298450">
               <a:spcBef>
                 <a:spcPts val="0"/>
               </a:spcBef>
@@ -3144,7 +3139,7 @@
               <a:buChar char="○"/>
               <a:defRPr/>
             </a:lvl8pPr>
-            <a:lvl9pPr indent="-298450" lvl="8" marL="4114800">
+            <a:lvl9pPr marL="4114800" lvl="8" indent="-298450">
               <a:spcBef>
                 <a:spcPts val="0"/>
               </a:spcBef>
@@ -3156,15 +3151,19 @@
               <a:defRPr/>
             </a:lvl9pPr>
           </a:lstStyle>
-          <a:p/>
+          <a:p>
+            <a:endParaRPr/>
+          </a:p>
         </p:txBody>
       </p:sp>
       <p:sp>
         <p:nvSpPr>
           <p:cNvPr id="127" name="Google Shape;127;p11"/>
-          <p:cNvSpPr txBox="1"/>
+          <p:cNvSpPr txBox="1">
+            <a:spLocks noGrp="1"/>
+          </p:cNvSpPr>
           <p:nvPr>
-            <p:ph idx="12" type="sldNum"/>
+            <p:ph type="sldNum" idx="12"/>
           </p:nvPr>
         </p:nvSpPr>
         <p:spPr>
@@ -3177,7 +3176,7 @@
           </a:prstGeom>
         </p:spPr>
         <p:txBody>
-          <a:bodyPr anchorCtr="0" anchor="ctr" bIns="91425" lIns="91425" spcFirstLastPara="1" rIns="91425" wrap="square" tIns="91425">
+          <a:bodyPr spcFirstLastPara="1" wrap="square" lIns="91425" tIns="91425" rIns="91425" bIns="91425" anchor="ctr" anchorCtr="0">
             <a:normAutofit/>
           </a:bodyPr>
           <a:lstStyle>
@@ -3219,7 +3218,7 @@
             </a:lvl9pPr>
           </a:lstStyle>
           <a:p>
-            <a:pPr indent="0" lvl="0" marL="0" rtl="0" algn="r">
+            <a:pPr marL="0" lvl="0" indent="0" algn="r" rtl="0">
               <a:spcBef>
                 <a:spcPts val="0"/>
               </a:spcBef>
@@ -3245,11 +3244,11 @@
 </file>
 
 <file path=ppt/slideLayouts/slideLayout11.xml><?xml version="1.0" encoding="utf-8"?>
-<p:sldLayout xmlns:a="http://schemas.openxmlformats.org/drawingml/2006/main" xmlns:r="http://schemas.openxmlformats.org/officeDocument/2006/relationships" xmlns:mc="http://schemas.openxmlformats.org/markup-compatibility/2006" xmlns:mv="urn:schemas-microsoft-com:mac:vml" xmlns:p="http://schemas.openxmlformats.org/presentationml/2006/main" xmlns:c="http://schemas.openxmlformats.org/drawingml/2006/chart" xmlns:dgm="http://schemas.openxmlformats.org/drawingml/2006/diagram" xmlns:o="urn:schemas-microsoft-com:office:office" xmlns:v="urn:schemas-microsoft-com:vml" xmlns:pvml="urn:schemas-microsoft-com:office:powerpoint" xmlns:com="http://schemas.openxmlformats.org/drawingml/2006/compatibility" xmlns:p14="http://schemas.microsoft.com/office/powerpoint/2010/main" xmlns:p15="http://schemas.microsoft.com/office/powerpoint/2012/main" xmlns:ahyp="http://schemas.microsoft.com/office/drawing/2018/hyperlinkcolor" matchingName="Blank" type="blank">
+<p:sldLayout xmlns:a="http://schemas.openxmlformats.org/drawingml/2006/main" xmlns:r="http://schemas.openxmlformats.org/officeDocument/2006/relationships" xmlns:p="http://schemas.openxmlformats.org/presentationml/2006/main" matchingName="Blank" type="blank">
   <p:cSld name="BLANK">
     <p:spTree>
       <p:nvGrpSpPr>
-        <p:cNvPr id="128" name="Shape 128"/>
+        <p:cNvPr id="1" name="Shape 128"/>
         <p:cNvGrpSpPr/>
         <p:nvPr/>
       </p:nvGrpSpPr>
@@ -3264,9 +3263,11 @@
       <p:sp>
         <p:nvSpPr>
           <p:cNvPr id="129" name="Google Shape;129;p12"/>
-          <p:cNvSpPr txBox="1"/>
+          <p:cNvSpPr txBox="1">
+            <a:spLocks noGrp="1"/>
+          </p:cNvSpPr>
           <p:nvPr>
-            <p:ph idx="12" type="sldNum"/>
+            <p:ph type="sldNum" idx="12"/>
           </p:nvPr>
         </p:nvSpPr>
         <p:spPr>
@@ -3279,7 +3280,7 @@
           </a:prstGeom>
         </p:spPr>
         <p:txBody>
-          <a:bodyPr anchorCtr="0" anchor="ctr" bIns="91425" lIns="91425" spcFirstLastPara="1" rIns="91425" wrap="square" tIns="91425">
+          <a:bodyPr spcFirstLastPara="1" wrap="square" lIns="91425" tIns="91425" rIns="91425" bIns="91425" anchor="ctr" anchorCtr="0">
             <a:normAutofit/>
           </a:bodyPr>
           <a:lstStyle>
@@ -3321,7 +3322,7 @@
             </a:lvl9pPr>
           </a:lstStyle>
           <a:p>
-            <a:pPr indent="0" lvl="0" marL="0" rtl="0" algn="r">
+            <a:pPr marL="0" lvl="0" indent="0" algn="r" rtl="0">
               <a:spcBef>
                 <a:spcPts val="0"/>
               </a:spcBef>
@@ -3347,11 +3348,11 @@
 </file>
 
 <file path=ppt/slideLayouts/slideLayout2.xml><?xml version="1.0" encoding="utf-8"?>
-<p:sldLayout xmlns:a="http://schemas.openxmlformats.org/drawingml/2006/main" xmlns:r="http://schemas.openxmlformats.org/officeDocument/2006/relationships" xmlns:mc="http://schemas.openxmlformats.org/markup-compatibility/2006" xmlns:mv="urn:schemas-microsoft-com:mac:vml" xmlns:p="http://schemas.openxmlformats.org/presentationml/2006/main" xmlns:c="http://schemas.openxmlformats.org/drawingml/2006/chart" xmlns:dgm="http://schemas.openxmlformats.org/drawingml/2006/diagram" xmlns:o="urn:schemas-microsoft-com:office:office" xmlns:v="urn:schemas-microsoft-com:vml" xmlns:pvml="urn:schemas-microsoft-com:office:powerpoint" xmlns:com="http://schemas.openxmlformats.org/drawingml/2006/compatibility" xmlns:p14="http://schemas.microsoft.com/office/powerpoint/2010/main" xmlns:p15="http://schemas.microsoft.com/office/powerpoint/2012/main" xmlns:ahyp="http://schemas.microsoft.com/office/drawing/2018/hyperlinkcolor" matchingName="Section header" type="secHead">
+<p:sldLayout xmlns:a="http://schemas.openxmlformats.org/drawingml/2006/main" xmlns:r="http://schemas.openxmlformats.org/officeDocument/2006/relationships" xmlns:p="http://schemas.openxmlformats.org/presentationml/2006/main" matchingName="Section header" type="secHead">
   <p:cSld name="SECTION_HEADER">
     <p:spTree>
       <p:nvGrpSpPr>
-        <p:cNvPr id="19" name="Shape 19"/>
+        <p:cNvPr id="1" name="Shape 19"/>
         <p:cNvGrpSpPr/>
         <p:nvPr/>
       </p:nvGrpSpPr>
@@ -3390,7 +3391,7 @@
             </a:xfrm>
             <a:prstGeom prst="diagStripe">
               <a:avLst>
-                <a:gd fmla="val 49469" name="adj"/>
+                <a:gd name="adj" fmla="val 49469"/>
               </a:avLst>
             </a:prstGeom>
             <a:solidFill>
@@ -3403,12 +3404,12 @@
             </a:ln>
           </p:spPr>
           <p:txBody>
-            <a:bodyPr anchorCtr="0" anchor="ctr" bIns="91425" lIns="91425" spcFirstLastPara="1" rIns="91425" wrap="square" tIns="91425">
+            <a:bodyPr spcFirstLastPara="1" wrap="square" lIns="91425" tIns="91425" rIns="91425" bIns="91425" anchor="ctr" anchorCtr="0">
               <a:noAutofit/>
             </a:bodyPr>
             <a:lstStyle/>
             <a:p>
-              <a:pPr indent="0" lvl="0" marL="0" rtl="0" algn="l">
+              <a:pPr marL="0" lvl="0" indent="0" algn="l" rtl="0">
                 <a:spcBef>
                   <a:spcPts val="0"/>
                 </a:spcBef>
@@ -3417,9 +3418,6 @@
                 </a:spcAft>
                 <a:buNone/>
               </a:pPr>
-              <a:r>
-                <a:t/>
-              </a:r>
               <a:endParaRPr/>
             </a:p>
           </p:txBody>
@@ -3437,7 +3435,7 @@
             </a:xfrm>
             <a:prstGeom prst="diagStripe">
               <a:avLst>
-                <a:gd fmla="val 0" name="adj"/>
+                <a:gd name="adj" fmla="val 0"/>
               </a:avLst>
             </a:prstGeom>
             <a:solidFill>
@@ -3450,12 +3448,12 @@
             </a:ln>
           </p:spPr>
           <p:txBody>
-            <a:bodyPr anchorCtr="0" anchor="ctr" bIns="91425" lIns="91425" spcFirstLastPara="1" rIns="91425" wrap="square" tIns="91425">
+            <a:bodyPr spcFirstLastPara="1" wrap="square" lIns="91425" tIns="91425" rIns="91425" bIns="91425" anchor="ctr" anchorCtr="0">
               <a:noAutofit/>
             </a:bodyPr>
             <a:lstStyle/>
             <a:p>
-              <a:pPr indent="0" lvl="0" marL="0" rtl="0" algn="l">
+              <a:pPr marL="0" lvl="0" indent="0" algn="l" rtl="0">
                 <a:spcBef>
                   <a:spcPts val="0"/>
                 </a:spcBef>
@@ -3464,9 +3462,6 @@
                 </a:spcAft>
                 <a:buNone/>
               </a:pPr>
-              <a:r>
-                <a:t/>
-              </a:r>
               <a:endParaRPr/>
             </a:p>
           </p:txBody>
@@ -3484,7 +3479,7 @@
             </a:xfrm>
             <a:prstGeom prst="diagStripe">
               <a:avLst>
-                <a:gd fmla="val 50000" name="adj"/>
+                <a:gd name="adj" fmla="val 50000"/>
               </a:avLst>
             </a:prstGeom>
             <a:solidFill>
@@ -3497,12 +3492,12 @@
             </a:ln>
           </p:spPr>
           <p:txBody>
-            <a:bodyPr anchorCtr="0" anchor="ctr" bIns="91425" lIns="91425" spcFirstLastPara="1" rIns="91425" wrap="square" tIns="91425">
+            <a:bodyPr spcFirstLastPara="1" wrap="square" lIns="91425" tIns="91425" rIns="91425" bIns="91425" anchor="ctr" anchorCtr="0">
               <a:noAutofit/>
             </a:bodyPr>
             <a:lstStyle/>
             <a:p>
-              <a:pPr indent="0" lvl="0" marL="0" rtl="0" algn="l">
+              <a:pPr marL="0" lvl="0" indent="0" algn="l" rtl="0">
                 <a:spcBef>
                   <a:spcPts val="0"/>
                 </a:spcBef>
@@ -3511,9 +3506,6 @@
                 </a:spcAft>
                 <a:buNone/>
               </a:pPr>
-              <a:r>
-                <a:t/>
-              </a:r>
               <a:endParaRPr/>
             </a:p>
           </p:txBody>
@@ -3531,7 +3523,7 @@
             </a:xfrm>
             <a:prstGeom prst="diagStripe">
               <a:avLst>
-                <a:gd fmla="val 50000" name="adj"/>
+                <a:gd name="adj" fmla="val 50000"/>
               </a:avLst>
             </a:prstGeom>
             <a:solidFill>
@@ -3544,12 +3536,12 @@
             </a:ln>
           </p:spPr>
           <p:txBody>
-            <a:bodyPr anchorCtr="0" anchor="ctr" bIns="91425" lIns="91425" spcFirstLastPara="1" rIns="91425" wrap="square" tIns="91425">
+            <a:bodyPr spcFirstLastPara="1" wrap="square" lIns="91425" tIns="91425" rIns="91425" bIns="91425" anchor="ctr" anchorCtr="0">
               <a:noAutofit/>
             </a:bodyPr>
             <a:lstStyle/>
             <a:p>
-              <a:pPr indent="0" lvl="0" marL="0" rtl="0" algn="l">
+              <a:pPr marL="0" lvl="0" indent="0" algn="l" rtl="0">
                 <a:spcBef>
                   <a:spcPts val="0"/>
                 </a:spcBef>
@@ -3558,9 +3550,6 @@
                 </a:spcAft>
                 <a:buNone/>
               </a:pPr>
-              <a:r>
-                <a:t/>
-              </a:r>
               <a:endParaRPr/>
             </a:p>
           </p:txBody>
@@ -3578,7 +3567,7 @@
             </a:xfrm>
             <a:prstGeom prst="diagStripe">
               <a:avLst>
-                <a:gd fmla="val 50000" name="adj"/>
+                <a:gd name="adj" fmla="val 50000"/>
               </a:avLst>
             </a:prstGeom>
             <a:solidFill>
@@ -3591,12 +3580,12 @@
             </a:ln>
           </p:spPr>
           <p:txBody>
-            <a:bodyPr anchorCtr="0" anchor="ctr" bIns="91425" lIns="91425" spcFirstLastPara="1" rIns="91425" wrap="square" tIns="91425">
+            <a:bodyPr spcFirstLastPara="1" wrap="square" lIns="91425" tIns="91425" rIns="91425" bIns="91425" anchor="ctr" anchorCtr="0">
               <a:noAutofit/>
             </a:bodyPr>
             <a:lstStyle/>
             <a:p>
-              <a:pPr indent="0" lvl="0" marL="0" rtl="0" algn="l">
+              <a:pPr marL="0" lvl="0" indent="0" algn="l" rtl="0">
                 <a:spcBef>
                   <a:spcPts val="0"/>
                 </a:spcBef>
@@ -3605,9 +3594,6 @@
                 </a:spcAft>
                 <a:buNone/>
               </a:pPr>
-              <a:r>
-                <a:t/>
-              </a:r>
               <a:endParaRPr/>
             </a:p>
           </p:txBody>
@@ -3625,7 +3611,7 @@
             </a:xfrm>
             <a:prstGeom prst="diagStripe">
               <a:avLst>
-                <a:gd fmla="val 50000" name="adj"/>
+                <a:gd name="adj" fmla="val 50000"/>
               </a:avLst>
             </a:prstGeom>
             <a:solidFill>
@@ -3638,12 +3624,12 @@
             </a:ln>
           </p:spPr>
           <p:txBody>
-            <a:bodyPr anchorCtr="0" anchor="ctr" bIns="91425" lIns="91425" spcFirstLastPara="1" rIns="91425" wrap="square" tIns="91425">
+            <a:bodyPr spcFirstLastPara="1" wrap="square" lIns="91425" tIns="91425" rIns="91425" bIns="91425" anchor="ctr" anchorCtr="0">
               <a:noAutofit/>
             </a:bodyPr>
             <a:lstStyle/>
             <a:p>
-              <a:pPr indent="0" lvl="0" marL="0" rtl="0" algn="l">
+              <a:pPr marL="0" lvl="0" indent="0" algn="l" rtl="0">
                 <a:spcBef>
                   <a:spcPts val="0"/>
                 </a:spcBef>
@@ -3652,9 +3638,6 @@
                 </a:spcAft>
                 <a:buNone/>
               </a:pPr>
-              <a:r>
-                <a:t/>
-              </a:r>
               <a:endParaRPr/>
             </a:p>
           </p:txBody>
@@ -3672,7 +3655,7 @@
             </a:xfrm>
             <a:prstGeom prst="diagStripe">
               <a:avLst>
-                <a:gd fmla="val 50000" name="adj"/>
+                <a:gd name="adj" fmla="val 50000"/>
               </a:avLst>
             </a:prstGeom>
             <a:solidFill>
@@ -3685,12 +3668,12 @@
             </a:ln>
           </p:spPr>
           <p:txBody>
-            <a:bodyPr anchorCtr="0" anchor="ctr" bIns="91425" lIns="91425" spcFirstLastPara="1" rIns="91425" wrap="square" tIns="91425">
+            <a:bodyPr spcFirstLastPara="1" wrap="square" lIns="91425" tIns="91425" rIns="91425" bIns="91425" anchor="ctr" anchorCtr="0">
               <a:noAutofit/>
             </a:bodyPr>
             <a:lstStyle/>
             <a:p>
-              <a:pPr indent="0" lvl="0" marL="0" rtl="0" algn="l">
+              <a:pPr marL="0" lvl="0" indent="0" algn="l" rtl="0">
                 <a:spcBef>
                   <a:spcPts val="0"/>
                 </a:spcBef>
@@ -3699,9 +3682,6 @@
                 </a:spcAft>
                 <a:buNone/>
               </a:pPr>
-              <a:r>
-                <a:t/>
-              </a:r>
               <a:endParaRPr/>
             </a:p>
           </p:txBody>
@@ -3719,7 +3699,7 @@
             </a:xfrm>
             <a:prstGeom prst="diagStripe">
               <a:avLst>
-                <a:gd fmla="val 50000" name="adj"/>
+                <a:gd name="adj" fmla="val 50000"/>
               </a:avLst>
             </a:prstGeom>
             <a:solidFill>
@@ -3730,12 +3710,12 @@
             </a:ln>
           </p:spPr>
           <p:txBody>
-            <a:bodyPr anchorCtr="0" anchor="ctr" bIns="91425" lIns="91425" spcFirstLastPara="1" rIns="91425" wrap="square" tIns="91425">
+            <a:bodyPr spcFirstLastPara="1" wrap="square" lIns="91425" tIns="91425" rIns="91425" bIns="91425" anchor="ctr" anchorCtr="0">
               <a:noAutofit/>
             </a:bodyPr>
             <a:lstStyle/>
             <a:p>
-              <a:pPr indent="0" lvl="0" marL="0" rtl="0" algn="l">
+              <a:pPr marL="0" lvl="0" indent="0" algn="l" rtl="0">
                 <a:spcBef>
                   <a:spcPts val="0"/>
                 </a:spcBef>
@@ -3744,9 +3724,6 @@
                 </a:spcAft>
                 <a:buNone/>
               </a:pPr>
-              <a:r>
-                <a:t/>
-              </a:r>
               <a:endParaRPr/>
             </a:p>
           </p:txBody>
@@ -3764,7 +3741,7 @@
             </a:xfrm>
             <a:prstGeom prst="diagStripe">
               <a:avLst>
-                <a:gd fmla="val 50000" name="adj"/>
+                <a:gd name="adj" fmla="val 50000"/>
               </a:avLst>
             </a:prstGeom>
             <a:solidFill>
@@ -3777,12 +3754,12 @@
             </a:ln>
           </p:spPr>
           <p:txBody>
-            <a:bodyPr anchorCtr="0" anchor="ctr" bIns="91425" lIns="91425" spcFirstLastPara="1" rIns="91425" wrap="square" tIns="91425">
+            <a:bodyPr spcFirstLastPara="1" wrap="square" lIns="91425" tIns="91425" rIns="91425" bIns="91425" anchor="ctr" anchorCtr="0">
               <a:noAutofit/>
             </a:bodyPr>
             <a:lstStyle/>
             <a:p>
-              <a:pPr indent="0" lvl="0" marL="0" rtl="0" algn="l">
+              <a:pPr marL="0" lvl="0" indent="0" algn="l" rtl="0">
                 <a:spcBef>
                   <a:spcPts val="0"/>
                 </a:spcBef>
@@ -3791,9 +3768,6 @@
                 </a:spcAft>
                 <a:buNone/>
               </a:pPr>
-              <a:r>
-                <a:t/>
-              </a:r>
               <a:endParaRPr/>
             </a:p>
           </p:txBody>
@@ -3811,7 +3785,7 @@
             </a:xfrm>
             <a:prstGeom prst="diagStripe">
               <a:avLst>
-                <a:gd fmla="val 50000" name="adj"/>
+                <a:gd name="adj" fmla="val 50000"/>
               </a:avLst>
             </a:prstGeom>
             <a:solidFill>
@@ -3824,12 +3798,12 @@
             </a:ln>
           </p:spPr>
           <p:txBody>
-            <a:bodyPr anchorCtr="0" anchor="ctr" bIns="91425" lIns="91425" spcFirstLastPara="1" rIns="91425" wrap="square" tIns="91425">
+            <a:bodyPr spcFirstLastPara="1" wrap="square" lIns="91425" tIns="91425" rIns="91425" bIns="91425" anchor="ctr" anchorCtr="0">
               <a:noAutofit/>
             </a:bodyPr>
             <a:lstStyle/>
             <a:p>
-              <a:pPr indent="0" lvl="0" marL="0" rtl="0" algn="l">
+              <a:pPr marL="0" lvl="0" indent="0" algn="l" rtl="0">
                 <a:spcBef>
                   <a:spcPts val="0"/>
                 </a:spcBef>
@@ -3838,9 +3812,6 @@
                 </a:spcAft>
                 <a:buNone/>
               </a:pPr>
-              <a:r>
-                <a:t/>
-              </a:r>
               <a:endParaRPr/>
             </a:p>
           </p:txBody>
@@ -3858,7 +3829,7 @@
             </a:xfrm>
             <a:prstGeom prst="diagStripe">
               <a:avLst>
-                <a:gd fmla="val 50000" name="adj"/>
+                <a:gd name="adj" fmla="val 50000"/>
               </a:avLst>
             </a:prstGeom>
             <a:solidFill>
@@ -3871,12 +3842,12 @@
             </a:ln>
           </p:spPr>
           <p:txBody>
-            <a:bodyPr anchorCtr="0" anchor="ctr" bIns="91425" lIns="91425" spcFirstLastPara="1" rIns="91425" wrap="square" tIns="91425">
+            <a:bodyPr spcFirstLastPara="1" wrap="square" lIns="91425" tIns="91425" rIns="91425" bIns="91425" anchor="ctr" anchorCtr="0">
               <a:noAutofit/>
             </a:bodyPr>
             <a:lstStyle/>
             <a:p>
-              <a:pPr indent="0" lvl="0" marL="0" rtl="0" algn="l">
+              <a:pPr marL="0" lvl="0" indent="0" algn="l" rtl="0">
                 <a:spcBef>
                   <a:spcPts val="0"/>
                 </a:spcBef>
@@ -3885,9 +3856,6 @@
                 </a:spcAft>
                 <a:buNone/>
               </a:pPr>
-              <a:r>
-                <a:t/>
-              </a:r>
               <a:endParaRPr/>
             </a:p>
           </p:txBody>
@@ -3905,7 +3873,7 @@
             </a:xfrm>
             <a:prstGeom prst="diagStripe">
               <a:avLst>
-                <a:gd fmla="val 50000" name="adj"/>
+                <a:gd name="adj" fmla="val 50000"/>
               </a:avLst>
             </a:prstGeom>
             <a:solidFill>
@@ -3918,12 +3886,12 @@
             </a:ln>
           </p:spPr>
           <p:txBody>
-            <a:bodyPr anchorCtr="0" anchor="ctr" bIns="91425" lIns="91425" spcFirstLastPara="1" rIns="91425" wrap="square" tIns="91425">
+            <a:bodyPr spcFirstLastPara="1" wrap="square" lIns="91425" tIns="91425" rIns="91425" bIns="91425" anchor="ctr" anchorCtr="0">
               <a:noAutofit/>
             </a:bodyPr>
             <a:lstStyle/>
             <a:p>
-              <a:pPr indent="0" lvl="0" marL="0" rtl="0" algn="l">
+              <a:pPr marL="0" lvl="0" indent="0" algn="l" rtl="0">
                 <a:spcBef>
                   <a:spcPts val="0"/>
                 </a:spcBef>
@@ -3932,9 +3900,6 @@
                 </a:spcAft>
                 <a:buNone/>
               </a:pPr>
-              <a:r>
-                <a:t/>
-              </a:r>
               <a:endParaRPr/>
             </a:p>
           </p:txBody>
@@ -3952,7 +3917,7 @@
             </a:xfrm>
             <a:prstGeom prst="diagStripe">
               <a:avLst>
-                <a:gd fmla="val 50000" name="adj"/>
+                <a:gd name="adj" fmla="val 50000"/>
               </a:avLst>
             </a:prstGeom>
             <a:solidFill>
@@ -3965,12 +3930,12 @@
             </a:ln>
           </p:spPr>
           <p:txBody>
-            <a:bodyPr anchorCtr="0" anchor="ctr" bIns="91425" lIns="91425" spcFirstLastPara="1" rIns="91425" wrap="square" tIns="91425">
+            <a:bodyPr spcFirstLastPara="1" wrap="square" lIns="91425" tIns="91425" rIns="91425" bIns="91425" anchor="ctr" anchorCtr="0">
               <a:noAutofit/>
             </a:bodyPr>
             <a:lstStyle/>
             <a:p>
-              <a:pPr indent="0" lvl="0" marL="0" rtl="0" algn="l">
+              <a:pPr marL="0" lvl="0" indent="0" algn="l" rtl="0">
                 <a:spcBef>
                   <a:spcPts val="0"/>
                 </a:spcBef>
@@ -3979,9 +3944,6 @@
                 </a:spcAft>
                 <a:buNone/>
               </a:pPr>
-              <a:r>
-                <a:t/>
-              </a:r>
               <a:endParaRPr/>
             </a:p>
           </p:txBody>
@@ -3999,7 +3961,7 @@
             </a:xfrm>
             <a:prstGeom prst="diagStripe">
               <a:avLst>
-                <a:gd fmla="val 50000" name="adj"/>
+                <a:gd name="adj" fmla="val 50000"/>
               </a:avLst>
             </a:prstGeom>
             <a:solidFill>
@@ -4010,12 +3972,12 @@
             </a:ln>
           </p:spPr>
           <p:txBody>
-            <a:bodyPr anchorCtr="0" anchor="ctr" bIns="91425" lIns="91425" spcFirstLastPara="1" rIns="91425" wrap="square" tIns="91425">
+            <a:bodyPr spcFirstLastPara="1" wrap="square" lIns="91425" tIns="91425" rIns="91425" bIns="91425" anchor="ctr" anchorCtr="0">
               <a:noAutofit/>
             </a:bodyPr>
             <a:lstStyle/>
             <a:p>
-              <a:pPr indent="0" lvl="0" marL="0" rtl="0" algn="l">
+              <a:pPr marL="0" lvl="0" indent="0" algn="l" rtl="0">
                 <a:spcBef>
                   <a:spcPts val="0"/>
                 </a:spcBef>
@@ -4024,9 +3986,6 @@
                 </a:spcAft>
                 <a:buNone/>
               </a:pPr>
-              <a:r>
-                <a:t/>
-              </a:r>
               <a:endParaRPr/>
             </a:p>
           </p:txBody>
@@ -4044,7 +4003,7 @@
             </a:xfrm>
             <a:prstGeom prst="diagStripe">
               <a:avLst>
-                <a:gd fmla="val 50000" name="adj"/>
+                <a:gd name="adj" fmla="val 50000"/>
               </a:avLst>
             </a:prstGeom>
             <a:solidFill>
@@ -4057,12 +4016,12 @@
             </a:ln>
           </p:spPr>
           <p:txBody>
-            <a:bodyPr anchorCtr="0" anchor="ctr" bIns="91425" lIns="91425" spcFirstLastPara="1" rIns="91425" wrap="square" tIns="91425">
+            <a:bodyPr spcFirstLastPara="1" wrap="square" lIns="91425" tIns="91425" rIns="91425" bIns="91425" anchor="ctr" anchorCtr="0">
               <a:noAutofit/>
             </a:bodyPr>
             <a:lstStyle/>
             <a:p>
-              <a:pPr indent="0" lvl="0" marL="0" rtl="0" algn="l">
+              <a:pPr marL="0" lvl="0" indent="0" algn="l" rtl="0">
                 <a:spcBef>
                   <a:spcPts val="0"/>
                 </a:spcBef>
@@ -4071,9 +4030,6 @@
                 </a:spcAft>
                 <a:buNone/>
               </a:pPr>
-              <a:r>
-                <a:t/>
-              </a:r>
               <a:endParaRPr/>
             </a:p>
           </p:txBody>
@@ -4091,7 +4047,7 @@
             </a:xfrm>
             <a:prstGeom prst="diagStripe">
               <a:avLst>
-                <a:gd fmla="val 50000" name="adj"/>
+                <a:gd name="adj" fmla="val 50000"/>
               </a:avLst>
             </a:prstGeom>
             <a:solidFill>
@@ -4104,12 +4060,12 @@
             </a:ln>
           </p:spPr>
           <p:txBody>
-            <a:bodyPr anchorCtr="0" anchor="ctr" bIns="91425" lIns="91425" spcFirstLastPara="1" rIns="91425" wrap="square" tIns="91425">
+            <a:bodyPr spcFirstLastPara="1" wrap="square" lIns="91425" tIns="91425" rIns="91425" bIns="91425" anchor="ctr" anchorCtr="0">
               <a:noAutofit/>
             </a:bodyPr>
             <a:lstStyle/>
             <a:p>
-              <a:pPr indent="0" lvl="0" marL="0" rtl="0" algn="l">
+              <a:pPr marL="0" lvl="0" indent="0" algn="l" rtl="0">
                 <a:spcBef>
                   <a:spcPts val="0"/>
                 </a:spcBef>
@@ -4118,9 +4074,6 @@
                 </a:spcAft>
                 <a:buNone/>
               </a:pPr>
-              <a:r>
-                <a:t/>
-              </a:r>
               <a:endParaRPr/>
             </a:p>
           </p:txBody>
@@ -4138,7 +4091,7 @@
             </a:xfrm>
             <a:prstGeom prst="diagStripe">
               <a:avLst>
-                <a:gd fmla="val 50000" name="adj"/>
+                <a:gd name="adj" fmla="val 50000"/>
               </a:avLst>
             </a:prstGeom>
             <a:solidFill>
@@ -4151,12 +4104,12 @@
             </a:ln>
           </p:spPr>
           <p:txBody>
-            <a:bodyPr anchorCtr="0" anchor="ctr" bIns="91425" lIns="91425" spcFirstLastPara="1" rIns="91425" wrap="square" tIns="91425">
+            <a:bodyPr spcFirstLastPara="1" wrap="square" lIns="91425" tIns="91425" rIns="91425" bIns="91425" anchor="ctr" anchorCtr="0">
               <a:noAutofit/>
             </a:bodyPr>
             <a:lstStyle/>
             <a:p>
-              <a:pPr indent="0" lvl="0" marL="0" rtl="0" algn="l">
+              <a:pPr marL="0" lvl="0" indent="0" algn="l" rtl="0">
                 <a:spcBef>
                   <a:spcPts val="0"/>
                 </a:spcBef>
@@ -4165,9 +4118,6 @@
                 </a:spcAft>
                 <a:buNone/>
               </a:pPr>
-              <a:r>
-                <a:t/>
-              </a:r>
               <a:endParaRPr/>
             </a:p>
           </p:txBody>
@@ -4185,7 +4135,7 @@
             </a:xfrm>
             <a:prstGeom prst="diagStripe">
               <a:avLst>
-                <a:gd fmla="val 50000" name="adj"/>
+                <a:gd name="adj" fmla="val 50000"/>
               </a:avLst>
             </a:prstGeom>
             <a:solidFill>
@@ -4198,12 +4148,12 @@
             </a:ln>
           </p:spPr>
           <p:txBody>
-            <a:bodyPr anchorCtr="0" anchor="ctr" bIns="91425" lIns="91425" spcFirstLastPara="1" rIns="91425" wrap="square" tIns="91425">
+            <a:bodyPr spcFirstLastPara="1" wrap="square" lIns="91425" tIns="91425" rIns="91425" bIns="91425" anchor="ctr" anchorCtr="0">
               <a:noAutofit/>
             </a:bodyPr>
             <a:lstStyle/>
             <a:p>
-              <a:pPr indent="0" lvl="0" marL="0" rtl="0" algn="l">
+              <a:pPr marL="0" lvl="0" indent="0" algn="l" rtl="0">
                 <a:spcBef>
                   <a:spcPts val="0"/>
                 </a:spcBef>
@@ -4212,9 +4162,6 @@
                 </a:spcAft>
                 <a:buNone/>
               </a:pPr>
-              <a:r>
-                <a:t/>
-              </a:r>
               <a:endParaRPr/>
             </a:p>
           </p:txBody>
@@ -4223,7 +4170,9 @@
       <p:sp>
         <p:nvSpPr>
           <p:cNvPr id="39" name="Google Shape;39;p3"/>
-          <p:cNvSpPr txBox="1"/>
+          <p:cNvSpPr txBox="1">
+            <a:spLocks noGrp="1"/>
+          </p:cNvSpPr>
           <p:nvPr>
             <p:ph type="title"/>
           </p:nvPr>
@@ -4238,7 +4187,7 @@
           </a:prstGeom>
         </p:spPr>
         <p:txBody>
-          <a:bodyPr anchorCtr="0" anchor="ctr" bIns="91425" lIns="91425" spcFirstLastPara="1" rIns="91425" wrap="square" tIns="91425">
+          <a:bodyPr spcFirstLastPara="1" wrap="square" lIns="91425" tIns="91425" rIns="91425" bIns="91425" anchor="ctr" anchorCtr="0">
             <a:normAutofit/>
           </a:bodyPr>
           <a:lstStyle>
@@ -4342,15 +4291,19 @@
               <a:defRPr/>
             </a:lvl9pPr>
           </a:lstStyle>
-          <a:p/>
+          <a:p>
+            <a:endParaRPr/>
+          </a:p>
         </p:txBody>
       </p:sp>
       <p:sp>
         <p:nvSpPr>
           <p:cNvPr id="40" name="Google Shape;40;p3"/>
-          <p:cNvSpPr txBox="1"/>
+          <p:cNvSpPr txBox="1">
+            <a:spLocks noGrp="1"/>
+          </p:cNvSpPr>
           <p:nvPr>
-            <p:ph idx="12" type="sldNum"/>
+            <p:ph type="sldNum" idx="12"/>
           </p:nvPr>
         </p:nvSpPr>
         <p:spPr>
@@ -4363,7 +4316,7 @@
           </a:prstGeom>
         </p:spPr>
         <p:txBody>
-          <a:bodyPr anchorCtr="0" anchor="ctr" bIns="91425" lIns="91425" spcFirstLastPara="1" rIns="91425" wrap="square" tIns="91425">
+          <a:bodyPr spcFirstLastPara="1" wrap="square" lIns="91425" tIns="91425" rIns="91425" bIns="91425" anchor="ctr" anchorCtr="0">
             <a:normAutofit/>
           </a:bodyPr>
           <a:lstStyle>
@@ -4405,7 +4358,7 @@
             </a:lvl9pPr>
           </a:lstStyle>
           <a:p>
-            <a:pPr indent="0" lvl="0" marL="0" rtl="0" algn="r">
+            <a:pPr marL="0" lvl="0" indent="0" algn="r" rtl="0">
               <a:spcBef>
                 <a:spcPts val="0"/>
               </a:spcBef>
@@ -4431,11 +4384,11 @@
 </file>
 
 <file path=ppt/slideLayouts/slideLayout3.xml><?xml version="1.0" encoding="utf-8"?>
-<p:sldLayout xmlns:a="http://schemas.openxmlformats.org/drawingml/2006/main" xmlns:r="http://schemas.openxmlformats.org/officeDocument/2006/relationships" xmlns:mc="http://schemas.openxmlformats.org/markup-compatibility/2006" xmlns:mv="urn:schemas-microsoft-com:mac:vml" xmlns:p="http://schemas.openxmlformats.org/presentationml/2006/main" xmlns:c="http://schemas.openxmlformats.org/drawingml/2006/chart" xmlns:dgm="http://schemas.openxmlformats.org/drawingml/2006/diagram" xmlns:o="urn:schemas-microsoft-com:office:office" xmlns:v="urn:schemas-microsoft-com:vml" xmlns:pvml="urn:schemas-microsoft-com:office:powerpoint" xmlns:com="http://schemas.openxmlformats.org/drawingml/2006/compatibility" xmlns:p14="http://schemas.microsoft.com/office/powerpoint/2010/main" xmlns:p15="http://schemas.microsoft.com/office/powerpoint/2012/main" xmlns:ahyp="http://schemas.microsoft.com/office/drawing/2018/hyperlinkcolor" matchingName="Title and body" type="tx">
+<p:sldLayout xmlns:a="http://schemas.openxmlformats.org/drawingml/2006/main" xmlns:r="http://schemas.openxmlformats.org/officeDocument/2006/relationships" xmlns:p="http://schemas.openxmlformats.org/presentationml/2006/main" matchingName="Title and body" type="tx">
   <p:cSld name="TITLE_AND_BODY">
     <p:spTree>
       <p:nvGrpSpPr>
-        <p:cNvPr id="41" name="Shape 41"/>
+        <p:cNvPr id="1" name="Shape 41"/>
         <p:cNvGrpSpPr/>
         <p:nvPr/>
       </p:nvGrpSpPr>
@@ -4474,7 +4427,7 @@
             </a:xfrm>
             <a:prstGeom prst="diagStripe">
               <a:avLst>
-                <a:gd fmla="val 50000" name="adj"/>
+                <a:gd name="adj" fmla="val 50000"/>
               </a:avLst>
             </a:prstGeom>
             <a:solidFill>
@@ -4485,12 +4438,12 @@
             </a:ln>
           </p:spPr>
           <p:txBody>
-            <a:bodyPr anchorCtr="0" anchor="ctr" bIns="91425" lIns="91425" spcFirstLastPara="1" rIns="91425" wrap="square" tIns="91425">
+            <a:bodyPr spcFirstLastPara="1" wrap="square" lIns="91425" tIns="91425" rIns="91425" bIns="91425" anchor="ctr" anchorCtr="0">
               <a:noAutofit/>
             </a:bodyPr>
             <a:lstStyle/>
             <a:p>
-              <a:pPr indent="0" lvl="0" marL="0" rtl="0" algn="l">
+              <a:pPr marL="0" lvl="0" indent="0" algn="l" rtl="0">
                 <a:spcBef>
                   <a:spcPts val="0"/>
                 </a:spcBef>
@@ -4499,9 +4452,6 @@
                 </a:spcAft>
                 <a:buNone/>
               </a:pPr>
-              <a:r>
-                <a:t/>
-              </a:r>
               <a:endParaRPr/>
             </a:p>
           </p:txBody>
@@ -4519,7 +4469,7 @@
             </a:xfrm>
             <a:prstGeom prst="diagStripe">
               <a:avLst>
-                <a:gd fmla="val 50000" name="adj"/>
+                <a:gd name="adj" fmla="val 50000"/>
               </a:avLst>
             </a:prstGeom>
             <a:solidFill>
@@ -4530,12 +4480,12 @@
             </a:ln>
           </p:spPr>
           <p:txBody>
-            <a:bodyPr anchorCtr="0" anchor="ctr" bIns="91425" lIns="91425" spcFirstLastPara="1" rIns="91425" wrap="square" tIns="91425">
+            <a:bodyPr spcFirstLastPara="1" wrap="square" lIns="91425" tIns="91425" rIns="91425" bIns="91425" anchor="ctr" anchorCtr="0">
               <a:noAutofit/>
             </a:bodyPr>
             <a:lstStyle/>
             <a:p>
-              <a:pPr indent="0" lvl="0" marL="0" rtl="0" algn="l">
+              <a:pPr marL="0" lvl="0" indent="0" algn="l" rtl="0">
                 <a:spcBef>
                   <a:spcPts val="0"/>
                 </a:spcBef>
@@ -4544,9 +4494,6 @@
                 </a:spcAft>
                 <a:buNone/>
               </a:pPr>
-              <a:r>
-                <a:t/>
-              </a:r>
               <a:endParaRPr/>
             </a:p>
           </p:txBody>
@@ -4555,7 +4502,9 @@
       <p:sp>
         <p:nvSpPr>
           <p:cNvPr id="45" name="Google Shape;45;p4"/>
-          <p:cNvSpPr txBox="1"/>
+          <p:cNvSpPr txBox="1">
+            <a:spLocks noGrp="1"/>
+          </p:cNvSpPr>
           <p:nvPr>
             <p:ph type="title"/>
           </p:nvPr>
@@ -4570,7 +4519,7 @@
           </a:prstGeom>
         </p:spPr>
         <p:txBody>
-          <a:bodyPr anchorCtr="0" anchor="t" bIns="91425" lIns="91425" spcFirstLastPara="1" rIns="91425" wrap="square" tIns="91425">
+          <a:bodyPr spcFirstLastPara="1" wrap="square" lIns="91425" tIns="91425" rIns="91425" bIns="91425" anchor="t" anchorCtr="0">
             <a:normAutofit/>
           </a:bodyPr>
           <a:lstStyle>
@@ -4674,15 +4623,19 @@
               <a:defRPr sz="2400"/>
             </a:lvl9pPr>
           </a:lstStyle>
-          <a:p/>
+          <a:p>
+            <a:endParaRPr/>
+          </a:p>
         </p:txBody>
       </p:sp>
       <p:sp>
         <p:nvSpPr>
           <p:cNvPr id="46" name="Google Shape;46;p4"/>
-          <p:cNvSpPr txBox="1"/>
+          <p:cNvSpPr txBox="1">
+            <a:spLocks noGrp="1"/>
+          </p:cNvSpPr>
           <p:nvPr>
-            <p:ph idx="1" type="body"/>
+            <p:ph type="body" idx="1"/>
           </p:nvPr>
         </p:nvSpPr>
         <p:spPr>
@@ -4695,11 +4648,11 @@
           </a:prstGeom>
         </p:spPr>
         <p:txBody>
-          <a:bodyPr anchorCtr="0" anchor="t" bIns="91425" lIns="91425" spcFirstLastPara="1" rIns="91425" wrap="square" tIns="91425">
+          <a:bodyPr spcFirstLastPara="1" wrap="square" lIns="91425" tIns="91425" rIns="91425" bIns="91425" anchor="t" anchorCtr="0">
             <a:normAutofit/>
           </a:bodyPr>
           <a:lstStyle>
-            <a:lvl1pPr indent="-311150" lvl="0" marL="457200">
+            <a:lvl1pPr marL="457200" lvl="0" indent="-311150">
               <a:spcBef>
                 <a:spcPts val="0"/>
               </a:spcBef>
@@ -4710,7 +4663,7 @@
               <a:buChar char="●"/>
               <a:defRPr/>
             </a:lvl1pPr>
-            <a:lvl2pPr indent="-298450" lvl="1" marL="914400">
+            <a:lvl2pPr marL="914400" lvl="1" indent="-298450">
               <a:spcBef>
                 <a:spcPts val="0"/>
               </a:spcBef>
@@ -4721,7 +4674,7 @@
               <a:buChar char="○"/>
               <a:defRPr/>
             </a:lvl2pPr>
-            <a:lvl3pPr indent="-298450" lvl="2" marL="1371600">
+            <a:lvl3pPr marL="1371600" lvl="2" indent="-298450">
               <a:spcBef>
                 <a:spcPts val="0"/>
               </a:spcBef>
@@ -4732,7 +4685,7 @@
               <a:buChar char="■"/>
               <a:defRPr/>
             </a:lvl3pPr>
-            <a:lvl4pPr indent="-298450" lvl="3" marL="1828800">
+            <a:lvl4pPr marL="1828800" lvl="3" indent="-298450">
               <a:spcBef>
                 <a:spcPts val="0"/>
               </a:spcBef>
@@ -4743,7 +4696,7 @@
               <a:buChar char="●"/>
               <a:defRPr/>
             </a:lvl4pPr>
-            <a:lvl5pPr indent="-298450" lvl="4" marL="2286000">
+            <a:lvl5pPr marL="2286000" lvl="4" indent="-298450">
               <a:spcBef>
                 <a:spcPts val="0"/>
               </a:spcBef>
@@ -4754,7 +4707,7 @@
               <a:buChar char="○"/>
               <a:defRPr/>
             </a:lvl5pPr>
-            <a:lvl6pPr indent="-298450" lvl="5" marL="2743200">
+            <a:lvl6pPr marL="2743200" lvl="5" indent="-298450">
               <a:spcBef>
                 <a:spcPts val="0"/>
               </a:spcBef>
@@ -4765,7 +4718,7 @@
               <a:buChar char="■"/>
               <a:defRPr/>
             </a:lvl6pPr>
-            <a:lvl7pPr indent="-298450" lvl="6" marL="3200400">
+            <a:lvl7pPr marL="3200400" lvl="6" indent="-298450">
               <a:spcBef>
                 <a:spcPts val="0"/>
               </a:spcBef>
@@ -4776,7 +4729,7 @@
               <a:buChar char="●"/>
               <a:defRPr/>
             </a:lvl7pPr>
-            <a:lvl8pPr indent="-298450" lvl="7" marL="3657600">
+            <a:lvl8pPr marL="3657600" lvl="7" indent="-298450">
               <a:spcBef>
                 <a:spcPts val="0"/>
               </a:spcBef>
@@ -4787,7 +4740,7 @@
               <a:buChar char="○"/>
               <a:defRPr/>
             </a:lvl8pPr>
-            <a:lvl9pPr indent="-298450" lvl="8" marL="4114800">
+            <a:lvl9pPr marL="4114800" lvl="8" indent="-298450">
               <a:spcBef>
                 <a:spcPts val="0"/>
               </a:spcBef>
@@ -4799,15 +4752,19 @@
               <a:defRPr/>
             </a:lvl9pPr>
           </a:lstStyle>
-          <a:p/>
+          <a:p>
+            <a:endParaRPr/>
+          </a:p>
         </p:txBody>
       </p:sp>
       <p:sp>
         <p:nvSpPr>
           <p:cNvPr id="47" name="Google Shape;47;p4"/>
-          <p:cNvSpPr txBox="1"/>
+          <p:cNvSpPr txBox="1">
+            <a:spLocks noGrp="1"/>
+          </p:cNvSpPr>
           <p:nvPr>
-            <p:ph idx="12" type="sldNum"/>
+            <p:ph type="sldNum" idx="12"/>
           </p:nvPr>
         </p:nvSpPr>
         <p:spPr>
@@ -4820,7 +4777,7 @@
           </a:prstGeom>
         </p:spPr>
         <p:txBody>
-          <a:bodyPr anchorCtr="0" anchor="ctr" bIns="91425" lIns="91425" spcFirstLastPara="1" rIns="91425" wrap="square" tIns="91425">
+          <a:bodyPr spcFirstLastPara="1" wrap="square" lIns="91425" tIns="91425" rIns="91425" bIns="91425" anchor="ctr" anchorCtr="0">
             <a:normAutofit/>
           </a:bodyPr>
           <a:lstStyle>
@@ -4862,7 +4819,7 @@
             </a:lvl9pPr>
           </a:lstStyle>
           <a:p>
-            <a:pPr indent="0" lvl="0" marL="0" rtl="0" algn="r">
+            <a:pPr marL="0" lvl="0" indent="0" algn="r" rtl="0">
               <a:spcBef>
                 <a:spcPts val="0"/>
               </a:spcBef>
@@ -4888,11 +4845,11 @@
 </file>
 
 <file path=ppt/slideLayouts/slideLayout4.xml><?xml version="1.0" encoding="utf-8"?>
-<p:sldLayout xmlns:a="http://schemas.openxmlformats.org/drawingml/2006/main" xmlns:r="http://schemas.openxmlformats.org/officeDocument/2006/relationships" xmlns:mc="http://schemas.openxmlformats.org/markup-compatibility/2006" xmlns:mv="urn:schemas-microsoft-com:mac:vml" xmlns:p="http://schemas.openxmlformats.org/presentationml/2006/main" xmlns:c="http://schemas.openxmlformats.org/drawingml/2006/chart" xmlns:dgm="http://schemas.openxmlformats.org/drawingml/2006/diagram" xmlns:o="urn:schemas-microsoft-com:office:office" xmlns:v="urn:schemas-microsoft-com:vml" xmlns:pvml="urn:schemas-microsoft-com:office:powerpoint" xmlns:com="http://schemas.openxmlformats.org/drawingml/2006/compatibility" xmlns:p14="http://schemas.microsoft.com/office/powerpoint/2010/main" xmlns:p15="http://schemas.microsoft.com/office/powerpoint/2012/main" xmlns:ahyp="http://schemas.microsoft.com/office/drawing/2018/hyperlinkcolor" matchingName="Title and two columns" type="twoColTx">
+<p:sldLayout xmlns:a="http://schemas.openxmlformats.org/drawingml/2006/main" xmlns:r="http://schemas.openxmlformats.org/officeDocument/2006/relationships" xmlns:p="http://schemas.openxmlformats.org/presentationml/2006/main" matchingName="Title and two columns" type="twoColTx">
   <p:cSld name="TITLE_AND_TWO_COLUMNS">
     <p:spTree>
       <p:nvGrpSpPr>
-        <p:cNvPr id="48" name="Shape 48"/>
+        <p:cNvPr id="1" name="Shape 48"/>
         <p:cNvGrpSpPr/>
         <p:nvPr/>
       </p:nvGrpSpPr>
@@ -4931,7 +4888,7 @@
             </a:xfrm>
             <a:prstGeom prst="diagStripe">
               <a:avLst>
-                <a:gd fmla="val 50000" name="adj"/>
+                <a:gd name="adj" fmla="val 50000"/>
               </a:avLst>
             </a:prstGeom>
             <a:solidFill>
@@ -4942,12 +4899,12 @@
             </a:ln>
           </p:spPr>
           <p:txBody>
-            <a:bodyPr anchorCtr="0" anchor="ctr" bIns="91425" lIns="91425" spcFirstLastPara="1" rIns="91425" wrap="square" tIns="91425">
+            <a:bodyPr spcFirstLastPara="1" wrap="square" lIns="91425" tIns="91425" rIns="91425" bIns="91425" anchor="ctr" anchorCtr="0">
               <a:noAutofit/>
             </a:bodyPr>
             <a:lstStyle/>
             <a:p>
-              <a:pPr indent="0" lvl="0" marL="0" rtl="0" algn="l">
+              <a:pPr marL="0" lvl="0" indent="0" algn="l" rtl="0">
                 <a:spcBef>
                   <a:spcPts val="0"/>
                 </a:spcBef>
@@ -4956,9 +4913,6 @@
                 </a:spcAft>
                 <a:buNone/>
               </a:pPr>
-              <a:r>
-                <a:t/>
-              </a:r>
               <a:endParaRPr/>
             </a:p>
           </p:txBody>
@@ -4976,7 +4930,7 @@
             </a:xfrm>
             <a:prstGeom prst="diagStripe">
               <a:avLst>
-                <a:gd fmla="val 50000" name="adj"/>
+                <a:gd name="adj" fmla="val 50000"/>
               </a:avLst>
             </a:prstGeom>
             <a:solidFill>
@@ -4987,12 +4941,12 @@
             </a:ln>
           </p:spPr>
           <p:txBody>
-            <a:bodyPr anchorCtr="0" anchor="ctr" bIns="91425" lIns="91425" spcFirstLastPara="1" rIns="91425" wrap="square" tIns="91425">
+            <a:bodyPr spcFirstLastPara="1" wrap="square" lIns="91425" tIns="91425" rIns="91425" bIns="91425" anchor="ctr" anchorCtr="0">
               <a:noAutofit/>
             </a:bodyPr>
             <a:lstStyle/>
             <a:p>
-              <a:pPr indent="0" lvl="0" marL="0" rtl="0" algn="l">
+              <a:pPr marL="0" lvl="0" indent="0" algn="l" rtl="0">
                 <a:spcBef>
                   <a:spcPts val="0"/>
                 </a:spcBef>
@@ -5001,9 +4955,6 @@
                 </a:spcAft>
                 <a:buNone/>
               </a:pPr>
-              <a:r>
-                <a:t/>
-              </a:r>
               <a:endParaRPr/>
             </a:p>
           </p:txBody>
@@ -5012,7 +4963,9 @@
       <p:sp>
         <p:nvSpPr>
           <p:cNvPr id="52" name="Google Shape;52;p5"/>
-          <p:cNvSpPr txBox="1"/>
+          <p:cNvSpPr txBox="1">
+            <a:spLocks noGrp="1"/>
+          </p:cNvSpPr>
           <p:nvPr>
             <p:ph type="title"/>
           </p:nvPr>
@@ -5027,7 +4980,7 @@
           </a:prstGeom>
         </p:spPr>
         <p:txBody>
-          <a:bodyPr anchorCtr="0" anchor="t" bIns="91425" lIns="91425" spcFirstLastPara="1" rIns="91425" wrap="square" tIns="91425">
+          <a:bodyPr spcFirstLastPara="1" wrap="square" lIns="91425" tIns="91425" rIns="91425" bIns="91425" anchor="t" anchorCtr="0">
             <a:normAutofit/>
           </a:bodyPr>
           <a:lstStyle>
@@ -5131,15 +5084,19 @@
               <a:defRPr sz="2400"/>
             </a:lvl9pPr>
           </a:lstStyle>
-          <a:p/>
+          <a:p>
+            <a:endParaRPr/>
+          </a:p>
         </p:txBody>
       </p:sp>
       <p:sp>
         <p:nvSpPr>
           <p:cNvPr id="53" name="Google Shape;53;p5"/>
-          <p:cNvSpPr txBox="1"/>
+          <p:cNvSpPr txBox="1">
+            <a:spLocks noGrp="1"/>
+          </p:cNvSpPr>
           <p:nvPr>
-            <p:ph idx="1" type="body"/>
+            <p:ph type="body" idx="1"/>
           </p:nvPr>
         </p:nvSpPr>
         <p:spPr>
@@ -5152,11 +5109,11 @@
           </a:prstGeom>
         </p:spPr>
         <p:txBody>
-          <a:bodyPr anchorCtr="0" anchor="t" bIns="91425" lIns="91425" spcFirstLastPara="1" rIns="91425" wrap="square" tIns="91425">
+          <a:bodyPr spcFirstLastPara="1" wrap="square" lIns="91425" tIns="91425" rIns="91425" bIns="91425" anchor="t" anchorCtr="0">
             <a:normAutofit/>
           </a:bodyPr>
           <a:lstStyle>
-            <a:lvl1pPr indent="-311150" lvl="0" marL="457200">
+            <a:lvl1pPr marL="457200" lvl="0" indent="-311150">
               <a:spcBef>
                 <a:spcPts val="0"/>
               </a:spcBef>
@@ -5167,7 +5124,7 @@
               <a:buChar char="●"/>
               <a:defRPr/>
             </a:lvl1pPr>
-            <a:lvl2pPr indent="-298450" lvl="1" marL="914400">
+            <a:lvl2pPr marL="914400" lvl="1" indent="-298450">
               <a:spcBef>
                 <a:spcPts val="0"/>
               </a:spcBef>
@@ -5178,7 +5135,7 @@
               <a:buChar char="○"/>
               <a:defRPr/>
             </a:lvl2pPr>
-            <a:lvl3pPr indent="-298450" lvl="2" marL="1371600">
+            <a:lvl3pPr marL="1371600" lvl="2" indent="-298450">
               <a:spcBef>
                 <a:spcPts val="0"/>
               </a:spcBef>
@@ -5189,7 +5146,7 @@
               <a:buChar char="■"/>
               <a:defRPr/>
             </a:lvl3pPr>
-            <a:lvl4pPr indent="-298450" lvl="3" marL="1828800">
+            <a:lvl4pPr marL="1828800" lvl="3" indent="-298450">
               <a:spcBef>
                 <a:spcPts val="0"/>
               </a:spcBef>
@@ -5200,7 +5157,7 @@
               <a:buChar char="●"/>
               <a:defRPr/>
             </a:lvl4pPr>
-            <a:lvl5pPr indent="-298450" lvl="4" marL="2286000">
+            <a:lvl5pPr marL="2286000" lvl="4" indent="-298450">
               <a:spcBef>
                 <a:spcPts val="0"/>
               </a:spcBef>
@@ -5211,7 +5168,7 @@
               <a:buChar char="○"/>
               <a:defRPr/>
             </a:lvl5pPr>
-            <a:lvl6pPr indent="-298450" lvl="5" marL="2743200">
+            <a:lvl6pPr marL="2743200" lvl="5" indent="-298450">
               <a:spcBef>
                 <a:spcPts val="0"/>
               </a:spcBef>
@@ -5222,7 +5179,7 @@
               <a:buChar char="■"/>
               <a:defRPr/>
             </a:lvl6pPr>
-            <a:lvl7pPr indent="-298450" lvl="6" marL="3200400">
+            <a:lvl7pPr marL="3200400" lvl="6" indent="-298450">
               <a:spcBef>
                 <a:spcPts val="0"/>
               </a:spcBef>
@@ -5233,7 +5190,7 @@
               <a:buChar char="●"/>
               <a:defRPr/>
             </a:lvl7pPr>
-            <a:lvl8pPr indent="-298450" lvl="7" marL="3657600">
+            <a:lvl8pPr marL="3657600" lvl="7" indent="-298450">
               <a:spcBef>
                 <a:spcPts val="0"/>
               </a:spcBef>
@@ -5244,7 +5201,7 @@
               <a:buChar char="○"/>
               <a:defRPr/>
             </a:lvl8pPr>
-            <a:lvl9pPr indent="-298450" lvl="8" marL="4114800">
+            <a:lvl9pPr marL="4114800" lvl="8" indent="-298450">
               <a:spcBef>
                 <a:spcPts val="0"/>
               </a:spcBef>
@@ -5256,15 +5213,19 @@
               <a:defRPr/>
             </a:lvl9pPr>
           </a:lstStyle>
-          <a:p/>
+          <a:p>
+            <a:endParaRPr/>
+          </a:p>
         </p:txBody>
       </p:sp>
       <p:sp>
         <p:nvSpPr>
           <p:cNvPr id="54" name="Google Shape;54;p5"/>
-          <p:cNvSpPr txBox="1"/>
+          <p:cNvSpPr txBox="1">
+            <a:spLocks noGrp="1"/>
+          </p:cNvSpPr>
           <p:nvPr>
-            <p:ph idx="2" type="body"/>
+            <p:ph type="body" idx="2"/>
           </p:nvPr>
         </p:nvSpPr>
         <p:spPr>
@@ -5277,11 +5238,11 @@
           </a:prstGeom>
         </p:spPr>
         <p:txBody>
-          <a:bodyPr anchorCtr="0" anchor="t" bIns="91425" lIns="91425" spcFirstLastPara="1" rIns="91425" wrap="square" tIns="91425">
+          <a:bodyPr spcFirstLastPara="1" wrap="square" lIns="91425" tIns="91425" rIns="91425" bIns="91425" anchor="t" anchorCtr="0">
             <a:normAutofit/>
           </a:bodyPr>
           <a:lstStyle>
-            <a:lvl1pPr indent="-311150" lvl="0" marL="457200">
+            <a:lvl1pPr marL="457200" lvl="0" indent="-311150">
               <a:spcBef>
                 <a:spcPts val="0"/>
               </a:spcBef>
@@ -5292,7 +5253,7 @@
               <a:buChar char="●"/>
               <a:defRPr/>
             </a:lvl1pPr>
-            <a:lvl2pPr indent="-298450" lvl="1" marL="914400">
+            <a:lvl2pPr marL="914400" lvl="1" indent="-298450">
               <a:spcBef>
                 <a:spcPts val="0"/>
               </a:spcBef>
@@ -5303,7 +5264,7 @@
               <a:buChar char="○"/>
               <a:defRPr/>
             </a:lvl2pPr>
-            <a:lvl3pPr indent="-298450" lvl="2" marL="1371600">
+            <a:lvl3pPr marL="1371600" lvl="2" indent="-298450">
               <a:spcBef>
                 <a:spcPts val="0"/>
               </a:spcBef>
@@ -5314,7 +5275,7 @@
               <a:buChar char="■"/>
               <a:defRPr/>
             </a:lvl3pPr>
-            <a:lvl4pPr indent="-298450" lvl="3" marL="1828800">
+            <a:lvl4pPr marL="1828800" lvl="3" indent="-298450">
               <a:spcBef>
                 <a:spcPts val="0"/>
               </a:spcBef>
@@ -5325,7 +5286,7 @@
               <a:buChar char="●"/>
               <a:defRPr/>
             </a:lvl4pPr>
-            <a:lvl5pPr indent="-298450" lvl="4" marL="2286000">
+            <a:lvl5pPr marL="2286000" lvl="4" indent="-298450">
               <a:spcBef>
                 <a:spcPts val="0"/>
               </a:spcBef>
@@ -5336,7 +5297,7 @@
               <a:buChar char="○"/>
               <a:defRPr/>
             </a:lvl5pPr>
-            <a:lvl6pPr indent="-298450" lvl="5" marL="2743200">
+            <a:lvl6pPr marL="2743200" lvl="5" indent="-298450">
               <a:spcBef>
                 <a:spcPts val="0"/>
               </a:spcBef>
@@ -5347,7 +5308,7 @@
               <a:buChar char="■"/>
               <a:defRPr/>
             </a:lvl6pPr>
-            <a:lvl7pPr indent="-298450" lvl="6" marL="3200400">
+            <a:lvl7pPr marL="3200400" lvl="6" indent="-298450">
               <a:spcBef>
                 <a:spcPts val="0"/>
               </a:spcBef>
@@ -5358,7 +5319,7 @@
               <a:buChar char="●"/>
               <a:defRPr/>
             </a:lvl7pPr>
-            <a:lvl8pPr indent="-298450" lvl="7" marL="3657600">
+            <a:lvl8pPr marL="3657600" lvl="7" indent="-298450">
               <a:spcBef>
                 <a:spcPts val="0"/>
               </a:spcBef>
@@ -5369,7 +5330,7 @@
               <a:buChar char="○"/>
               <a:defRPr/>
             </a:lvl8pPr>
-            <a:lvl9pPr indent="-298450" lvl="8" marL="4114800">
+            <a:lvl9pPr marL="4114800" lvl="8" indent="-298450">
               <a:spcBef>
                 <a:spcPts val="0"/>
               </a:spcBef>
@@ -5381,15 +5342,19 @@
               <a:defRPr/>
             </a:lvl9pPr>
           </a:lstStyle>
-          <a:p/>
+          <a:p>
+            <a:endParaRPr/>
+          </a:p>
         </p:txBody>
       </p:sp>
       <p:sp>
         <p:nvSpPr>
           <p:cNvPr id="55" name="Google Shape;55;p5"/>
-          <p:cNvSpPr txBox="1"/>
+          <p:cNvSpPr txBox="1">
+            <a:spLocks noGrp="1"/>
+          </p:cNvSpPr>
           <p:nvPr>
-            <p:ph idx="12" type="sldNum"/>
+            <p:ph type="sldNum" idx="12"/>
           </p:nvPr>
         </p:nvSpPr>
         <p:spPr>
@@ -5402,7 +5367,7 @@
           </a:prstGeom>
         </p:spPr>
         <p:txBody>
-          <a:bodyPr anchorCtr="0" anchor="ctr" bIns="91425" lIns="91425" spcFirstLastPara="1" rIns="91425" wrap="square" tIns="91425">
+          <a:bodyPr spcFirstLastPara="1" wrap="square" lIns="91425" tIns="91425" rIns="91425" bIns="91425" anchor="ctr" anchorCtr="0">
             <a:normAutofit/>
           </a:bodyPr>
           <a:lstStyle>
@@ -5444,7 +5409,7 @@
             </a:lvl9pPr>
           </a:lstStyle>
           <a:p>
-            <a:pPr indent="0" lvl="0" marL="0" rtl="0" algn="r">
+            <a:pPr marL="0" lvl="0" indent="0" algn="r" rtl="0">
               <a:spcBef>
                 <a:spcPts val="0"/>
               </a:spcBef>
@@ -5470,11 +5435,11 @@
 </file>
 
 <file path=ppt/slideLayouts/slideLayout5.xml><?xml version="1.0" encoding="utf-8"?>
-<p:sldLayout xmlns:a="http://schemas.openxmlformats.org/drawingml/2006/main" xmlns:r="http://schemas.openxmlformats.org/officeDocument/2006/relationships" xmlns:mc="http://schemas.openxmlformats.org/markup-compatibility/2006" xmlns:mv="urn:schemas-microsoft-com:mac:vml" xmlns:p="http://schemas.openxmlformats.org/presentationml/2006/main" xmlns:c="http://schemas.openxmlformats.org/drawingml/2006/chart" xmlns:dgm="http://schemas.openxmlformats.org/drawingml/2006/diagram" xmlns:o="urn:schemas-microsoft-com:office:office" xmlns:v="urn:schemas-microsoft-com:vml" xmlns:pvml="urn:schemas-microsoft-com:office:powerpoint" xmlns:com="http://schemas.openxmlformats.org/drawingml/2006/compatibility" xmlns:p14="http://schemas.microsoft.com/office/powerpoint/2010/main" xmlns:p15="http://schemas.microsoft.com/office/powerpoint/2012/main" xmlns:ahyp="http://schemas.microsoft.com/office/drawing/2018/hyperlinkcolor" matchingName="Title only" type="titleOnly">
+<p:sldLayout xmlns:a="http://schemas.openxmlformats.org/drawingml/2006/main" xmlns:r="http://schemas.openxmlformats.org/officeDocument/2006/relationships" xmlns:p="http://schemas.openxmlformats.org/presentationml/2006/main" matchingName="Title only" type="titleOnly">
   <p:cSld name="TITLE_ONLY">
     <p:spTree>
       <p:nvGrpSpPr>
-        <p:cNvPr id="56" name="Shape 56"/>
+        <p:cNvPr id="1" name="Shape 56"/>
         <p:cNvGrpSpPr/>
         <p:nvPr/>
       </p:nvGrpSpPr>
@@ -5513,7 +5478,7 @@
             </a:xfrm>
             <a:prstGeom prst="diagStripe">
               <a:avLst>
-                <a:gd fmla="val 50000" name="adj"/>
+                <a:gd name="adj" fmla="val 50000"/>
               </a:avLst>
             </a:prstGeom>
             <a:solidFill>
@@ -5524,12 +5489,12 @@
             </a:ln>
           </p:spPr>
           <p:txBody>
-            <a:bodyPr anchorCtr="0" anchor="ctr" bIns="91425" lIns="91425" spcFirstLastPara="1" rIns="91425" wrap="square" tIns="91425">
+            <a:bodyPr spcFirstLastPara="1" wrap="square" lIns="91425" tIns="91425" rIns="91425" bIns="91425" anchor="ctr" anchorCtr="0">
               <a:noAutofit/>
             </a:bodyPr>
             <a:lstStyle/>
             <a:p>
-              <a:pPr indent="0" lvl="0" marL="0" rtl="0" algn="l">
+              <a:pPr marL="0" lvl="0" indent="0" algn="l" rtl="0">
                 <a:spcBef>
                   <a:spcPts val="0"/>
                 </a:spcBef>
@@ -5538,9 +5503,6 @@
                 </a:spcAft>
                 <a:buNone/>
               </a:pPr>
-              <a:r>
-                <a:t/>
-              </a:r>
               <a:endParaRPr/>
             </a:p>
           </p:txBody>
@@ -5558,7 +5520,7 @@
             </a:xfrm>
             <a:prstGeom prst="diagStripe">
               <a:avLst>
-                <a:gd fmla="val 50000" name="adj"/>
+                <a:gd name="adj" fmla="val 50000"/>
               </a:avLst>
             </a:prstGeom>
             <a:solidFill>
@@ -5569,12 +5531,12 @@
             </a:ln>
           </p:spPr>
           <p:txBody>
-            <a:bodyPr anchorCtr="0" anchor="ctr" bIns="91425" lIns="91425" spcFirstLastPara="1" rIns="91425" wrap="square" tIns="91425">
+            <a:bodyPr spcFirstLastPara="1" wrap="square" lIns="91425" tIns="91425" rIns="91425" bIns="91425" anchor="ctr" anchorCtr="0">
               <a:noAutofit/>
             </a:bodyPr>
             <a:lstStyle/>
             <a:p>
-              <a:pPr indent="0" lvl="0" marL="0" rtl="0" algn="l">
+              <a:pPr marL="0" lvl="0" indent="0" algn="l" rtl="0">
                 <a:spcBef>
                   <a:spcPts val="0"/>
                 </a:spcBef>
@@ -5583,9 +5545,6 @@
                 </a:spcAft>
                 <a:buNone/>
               </a:pPr>
-              <a:r>
-                <a:t/>
-              </a:r>
               <a:endParaRPr/>
             </a:p>
           </p:txBody>
@@ -5594,7 +5553,9 @@
       <p:sp>
         <p:nvSpPr>
           <p:cNvPr id="60" name="Google Shape;60;p6"/>
-          <p:cNvSpPr txBox="1"/>
+          <p:cNvSpPr txBox="1">
+            <a:spLocks noGrp="1"/>
+          </p:cNvSpPr>
           <p:nvPr>
             <p:ph type="title"/>
           </p:nvPr>
@@ -5609,7 +5570,7 @@
           </a:prstGeom>
         </p:spPr>
         <p:txBody>
-          <a:bodyPr anchorCtr="0" anchor="t" bIns="91425" lIns="91425" spcFirstLastPara="1" rIns="91425" wrap="square" tIns="91425">
+          <a:bodyPr spcFirstLastPara="1" wrap="square" lIns="91425" tIns="91425" rIns="91425" bIns="91425" anchor="t" anchorCtr="0">
             <a:normAutofit/>
           </a:bodyPr>
           <a:lstStyle>
@@ -5713,15 +5674,19 @@
               <a:defRPr sz="2400"/>
             </a:lvl9pPr>
           </a:lstStyle>
-          <a:p/>
+          <a:p>
+            <a:endParaRPr/>
+          </a:p>
         </p:txBody>
       </p:sp>
       <p:sp>
         <p:nvSpPr>
           <p:cNvPr id="61" name="Google Shape;61;p6"/>
-          <p:cNvSpPr txBox="1"/>
+          <p:cNvSpPr txBox="1">
+            <a:spLocks noGrp="1"/>
+          </p:cNvSpPr>
           <p:nvPr>
-            <p:ph idx="12" type="sldNum"/>
+            <p:ph type="sldNum" idx="12"/>
           </p:nvPr>
         </p:nvSpPr>
         <p:spPr>
@@ -5734,7 +5699,7 @@
           </a:prstGeom>
         </p:spPr>
         <p:txBody>
-          <a:bodyPr anchorCtr="0" anchor="ctr" bIns="91425" lIns="91425" spcFirstLastPara="1" rIns="91425" wrap="square" tIns="91425">
+          <a:bodyPr spcFirstLastPara="1" wrap="square" lIns="91425" tIns="91425" rIns="91425" bIns="91425" anchor="ctr" anchorCtr="0">
             <a:normAutofit/>
           </a:bodyPr>
           <a:lstStyle>
@@ -5776,7 +5741,7 @@
             </a:lvl9pPr>
           </a:lstStyle>
           <a:p>
-            <a:pPr indent="0" lvl="0" marL="0" rtl="0" algn="r">
+            <a:pPr marL="0" lvl="0" indent="0" algn="r" rtl="0">
               <a:spcBef>
                 <a:spcPts val="0"/>
               </a:spcBef>
@@ -5802,11 +5767,11 @@
 </file>
 
 <file path=ppt/slideLayouts/slideLayout6.xml><?xml version="1.0" encoding="utf-8"?>
-<p:sldLayout xmlns:a="http://schemas.openxmlformats.org/drawingml/2006/main" xmlns:r="http://schemas.openxmlformats.org/officeDocument/2006/relationships" xmlns:mc="http://schemas.openxmlformats.org/markup-compatibility/2006" xmlns:mv="urn:schemas-microsoft-com:mac:vml" xmlns:p="http://schemas.openxmlformats.org/presentationml/2006/main" xmlns:c="http://schemas.openxmlformats.org/drawingml/2006/chart" xmlns:dgm="http://schemas.openxmlformats.org/drawingml/2006/diagram" xmlns:o="urn:schemas-microsoft-com:office:office" xmlns:v="urn:schemas-microsoft-com:vml" xmlns:pvml="urn:schemas-microsoft-com:office:powerpoint" xmlns:com="http://schemas.openxmlformats.org/drawingml/2006/compatibility" xmlns:p14="http://schemas.microsoft.com/office/powerpoint/2010/main" xmlns:p15="http://schemas.microsoft.com/office/powerpoint/2012/main" xmlns:ahyp="http://schemas.microsoft.com/office/drawing/2018/hyperlinkcolor" matchingName="One column text">
+<p:sldLayout xmlns:a="http://schemas.openxmlformats.org/drawingml/2006/main" xmlns:r="http://schemas.openxmlformats.org/officeDocument/2006/relationships" xmlns:p="http://schemas.openxmlformats.org/presentationml/2006/main" matchingName="One column text">
   <p:cSld name="ONE_COLUMN_TEXT">
     <p:spTree>
       <p:nvGrpSpPr>
-        <p:cNvPr id="62" name="Shape 62"/>
+        <p:cNvPr id="1" name="Shape 62"/>
         <p:cNvGrpSpPr/>
         <p:nvPr/>
       </p:nvGrpSpPr>
@@ -5845,7 +5810,7 @@
             </a:xfrm>
             <a:prstGeom prst="diagStripe">
               <a:avLst>
-                <a:gd fmla="val 50000" name="adj"/>
+                <a:gd name="adj" fmla="val 50000"/>
               </a:avLst>
             </a:prstGeom>
             <a:solidFill>
@@ -5856,12 +5821,12 @@
             </a:ln>
           </p:spPr>
           <p:txBody>
-            <a:bodyPr anchorCtr="0" anchor="ctr" bIns="91425" lIns="91425" spcFirstLastPara="1" rIns="91425" wrap="square" tIns="91425">
+            <a:bodyPr spcFirstLastPara="1" wrap="square" lIns="91425" tIns="91425" rIns="91425" bIns="91425" anchor="ctr" anchorCtr="0">
               <a:noAutofit/>
             </a:bodyPr>
             <a:lstStyle/>
             <a:p>
-              <a:pPr indent="0" lvl="0" marL="0" rtl="0" algn="l">
+              <a:pPr marL="0" lvl="0" indent="0" algn="l" rtl="0">
                 <a:spcBef>
                   <a:spcPts val="0"/>
                 </a:spcBef>
@@ -5870,9 +5835,6 @@
                 </a:spcAft>
                 <a:buNone/>
               </a:pPr>
-              <a:r>
-                <a:t/>
-              </a:r>
               <a:endParaRPr/>
             </a:p>
           </p:txBody>
@@ -5890,7 +5852,7 @@
             </a:xfrm>
             <a:prstGeom prst="diagStripe">
               <a:avLst>
-                <a:gd fmla="val 50000" name="adj"/>
+                <a:gd name="adj" fmla="val 50000"/>
               </a:avLst>
             </a:prstGeom>
             <a:solidFill>
@@ -5901,12 +5863,12 @@
             </a:ln>
           </p:spPr>
           <p:txBody>
-            <a:bodyPr anchorCtr="0" anchor="ctr" bIns="91425" lIns="91425" spcFirstLastPara="1" rIns="91425" wrap="square" tIns="91425">
+            <a:bodyPr spcFirstLastPara="1" wrap="square" lIns="91425" tIns="91425" rIns="91425" bIns="91425" anchor="ctr" anchorCtr="0">
               <a:noAutofit/>
             </a:bodyPr>
             <a:lstStyle/>
             <a:p>
-              <a:pPr indent="0" lvl="0" marL="0" rtl="0" algn="l">
+              <a:pPr marL="0" lvl="0" indent="0" algn="l" rtl="0">
                 <a:spcBef>
                   <a:spcPts val="0"/>
                 </a:spcBef>
@@ -5915,9 +5877,6 @@
                 </a:spcAft>
                 <a:buNone/>
               </a:pPr>
-              <a:r>
-                <a:t/>
-              </a:r>
               <a:endParaRPr/>
             </a:p>
           </p:txBody>
@@ -5926,7 +5885,9 @@
       <p:sp>
         <p:nvSpPr>
           <p:cNvPr id="66" name="Google Shape;66;p7"/>
-          <p:cNvSpPr txBox="1"/>
+          <p:cNvSpPr txBox="1">
+            <a:spLocks noGrp="1"/>
+          </p:cNvSpPr>
           <p:nvPr>
             <p:ph type="title"/>
           </p:nvPr>
@@ -5941,7 +5902,7 @@
           </a:prstGeom>
         </p:spPr>
         <p:txBody>
-          <a:bodyPr anchorCtr="0" anchor="t" bIns="91425" lIns="91425" spcFirstLastPara="1" rIns="91425" wrap="square" tIns="91425">
+          <a:bodyPr spcFirstLastPara="1" wrap="square" lIns="91425" tIns="91425" rIns="91425" bIns="91425" anchor="t" anchorCtr="0">
             <a:normAutofit/>
           </a:bodyPr>
           <a:lstStyle>
@@ -6045,15 +6006,19 @@
               <a:defRPr sz="2400"/>
             </a:lvl9pPr>
           </a:lstStyle>
-          <a:p/>
+          <a:p>
+            <a:endParaRPr/>
+          </a:p>
         </p:txBody>
       </p:sp>
       <p:sp>
         <p:nvSpPr>
           <p:cNvPr id="67" name="Google Shape;67;p7"/>
-          <p:cNvSpPr txBox="1"/>
+          <p:cNvSpPr txBox="1">
+            <a:spLocks noGrp="1"/>
+          </p:cNvSpPr>
           <p:nvPr>
-            <p:ph idx="1" type="body"/>
+            <p:ph type="body" idx="1"/>
           </p:nvPr>
         </p:nvSpPr>
         <p:spPr>
@@ -6066,11 +6031,11 @@
           </a:prstGeom>
         </p:spPr>
         <p:txBody>
-          <a:bodyPr anchorCtr="0" anchor="t" bIns="91425" lIns="91425" spcFirstLastPara="1" rIns="91425" wrap="square" tIns="91425">
+          <a:bodyPr spcFirstLastPara="1" wrap="square" lIns="91425" tIns="91425" rIns="91425" bIns="91425" anchor="t" anchorCtr="0">
             <a:normAutofit/>
           </a:bodyPr>
           <a:lstStyle>
-            <a:lvl1pPr indent="-311150" lvl="0" marL="457200">
+            <a:lvl1pPr marL="457200" lvl="0" indent="-311150">
               <a:spcBef>
                 <a:spcPts val="0"/>
               </a:spcBef>
@@ -6081,7 +6046,7 @@
               <a:buChar char="●"/>
               <a:defRPr/>
             </a:lvl1pPr>
-            <a:lvl2pPr indent="-298450" lvl="1" marL="914400">
+            <a:lvl2pPr marL="914400" lvl="1" indent="-298450">
               <a:spcBef>
                 <a:spcPts val="0"/>
               </a:spcBef>
@@ -6092,7 +6057,7 @@
               <a:buChar char="○"/>
               <a:defRPr/>
             </a:lvl2pPr>
-            <a:lvl3pPr indent="-298450" lvl="2" marL="1371600">
+            <a:lvl3pPr marL="1371600" lvl="2" indent="-298450">
               <a:spcBef>
                 <a:spcPts val="0"/>
               </a:spcBef>
@@ -6103,7 +6068,7 @@
               <a:buChar char="■"/>
               <a:defRPr/>
             </a:lvl3pPr>
-            <a:lvl4pPr indent="-298450" lvl="3" marL="1828800">
+            <a:lvl4pPr marL="1828800" lvl="3" indent="-298450">
               <a:spcBef>
                 <a:spcPts val="0"/>
               </a:spcBef>
@@ -6114,7 +6079,7 @@
               <a:buChar char="●"/>
               <a:defRPr/>
             </a:lvl4pPr>
-            <a:lvl5pPr indent="-298450" lvl="4" marL="2286000">
+            <a:lvl5pPr marL="2286000" lvl="4" indent="-298450">
               <a:spcBef>
                 <a:spcPts val="0"/>
               </a:spcBef>
@@ -6125,7 +6090,7 @@
               <a:buChar char="○"/>
               <a:defRPr/>
             </a:lvl5pPr>
-            <a:lvl6pPr indent="-298450" lvl="5" marL="2743200">
+            <a:lvl6pPr marL="2743200" lvl="5" indent="-298450">
               <a:spcBef>
                 <a:spcPts val="0"/>
               </a:spcBef>
@@ -6136,7 +6101,7 @@
               <a:buChar char="■"/>
               <a:defRPr/>
             </a:lvl6pPr>
-            <a:lvl7pPr indent="-298450" lvl="6" marL="3200400">
+            <a:lvl7pPr marL="3200400" lvl="6" indent="-298450">
               <a:spcBef>
                 <a:spcPts val="0"/>
               </a:spcBef>
@@ -6147,7 +6112,7 @@
               <a:buChar char="●"/>
               <a:defRPr/>
             </a:lvl7pPr>
-            <a:lvl8pPr indent="-298450" lvl="7" marL="3657600">
+            <a:lvl8pPr marL="3657600" lvl="7" indent="-298450">
               <a:spcBef>
                 <a:spcPts val="0"/>
               </a:spcBef>
@@ -6158,7 +6123,7 @@
               <a:buChar char="○"/>
               <a:defRPr/>
             </a:lvl8pPr>
-            <a:lvl9pPr indent="-298450" lvl="8" marL="4114800">
+            <a:lvl9pPr marL="4114800" lvl="8" indent="-298450">
               <a:spcBef>
                 <a:spcPts val="0"/>
               </a:spcBef>
@@ -6170,15 +6135,19 @@
               <a:defRPr/>
             </a:lvl9pPr>
           </a:lstStyle>
-          <a:p/>
+          <a:p>
+            <a:endParaRPr/>
+          </a:p>
         </p:txBody>
       </p:sp>
       <p:sp>
         <p:nvSpPr>
           <p:cNvPr id="68" name="Google Shape;68;p7"/>
-          <p:cNvSpPr txBox="1"/>
+          <p:cNvSpPr txBox="1">
+            <a:spLocks noGrp="1"/>
+          </p:cNvSpPr>
           <p:nvPr>
-            <p:ph idx="12" type="sldNum"/>
+            <p:ph type="sldNum" idx="12"/>
           </p:nvPr>
         </p:nvSpPr>
         <p:spPr>
@@ -6191,7 +6160,7 @@
           </a:prstGeom>
         </p:spPr>
         <p:txBody>
-          <a:bodyPr anchorCtr="0" anchor="ctr" bIns="91425" lIns="91425" spcFirstLastPara="1" rIns="91425" wrap="square" tIns="91425">
+          <a:bodyPr spcFirstLastPara="1" wrap="square" lIns="91425" tIns="91425" rIns="91425" bIns="91425" anchor="ctr" anchorCtr="0">
             <a:normAutofit/>
           </a:bodyPr>
           <a:lstStyle>
@@ -6233,7 +6202,7 @@
             </a:lvl9pPr>
           </a:lstStyle>
           <a:p>
-            <a:pPr indent="0" lvl="0" marL="0" rtl="0" algn="r">
+            <a:pPr marL="0" lvl="0" indent="0" algn="r" rtl="0">
               <a:spcBef>
                 <a:spcPts val="0"/>
               </a:spcBef>
@@ -6259,11 +6228,11 @@
 </file>
 
 <file path=ppt/slideLayouts/slideLayout7.xml><?xml version="1.0" encoding="utf-8"?>
-<p:sldLayout xmlns:a="http://schemas.openxmlformats.org/drawingml/2006/main" xmlns:r="http://schemas.openxmlformats.org/officeDocument/2006/relationships" xmlns:mc="http://schemas.openxmlformats.org/markup-compatibility/2006" xmlns:mv="urn:schemas-microsoft-com:mac:vml" xmlns:p="http://schemas.openxmlformats.org/presentationml/2006/main" xmlns:c="http://schemas.openxmlformats.org/drawingml/2006/chart" xmlns:dgm="http://schemas.openxmlformats.org/drawingml/2006/diagram" xmlns:o="urn:schemas-microsoft-com:office:office" xmlns:v="urn:schemas-microsoft-com:vml" xmlns:pvml="urn:schemas-microsoft-com:office:powerpoint" xmlns:com="http://schemas.openxmlformats.org/drawingml/2006/compatibility" xmlns:p14="http://schemas.microsoft.com/office/powerpoint/2010/main" xmlns:p15="http://schemas.microsoft.com/office/powerpoint/2012/main" xmlns:ahyp="http://schemas.microsoft.com/office/drawing/2018/hyperlinkcolor" matchingName="Main point">
+<p:sldLayout xmlns:a="http://schemas.openxmlformats.org/drawingml/2006/main" xmlns:r="http://schemas.openxmlformats.org/officeDocument/2006/relationships" xmlns:p="http://schemas.openxmlformats.org/presentationml/2006/main" matchingName="Main point">
   <p:cSld name="MAIN_POINT">
     <p:spTree>
       <p:nvGrpSpPr>
-        <p:cNvPr id="69" name="Shape 69"/>
+        <p:cNvPr id="1" name="Shape 69"/>
         <p:cNvGrpSpPr/>
         <p:nvPr/>
       </p:nvGrpSpPr>
@@ -6302,7 +6271,7 @@
             </a:xfrm>
             <a:prstGeom prst="diagStripe">
               <a:avLst>
-                <a:gd fmla="val 49469" name="adj"/>
+                <a:gd name="adj" fmla="val 49469"/>
               </a:avLst>
             </a:prstGeom>
             <a:solidFill>
@@ -6315,12 +6284,12 @@
             </a:ln>
           </p:spPr>
           <p:txBody>
-            <a:bodyPr anchorCtr="0" anchor="ctr" bIns="91425" lIns="91425" spcFirstLastPara="1" rIns="91425" wrap="square" tIns="91425">
+            <a:bodyPr spcFirstLastPara="1" wrap="square" lIns="91425" tIns="91425" rIns="91425" bIns="91425" anchor="ctr" anchorCtr="0">
               <a:noAutofit/>
             </a:bodyPr>
             <a:lstStyle/>
             <a:p>
-              <a:pPr indent="0" lvl="0" marL="0" rtl="0" algn="l">
+              <a:pPr marL="0" lvl="0" indent="0" algn="l" rtl="0">
                 <a:spcBef>
                   <a:spcPts val="0"/>
                 </a:spcBef>
@@ -6329,9 +6298,6 @@
                 </a:spcAft>
                 <a:buNone/>
               </a:pPr>
-              <a:r>
-                <a:t/>
-              </a:r>
               <a:endParaRPr/>
             </a:p>
           </p:txBody>
@@ -6349,7 +6315,7 @@
             </a:xfrm>
             <a:prstGeom prst="diagStripe">
               <a:avLst>
-                <a:gd fmla="val 0" name="adj"/>
+                <a:gd name="adj" fmla="val 0"/>
               </a:avLst>
             </a:prstGeom>
             <a:solidFill>
@@ -6362,12 +6328,12 @@
             </a:ln>
           </p:spPr>
           <p:txBody>
-            <a:bodyPr anchorCtr="0" anchor="ctr" bIns="91425" lIns="91425" spcFirstLastPara="1" rIns="91425" wrap="square" tIns="91425">
+            <a:bodyPr spcFirstLastPara="1" wrap="square" lIns="91425" tIns="91425" rIns="91425" bIns="91425" anchor="ctr" anchorCtr="0">
               <a:noAutofit/>
             </a:bodyPr>
             <a:lstStyle/>
             <a:p>
-              <a:pPr indent="0" lvl="0" marL="0" rtl="0" algn="l">
+              <a:pPr marL="0" lvl="0" indent="0" algn="l" rtl="0">
                 <a:spcBef>
                   <a:spcPts val="0"/>
                 </a:spcBef>
@@ -6376,9 +6342,6 @@
                 </a:spcAft>
                 <a:buNone/>
               </a:pPr>
-              <a:r>
-                <a:t/>
-              </a:r>
               <a:endParaRPr/>
             </a:p>
           </p:txBody>
@@ -6396,7 +6359,7 @@
             </a:xfrm>
             <a:prstGeom prst="diagStripe">
               <a:avLst>
-                <a:gd fmla="val 50000" name="adj"/>
+                <a:gd name="adj" fmla="val 50000"/>
               </a:avLst>
             </a:prstGeom>
             <a:solidFill>
@@ -6409,12 +6372,12 @@
             </a:ln>
           </p:spPr>
           <p:txBody>
-            <a:bodyPr anchorCtr="0" anchor="ctr" bIns="91425" lIns="91425" spcFirstLastPara="1" rIns="91425" wrap="square" tIns="91425">
+            <a:bodyPr spcFirstLastPara="1" wrap="square" lIns="91425" tIns="91425" rIns="91425" bIns="91425" anchor="ctr" anchorCtr="0">
               <a:noAutofit/>
             </a:bodyPr>
             <a:lstStyle/>
             <a:p>
-              <a:pPr indent="0" lvl="0" marL="0" rtl="0" algn="l">
+              <a:pPr marL="0" lvl="0" indent="0" algn="l" rtl="0">
                 <a:spcBef>
                   <a:spcPts val="0"/>
                 </a:spcBef>
@@ -6423,9 +6386,6 @@
                 </a:spcAft>
                 <a:buNone/>
               </a:pPr>
-              <a:r>
-                <a:t/>
-              </a:r>
               <a:endParaRPr/>
             </a:p>
           </p:txBody>
@@ -6443,7 +6403,7 @@
             </a:xfrm>
             <a:prstGeom prst="diagStripe">
               <a:avLst>
-                <a:gd fmla="val 50000" name="adj"/>
+                <a:gd name="adj" fmla="val 50000"/>
               </a:avLst>
             </a:prstGeom>
             <a:solidFill>
@@ -6456,12 +6416,12 @@
             </a:ln>
           </p:spPr>
           <p:txBody>
-            <a:bodyPr anchorCtr="0" anchor="ctr" bIns="91425" lIns="91425" spcFirstLastPara="1" rIns="91425" wrap="square" tIns="91425">
+            <a:bodyPr spcFirstLastPara="1" wrap="square" lIns="91425" tIns="91425" rIns="91425" bIns="91425" anchor="ctr" anchorCtr="0">
               <a:noAutofit/>
             </a:bodyPr>
             <a:lstStyle/>
             <a:p>
-              <a:pPr indent="0" lvl="0" marL="0" rtl="0" algn="l">
+              <a:pPr marL="0" lvl="0" indent="0" algn="l" rtl="0">
                 <a:spcBef>
                   <a:spcPts val="0"/>
                 </a:spcBef>
@@ -6470,9 +6430,6 @@
                 </a:spcAft>
                 <a:buNone/>
               </a:pPr>
-              <a:r>
-                <a:t/>
-              </a:r>
               <a:endParaRPr/>
             </a:p>
           </p:txBody>
@@ -6490,7 +6447,7 @@
             </a:xfrm>
             <a:prstGeom prst="diagStripe">
               <a:avLst>
-                <a:gd fmla="val 50000" name="adj"/>
+                <a:gd name="adj" fmla="val 50000"/>
               </a:avLst>
             </a:prstGeom>
             <a:solidFill>
@@ -6503,12 +6460,12 @@
             </a:ln>
           </p:spPr>
           <p:txBody>
-            <a:bodyPr anchorCtr="0" anchor="ctr" bIns="91425" lIns="91425" spcFirstLastPara="1" rIns="91425" wrap="square" tIns="91425">
+            <a:bodyPr spcFirstLastPara="1" wrap="square" lIns="91425" tIns="91425" rIns="91425" bIns="91425" anchor="ctr" anchorCtr="0">
               <a:noAutofit/>
             </a:bodyPr>
             <a:lstStyle/>
             <a:p>
-              <a:pPr indent="0" lvl="0" marL="0" rtl="0" algn="l">
+              <a:pPr marL="0" lvl="0" indent="0" algn="l" rtl="0">
                 <a:spcBef>
                   <a:spcPts val="0"/>
                 </a:spcBef>
@@ -6517,9 +6474,6 @@
                 </a:spcAft>
                 <a:buNone/>
               </a:pPr>
-              <a:r>
-                <a:t/>
-              </a:r>
               <a:endParaRPr/>
             </a:p>
           </p:txBody>
@@ -6537,7 +6491,7 @@
             </a:xfrm>
             <a:prstGeom prst="diagStripe">
               <a:avLst>
-                <a:gd fmla="val 50000" name="adj"/>
+                <a:gd name="adj" fmla="val 50000"/>
               </a:avLst>
             </a:prstGeom>
             <a:solidFill>
@@ -6550,12 +6504,12 @@
             </a:ln>
           </p:spPr>
           <p:txBody>
-            <a:bodyPr anchorCtr="0" anchor="ctr" bIns="91425" lIns="91425" spcFirstLastPara="1" rIns="91425" wrap="square" tIns="91425">
+            <a:bodyPr spcFirstLastPara="1" wrap="square" lIns="91425" tIns="91425" rIns="91425" bIns="91425" anchor="ctr" anchorCtr="0">
               <a:noAutofit/>
             </a:bodyPr>
             <a:lstStyle/>
             <a:p>
-              <a:pPr indent="0" lvl="0" marL="0" rtl="0" algn="l">
+              <a:pPr marL="0" lvl="0" indent="0" algn="l" rtl="0">
                 <a:spcBef>
                   <a:spcPts val="0"/>
                 </a:spcBef>
@@ -6564,9 +6518,6 @@
                 </a:spcAft>
                 <a:buNone/>
               </a:pPr>
-              <a:r>
-                <a:t/>
-              </a:r>
               <a:endParaRPr/>
             </a:p>
           </p:txBody>
@@ -6584,7 +6535,7 @@
             </a:xfrm>
             <a:prstGeom prst="diagStripe">
               <a:avLst>
-                <a:gd fmla="val 50000" name="adj"/>
+                <a:gd name="adj" fmla="val 50000"/>
               </a:avLst>
             </a:prstGeom>
             <a:solidFill>
@@ -6597,12 +6548,12 @@
             </a:ln>
           </p:spPr>
           <p:txBody>
-            <a:bodyPr anchorCtr="0" anchor="ctr" bIns="91425" lIns="91425" spcFirstLastPara="1" rIns="91425" wrap="square" tIns="91425">
+            <a:bodyPr spcFirstLastPara="1" wrap="square" lIns="91425" tIns="91425" rIns="91425" bIns="91425" anchor="ctr" anchorCtr="0">
               <a:noAutofit/>
             </a:bodyPr>
             <a:lstStyle/>
             <a:p>
-              <a:pPr indent="0" lvl="0" marL="0" rtl="0" algn="l">
+              <a:pPr marL="0" lvl="0" indent="0" algn="l" rtl="0">
                 <a:spcBef>
                   <a:spcPts val="0"/>
                 </a:spcBef>
@@ -6611,9 +6562,6 @@
                 </a:spcAft>
                 <a:buNone/>
               </a:pPr>
-              <a:r>
-                <a:t/>
-              </a:r>
               <a:endParaRPr/>
             </a:p>
           </p:txBody>
@@ -6631,7 +6579,7 @@
             </a:xfrm>
             <a:prstGeom prst="diagStripe">
               <a:avLst>
-                <a:gd fmla="val 50000" name="adj"/>
+                <a:gd name="adj" fmla="val 50000"/>
               </a:avLst>
             </a:prstGeom>
             <a:solidFill>
@@ -6642,12 +6590,12 @@
             </a:ln>
           </p:spPr>
           <p:txBody>
-            <a:bodyPr anchorCtr="0" anchor="ctr" bIns="91425" lIns="91425" spcFirstLastPara="1" rIns="91425" wrap="square" tIns="91425">
+            <a:bodyPr spcFirstLastPara="1" wrap="square" lIns="91425" tIns="91425" rIns="91425" bIns="91425" anchor="ctr" anchorCtr="0">
               <a:noAutofit/>
             </a:bodyPr>
             <a:lstStyle/>
             <a:p>
-              <a:pPr indent="0" lvl="0" marL="0" rtl="0" algn="l">
+              <a:pPr marL="0" lvl="0" indent="0" algn="l" rtl="0">
                 <a:spcBef>
                   <a:spcPts val="0"/>
                 </a:spcBef>
@@ -6656,9 +6604,6 @@
                 </a:spcAft>
                 <a:buNone/>
               </a:pPr>
-              <a:r>
-                <a:t/>
-              </a:r>
               <a:endParaRPr/>
             </a:p>
           </p:txBody>
@@ -6676,7 +6621,7 @@
             </a:xfrm>
             <a:prstGeom prst="diagStripe">
               <a:avLst>
-                <a:gd fmla="val 50000" name="adj"/>
+                <a:gd name="adj" fmla="val 50000"/>
               </a:avLst>
             </a:prstGeom>
             <a:solidFill>
@@ -6689,12 +6634,12 @@
             </a:ln>
           </p:spPr>
           <p:txBody>
-            <a:bodyPr anchorCtr="0" anchor="ctr" bIns="91425" lIns="91425" spcFirstLastPara="1" rIns="91425" wrap="square" tIns="91425">
+            <a:bodyPr spcFirstLastPara="1" wrap="square" lIns="91425" tIns="91425" rIns="91425" bIns="91425" anchor="ctr" anchorCtr="0">
               <a:noAutofit/>
             </a:bodyPr>
             <a:lstStyle/>
             <a:p>
-              <a:pPr indent="0" lvl="0" marL="0" rtl="0" algn="l">
+              <a:pPr marL="0" lvl="0" indent="0" algn="l" rtl="0">
                 <a:spcBef>
                   <a:spcPts val="0"/>
                 </a:spcBef>
@@ -6703,9 +6648,6 @@
                 </a:spcAft>
                 <a:buNone/>
               </a:pPr>
-              <a:r>
-                <a:t/>
-              </a:r>
               <a:endParaRPr/>
             </a:p>
           </p:txBody>
@@ -6723,7 +6665,7 @@
             </a:xfrm>
             <a:prstGeom prst="diagStripe">
               <a:avLst>
-                <a:gd fmla="val 50000" name="adj"/>
+                <a:gd name="adj" fmla="val 50000"/>
               </a:avLst>
             </a:prstGeom>
             <a:solidFill>
@@ -6736,12 +6678,12 @@
             </a:ln>
           </p:spPr>
           <p:txBody>
-            <a:bodyPr anchorCtr="0" anchor="ctr" bIns="91425" lIns="91425" spcFirstLastPara="1" rIns="91425" wrap="square" tIns="91425">
+            <a:bodyPr spcFirstLastPara="1" wrap="square" lIns="91425" tIns="91425" rIns="91425" bIns="91425" anchor="ctr" anchorCtr="0">
               <a:noAutofit/>
             </a:bodyPr>
             <a:lstStyle/>
             <a:p>
-              <a:pPr indent="0" lvl="0" marL="0" rtl="0" algn="l">
+              <a:pPr marL="0" lvl="0" indent="0" algn="l" rtl="0">
                 <a:spcBef>
                   <a:spcPts val="0"/>
                 </a:spcBef>
@@ -6750,9 +6692,6 @@
                 </a:spcAft>
                 <a:buNone/>
               </a:pPr>
-              <a:r>
-                <a:t/>
-              </a:r>
               <a:endParaRPr/>
             </a:p>
           </p:txBody>
@@ -6770,7 +6709,7 @@
             </a:xfrm>
             <a:prstGeom prst="diagStripe">
               <a:avLst>
-                <a:gd fmla="val 50000" name="adj"/>
+                <a:gd name="adj" fmla="val 50000"/>
               </a:avLst>
             </a:prstGeom>
             <a:solidFill>
@@ -6783,12 +6722,12 @@
             </a:ln>
           </p:spPr>
           <p:txBody>
-            <a:bodyPr anchorCtr="0" anchor="ctr" bIns="91425" lIns="91425" spcFirstLastPara="1" rIns="91425" wrap="square" tIns="91425">
+            <a:bodyPr spcFirstLastPara="1" wrap="square" lIns="91425" tIns="91425" rIns="91425" bIns="91425" anchor="ctr" anchorCtr="0">
               <a:noAutofit/>
             </a:bodyPr>
             <a:lstStyle/>
             <a:p>
-              <a:pPr indent="0" lvl="0" marL="0" rtl="0" algn="l">
+              <a:pPr marL="0" lvl="0" indent="0" algn="l" rtl="0">
                 <a:spcBef>
                   <a:spcPts val="0"/>
                 </a:spcBef>
@@ -6797,9 +6736,6 @@
                 </a:spcAft>
                 <a:buNone/>
               </a:pPr>
-              <a:r>
-                <a:t/>
-              </a:r>
               <a:endParaRPr/>
             </a:p>
           </p:txBody>
@@ -6817,7 +6753,7 @@
             </a:xfrm>
             <a:prstGeom prst="diagStripe">
               <a:avLst>
-                <a:gd fmla="val 50000" name="adj"/>
+                <a:gd name="adj" fmla="val 50000"/>
               </a:avLst>
             </a:prstGeom>
             <a:solidFill>
@@ -6830,12 +6766,12 @@
             </a:ln>
           </p:spPr>
           <p:txBody>
-            <a:bodyPr anchorCtr="0" anchor="ctr" bIns="91425" lIns="91425" spcFirstLastPara="1" rIns="91425" wrap="square" tIns="91425">
+            <a:bodyPr spcFirstLastPara="1" wrap="square" lIns="91425" tIns="91425" rIns="91425" bIns="91425" anchor="ctr" anchorCtr="0">
               <a:noAutofit/>
             </a:bodyPr>
             <a:lstStyle/>
             <a:p>
-              <a:pPr indent="0" lvl="0" marL="0" rtl="0" algn="l">
+              <a:pPr marL="0" lvl="0" indent="0" algn="l" rtl="0">
                 <a:spcBef>
                   <a:spcPts val="0"/>
                 </a:spcBef>
@@ -6844,9 +6780,6 @@
                 </a:spcAft>
                 <a:buNone/>
               </a:pPr>
-              <a:r>
-                <a:t/>
-              </a:r>
               <a:endParaRPr/>
             </a:p>
           </p:txBody>
@@ -6864,7 +6797,7 @@
             </a:xfrm>
             <a:prstGeom prst="diagStripe">
               <a:avLst>
-                <a:gd fmla="val 50000" name="adj"/>
+                <a:gd name="adj" fmla="val 50000"/>
               </a:avLst>
             </a:prstGeom>
             <a:solidFill>
@@ -6877,12 +6810,12 @@
             </a:ln>
           </p:spPr>
           <p:txBody>
-            <a:bodyPr anchorCtr="0" anchor="ctr" bIns="91425" lIns="91425" spcFirstLastPara="1" rIns="91425" wrap="square" tIns="91425">
+            <a:bodyPr spcFirstLastPara="1" wrap="square" lIns="91425" tIns="91425" rIns="91425" bIns="91425" anchor="ctr" anchorCtr="0">
               <a:noAutofit/>
             </a:bodyPr>
             <a:lstStyle/>
             <a:p>
-              <a:pPr indent="0" lvl="0" marL="0" rtl="0" algn="l">
+              <a:pPr marL="0" lvl="0" indent="0" algn="l" rtl="0">
                 <a:spcBef>
                   <a:spcPts val="0"/>
                 </a:spcBef>
@@ -6891,9 +6824,6 @@
                 </a:spcAft>
                 <a:buNone/>
               </a:pPr>
-              <a:r>
-                <a:t/>
-              </a:r>
               <a:endParaRPr/>
             </a:p>
           </p:txBody>
@@ -6911,7 +6841,7 @@
             </a:xfrm>
             <a:prstGeom prst="diagStripe">
               <a:avLst>
-                <a:gd fmla="val 50000" name="adj"/>
+                <a:gd name="adj" fmla="val 50000"/>
               </a:avLst>
             </a:prstGeom>
             <a:solidFill>
@@ -6922,12 +6852,12 @@
             </a:ln>
           </p:spPr>
           <p:txBody>
-            <a:bodyPr anchorCtr="0" anchor="ctr" bIns="91425" lIns="91425" spcFirstLastPara="1" rIns="91425" wrap="square" tIns="91425">
+            <a:bodyPr spcFirstLastPara="1" wrap="square" lIns="91425" tIns="91425" rIns="91425" bIns="91425" anchor="ctr" anchorCtr="0">
               <a:noAutofit/>
             </a:bodyPr>
             <a:lstStyle/>
             <a:p>
-              <a:pPr indent="0" lvl="0" marL="0" rtl="0" algn="l">
+              <a:pPr marL="0" lvl="0" indent="0" algn="l" rtl="0">
                 <a:spcBef>
                   <a:spcPts val="0"/>
                 </a:spcBef>
@@ -6936,9 +6866,6 @@
                 </a:spcAft>
                 <a:buNone/>
               </a:pPr>
-              <a:r>
-                <a:t/>
-              </a:r>
               <a:endParaRPr/>
             </a:p>
           </p:txBody>
@@ -6956,7 +6883,7 @@
             </a:xfrm>
             <a:prstGeom prst="diagStripe">
               <a:avLst>
-                <a:gd fmla="val 50000" name="adj"/>
+                <a:gd name="adj" fmla="val 50000"/>
               </a:avLst>
             </a:prstGeom>
             <a:solidFill>
@@ -6969,12 +6896,12 @@
             </a:ln>
           </p:spPr>
           <p:txBody>
-            <a:bodyPr anchorCtr="0" anchor="ctr" bIns="91425" lIns="91425" spcFirstLastPara="1" rIns="91425" wrap="square" tIns="91425">
+            <a:bodyPr spcFirstLastPara="1" wrap="square" lIns="91425" tIns="91425" rIns="91425" bIns="91425" anchor="ctr" anchorCtr="0">
               <a:noAutofit/>
             </a:bodyPr>
             <a:lstStyle/>
             <a:p>
-              <a:pPr indent="0" lvl="0" marL="0" rtl="0" algn="l">
+              <a:pPr marL="0" lvl="0" indent="0" algn="l" rtl="0">
                 <a:spcBef>
                   <a:spcPts val="0"/>
                 </a:spcBef>
@@ -6983,9 +6910,6 @@
                 </a:spcAft>
                 <a:buNone/>
               </a:pPr>
-              <a:r>
-                <a:t/>
-              </a:r>
               <a:endParaRPr/>
             </a:p>
           </p:txBody>
@@ -7003,7 +6927,7 @@
             </a:xfrm>
             <a:prstGeom prst="diagStripe">
               <a:avLst>
-                <a:gd fmla="val 50000" name="adj"/>
+                <a:gd name="adj" fmla="val 50000"/>
               </a:avLst>
             </a:prstGeom>
             <a:solidFill>
@@ -7016,12 +6940,12 @@
             </a:ln>
           </p:spPr>
           <p:txBody>
-            <a:bodyPr anchorCtr="0" anchor="ctr" bIns="91425" lIns="91425" spcFirstLastPara="1" rIns="91425" wrap="square" tIns="91425">
+            <a:bodyPr spcFirstLastPara="1" wrap="square" lIns="91425" tIns="91425" rIns="91425" bIns="91425" anchor="ctr" anchorCtr="0">
               <a:noAutofit/>
             </a:bodyPr>
             <a:lstStyle/>
             <a:p>
-              <a:pPr indent="0" lvl="0" marL="0" rtl="0" algn="l">
+              <a:pPr marL="0" lvl="0" indent="0" algn="l" rtl="0">
                 <a:spcBef>
                   <a:spcPts val="0"/>
                 </a:spcBef>
@@ -7030,9 +6954,6 @@
                 </a:spcAft>
                 <a:buNone/>
               </a:pPr>
-              <a:r>
-                <a:t/>
-              </a:r>
               <a:endParaRPr/>
             </a:p>
           </p:txBody>
@@ -7050,7 +6971,7 @@
             </a:xfrm>
             <a:prstGeom prst="diagStripe">
               <a:avLst>
-                <a:gd fmla="val 50000" name="adj"/>
+                <a:gd name="adj" fmla="val 50000"/>
               </a:avLst>
             </a:prstGeom>
             <a:solidFill>
@@ -7063,12 +6984,12 @@
             </a:ln>
           </p:spPr>
           <p:txBody>
-            <a:bodyPr anchorCtr="0" anchor="ctr" bIns="91425" lIns="91425" spcFirstLastPara="1" rIns="91425" wrap="square" tIns="91425">
+            <a:bodyPr spcFirstLastPara="1" wrap="square" lIns="91425" tIns="91425" rIns="91425" bIns="91425" anchor="ctr" anchorCtr="0">
               <a:noAutofit/>
             </a:bodyPr>
             <a:lstStyle/>
             <a:p>
-              <a:pPr indent="0" lvl="0" marL="0" rtl="0" algn="l">
+              <a:pPr marL="0" lvl="0" indent="0" algn="l" rtl="0">
                 <a:spcBef>
                   <a:spcPts val="0"/>
                 </a:spcBef>
@@ -7077,9 +6998,6 @@
                 </a:spcAft>
                 <a:buNone/>
               </a:pPr>
-              <a:r>
-                <a:t/>
-              </a:r>
               <a:endParaRPr/>
             </a:p>
           </p:txBody>
@@ -7097,7 +7015,7 @@
             </a:xfrm>
             <a:prstGeom prst="diagStripe">
               <a:avLst>
-                <a:gd fmla="val 50000" name="adj"/>
+                <a:gd name="adj" fmla="val 50000"/>
               </a:avLst>
             </a:prstGeom>
             <a:solidFill>
@@ -7110,12 +7028,12 @@
             </a:ln>
           </p:spPr>
           <p:txBody>
-            <a:bodyPr anchorCtr="0" anchor="ctr" bIns="91425" lIns="91425" spcFirstLastPara="1" rIns="91425" wrap="square" tIns="91425">
+            <a:bodyPr spcFirstLastPara="1" wrap="square" lIns="91425" tIns="91425" rIns="91425" bIns="91425" anchor="ctr" anchorCtr="0">
               <a:noAutofit/>
             </a:bodyPr>
             <a:lstStyle/>
             <a:p>
-              <a:pPr indent="0" lvl="0" marL="0" rtl="0" algn="l">
+              <a:pPr marL="0" lvl="0" indent="0" algn="l" rtl="0">
                 <a:spcBef>
                   <a:spcPts val="0"/>
                 </a:spcBef>
@@ -7124,9 +7042,6 @@
                 </a:spcAft>
                 <a:buNone/>
               </a:pPr>
-              <a:r>
-                <a:t/>
-              </a:r>
               <a:endParaRPr/>
             </a:p>
           </p:txBody>
@@ -7135,7 +7050,9 @@
       <p:sp>
         <p:nvSpPr>
           <p:cNvPr id="89" name="Google Shape;89;p8"/>
-          <p:cNvSpPr txBox="1"/>
+          <p:cNvSpPr txBox="1">
+            <a:spLocks noGrp="1"/>
+          </p:cNvSpPr>
           <p:nvPr>
             <p:ph type="title"/>
           </p:nvPr>
@@ -7150,7 +7067,7 @@
           </a:prstGeom>
         </p:spPr>
         <p:txBody>
-          <a:bodyPr anchorCtr="0" anchor="ctr" bIns="91425" lIns="91425" spcFirstLastPara="1" rIns="91425" wrap="square" tIns="91425">
+          <a:bodyPr spcFirstLastPara="1" wrap="square" lIns="91425" tIns="91425" rIns="91425" bIns="91425" anchor="ctr" anchorCtr="0">
             <a:normAutofit/>
           </a:bodyPr>
           <a:lstStyle>
@@ -7254,15 +7171,19 @@
               <a:defRPr/>
             </a:lvl9pPr>
           </a:lstStyle>
-          <a:p/>
+          <a:p>
+            <a:endParaRPr/>
+          </a:p>
         </p:txBody>
       </p:sp>
       <p:sp>
         <p:nvSpPr>
           <p:cNvPr id="90" name="Google Shape;90;p8"/>
-          <p:cNvSpPr txBox="1"/>
+          <p:cNvSpPr txBox="1">
+            <a:spLocks noGrp="1"/>
+          </p:cNvSpPr>
           <p:nvPr>
-            <p:ph idx="12" type="sldNum"/>
+            <p:ph type="sldNum" idx="12"/>
           </p:nvPr>
         </p:nvSpPr>
         <p:spPr>
@@ -7275,7 +7196,7 @@
           </a:prstGeom>
         </p:spPr>
         <p:txBody>
-          <a:bodyPr anchorCtr="0" anchor="ctr" bIns="91425" lIns="91425" spcFirstLastPara="1" rIns="91425" wrap="square" tIns="91425">
+          <a:bodyPr spcFirstLastPara="1" wrap="square" lIns="91425" tIns="91425" rIns="91425" bIns="91425" anchor="ctr" anchorCtr="0">
             <a:normAutofit/>
           </a:bodyPr>
           <a:lstStyle>
@@ -7317,7 +7238,7 @@
             </a:lvl9pPr>
           </a:lstStyle>
           <a:p>
-            <a:pPr indent="0" lvl="0" marL="0" rtl="0" algn="r">
+            <a:pPr marL="0" lvl="0" indent="0" algn="r" rtl="0">
               <a:spcBef>
                 <a:spcPts val="0"/>
               </a:spcBef>
@@ -7343,11 +7264,11 @@
 </file>
 
 <file path=ppt/slideLayouts/slideLayout8.xml><?xml version="1.0" encoding="utf-8"?>
-<p:sldLayout xmlns:a="http://schemas.openxmlformats.org/drawingml/2006/main" xmlns:r="http://schemas.openxmlformats.org/officeDocument/2006/relationships" xmlns:mc="http://schemas.openxmlformats.org/markup-compatibility/2006" xmlns:mv="urn:schemas-microsoft-com:mac:vml" xmlns:p="http://schemas.openxmlformats.org/presentationml/2006/main" xmlns:c="http://schemas.openxmlformats.org/drawingml/2006/chart" xmlns:dgm="http://schemas.openxmlformats.org/drawingml/2006/diagram" xmlns:o="urn:schemas-microsoft-com:office:office" xmlns:v="urn:schemas-microsoft-com:vml" xmlns:pvml="urn:schemas-microsoft-com:office:powerpoint" xmlns:com="http://schemas.openxmlformats.org/drawingml/2006/compatibility" xmlns:p14="http://schemas.microsoft.com/office/powerpoint/2010/main" xmlns:p15="http://schemas.microsoft.com/office/powerpoint/2012/main" xmlns:ahyp="http://schemas.microsoft.com/office/drawing/2018/hyperlinkcolor" matchingName="Section title and description">
+<p:sldLayout xmlns:a="http://schemas.openxmlformats.org/drawingml/2006/main" xmlns:r="http://schemas.openxmlformats.org/officeDocument/2006/relationships" xmlns:p="http://schemas.openxmlformats.org/presentationml/2006/main" matchingName="Section title and description">
   <p:cSld name="SECTION_TITLE_AND_DESCRIPTION">
     <p:spTree>
       <p:nvGrpSpPr>
-        <p:cNvPr id="91" name="Shape 91"/>
+        <p:cNvPr id="1" name="Shape 91"/>
         <p:cNvGrpSpPr/>
         <p:nvPr/>
       </p:nvGrpSpPr>
@@ -7386,7 +7307,7 @@
             </a:xfrm>
             <a:prstGeom prst="diagStripe">
               <a:avLst>
-                <a:gd fmla="val 50000" name="adj"/>
+                <a:gd name="adj" fmla="val 50000"/>
               </a:avLst>
             </a:prstGeom>
             <a:solidFill>
@@ -7397,12 +7318,12 @@
             </a:ln>
           </p:spPr>
           <p:txBody>
-            <a:bodyPr anchorCtr="0" anchor="ctr" bIns="91425" lIns="91425" spcFirstLastPara="1" rIns="91425" wrap="square" tIns="91425">
+            <a:bodyPr spcFirstLastPara="1" wrap="square" lIns="91425" tIns="91425" rIns="91425" bIns="91425" anchor="ctr" anchorCtr="0">
               <a:noAutofit/>
             </a:bodyPr>
             <a:lstStyle/>
             <a:p>
-              <a:pPr indent="0" lvl="0" marL="0" rtl="0" algn="l">
+              <a:pPr marL="0" lvl="0" indent="0" algn="l" rtl="0">
                 <a:spcBef>
                   <a:spcPts val="0"/>
                 </a:spcBef>
@@ -7411,9 +7332,6 @@
                 </a:spcAft>
                 <a:buNone/>
               </a:pPr>
-              <a:r>
-                <a:t/>
-              </a:r>
               <a:endParaRPr/>
             </a:p>
           </p:txBody>
@@ -7431,7 +7349,7 @@
             </a:xfrm>
             <a:prstGeom prst="diagStripe">
               <a:avLst>
-                <a:gd fmla="val 50000" name="adj"/>
+                <a:gd name="adj" fmla="val 50000"/>
               </a:avLst>
             </a:prstGeom>
             <a:solidFill>
@@ -7442,12 +7360,12 @@
             </a:ln>
           </p:spPr>
           <p:txBody>
-            <a:bodyPr anchorCtr="0" anchor="ctr" bIns="91425" lIns="91425" spcFirstLastPara="1" rIns="91425" wrap="square" tIns="91425">
+            <a:bodyPr spcFirstLastPara="1" wrap="square" lIns="91425" tIns="91425" rIns="91425" bIns="91425" anchor="ctr" anchorCtr="0">
               <a:noAutofit/>
             </a:bodyPr>
             <a:lstStyle/>
             <a:p>
-              <a:pPr indent="0" lvl="0" marL="0" rtl="0" algn="l">
+              <a:pPr marL="0" lvl="0" indent="0" algn="l" rtl="0">
                 <a:spcBef>
                   <a:spcPts val="0"/>
                 </a:spcBef>
@@ -7456,9 +7374,6 @@
                 </a:spcAft>
                 <a:buNone/>
               </a:pPr>
-              <a:r>
-                <a:t/>
-              </a:r>
               <a:endParaRPr/>
             </a:p>
           </p:txBody>
@@ -7467,7 +7382,9 @@
       <p:sp>
         <p:nvSpPr>
           <p:cNvPr id="95" name="Google Shape;95;p9"/>
-          <p:cNvSpPr txBox="1"/>
+          <p:cNvSpPr txBox="1">
+            <a:spLocks noGrp="1"/>
+          </p:cNvSpPr>
           <p:nvPr>
             <p:ph type="title"/>
           </p:nvPr>
@@ -7482,7 +7399,7 @@
           </a:prstGeom>
         </p:spPr>
         <p:txBody>
-          <a:bodyPr anchorCtr="0" anchor="t" bIns="91425" lIns="91425" spcFirstLastPara="1" rIns="91425" wrap="square" tIns="91425">
+          <a:bodyPr spcFirstLastPara="1" wrap="square" lIns="91425" tIns="91425" rIns="91425" bIns="91425" anchor="t" anchorCtr="0">
             <a:normAutofit/>
           </a:bodyPr>
           <a:lstStyle>
@@ -7586,15 +7503,19 @@
               <a:defRPr sz="2400"/>
             </a:lvl9pPr>
           </a:lstStyle>
-          <a:p/>
+          <a:p>
+            <a:endParaRPr/>
+          </a:p>
         </p:txBody>
       </p:sp>
       <p:sp>
         <p:nvSpPr>
           <p:cNvPr id="96" name="Google Shape;96;p9"/>
-          <p:cNvSpPr txBox="1"/>
+          <p:cNvSpPr txBox="1">
+            <a:spLocks noGrp="1"/>
+          </p:cNvSpPr>
           <p:nvPr>
-            <p:ph idx="1" type="subTitle"/>
+            <p:ph type="subTitle" idx="1"/>
           </p:nvPr>
         </p:nvSpPr>
         <p:spPr>
@@ -7607,7 +7528,7 @@
           </a:prstGeom>
         </p:spPr>
         <p:txBody>
-          <a:bodyPr anchorCtr="0" anchor="t" bIns="91425" lIns="91425" spcFirstLastPara="1" rIns="91425" wrap="square" tIns="91425">
+          <a:bodyPr spcFirstLastPara="1" wrap="square" lIns="91425" tIns="91425" rIns="91425" bIns="91425" anchor="t" anchorCtr="0">
             <a:normAutofit/>
           </a:bodyPr>
           <a:lstStyle>
@@ -7738,15 +7659,19 @@
               <a:defRPr sz="1300"/>
             </a:lvl9pPr>
           </a:lstStyle>
-          <a:p/>
+          <a:p>
+            <a:endParaRPr/>
+          </a:p>
         </p:txBody>
       </p:sp>
       <p:sp>
         <p:nvSpPr>
           <p:cNvPr id="97" name="Google Shape;97;p9"/>
-          <p:cNvSpPr txBox="1"/>
+          <p:cNvSpPr txBox="1">
+            <a:spLocks noGrp="1"/>
+          </p:cNvSpPr>
           <p:nvPr>
-            <p:ph idx="2" type="body"/>
+            <p:ph type="body" idx="2"/>
           </p:nvPr>
         </p:nvSpPr>
         <p:spPr>
@@ -7759,11 +7684,11 @@
           </a:prstGeom>
         </p:spPr>
         <p:txBody>
-          <a:bodyPr anchorCtr="0" anchor="t" bIns="91425" lIns="91425" spcFirstLastPara="1" rIns="91425" wrap="square" tIns="91425">
+          <a:bodyPr spcFirstLastPara="1" wrap="square" lIns="91425" tIns="91425" rIns="91425" bIns="91425" anchor="t" anchorCtr="0">
             <a:normAutofit/>
           </a:bodyPr>
           <a:lstStyle>
-            <a:lvl1pPr indent="-311150" lvl="0" marL="457200">
+            <a:lvl1pPr marL="457200" lvl="0" indent="-311150">
               <a:spcBef>
                 <a:spcPts val="0"/>
               </a:spcBef>
@@ -7774,7 +7699,7 @@
               <a:buChar char="●"/>
               <a:defRPr/>
             </a:lvl1pPr>
-            <a:lvl2pPr indent="-298450" lvl="1" marL="914400">
+            <a:lvl2pPr marL="914400" lvl="1" indent="-298450">
               <a:spcBef>
                 <a:spcPts val="0"/>
               </a:spcBef>
@@ -7785,7 +7710,7 @@
               <a:buChar char="○"/>
               <a:defRPr/>
             </a:lvl2pPr>
-            <a:lvl3pPr indent="-298450" lvl="2" marL="1371600">
+            <a:lvl3pPr marL="1371600" lvl="2" indent="-298450">
               <a:spcBef>
                 <a:spcPts val="0"/>
               </a:spcBef>
@@ -7796,7 +7721,7 @@
               <a:buChar char="■"/>
               <a:defRPr/>
             </a:lvl3pPr>
-            <a:lvl4pPr indent="-298450" lvl="3" marL="1828800">
+            <a:lvl4pPr marL="1828800" lvl="3" indent="-298450">
               <a:spcBef>
                 <a:spcPts val="0"/>
               </a:spcBef>
@@ -7807,7 +7732,7 @@
               <a:buChar char="●"/>
               <a:defRPr/>
             </a:lvl4pPr>
-            <a:lvl5pPr indent="-298450" lvl="4" marL="2286000">
+            <a:lvl5pPr marL="2286000" lvl="4" indent="-298450">
               <a:spcBef>
                 <a:spcPts val="0"/>
               </a:spcBef>
@@ -7818,7 +7743,7 @@
               <a:buChar char="○"/>
               <a:defRPr/>
             </a:lvl5pPr>
-            <a:lvl6pPr indent="-298450" lvl="5" marL="2743200">
+            <a:lvl6pPr marL="2743200" lvl="5" indent="-298450">
               <a:spcBef>
                 <a:spcPts val="0"/>
               </a:spcBef>
@@ -7829,7 +7754,7 @@
               <a:buChar char="■"/>
               <a:defRPr/>
             </a:lvl6pPr>
-            <a:lvl7pPr indent="-298450" lvl="6" marL="3200400">
+            <a:lvl7pPr marL="3200400" lvl="6" indent="-298450">
               <a:spcBef>
                 <a:spcPts val="0"/>
               </a:spcBef>
@@ -7840,7 +7765,7 @@
               <a:buChar char="●"/>
               <a:defRPr/>
             </a:lvl7pPr>
-            <a:lvl8pPr indent="-298450" lvl="7" marL="3657600">
+            <a:lvl8pPr marL="3657600" lvl="7" indent="-298450">
               <a:spcBef>
                 <a:spcPts val="0"/>
               </a:spcBef>
@@ -7851,7 +7776,7 @@
               <a:buChar char="○"/>
               <a:defRPr/>
             </a:lvl8pPr>
-            <a:lvl9pPr indent="-298450" lvl="8" marL="4114800">
+            <a:lvl9pPr marL="4114800" lvl="8" indent="-298450">
               <a:spcBef>
                 <a:spcPts val="0"/>
               </a:spcBef>
@@ -7863,15 +7788,19 @@
               <a:defRPr/>
             </a:lvl9pPr>
           </a:lstStyle>
-          <a:p/>
+          <a:p>
+            <a:endParaRPr/>
+          </a:p>
         </p:txBody>
       </p:sp>
       <p:sp>
         <p:nvSpPr>
           <p:cNvPr id="98" name="Google Shape;98;p9"/>
-          <p:cNvSpPr txBox="1"/>
+          <p:cNvSpPr txBox="1">
+            <a:spLocks noGrp="1"/>
+          </p:cNvSpPr>
           <p:nvPr>
-            <p:ph idx="12" type="sldNum"/>
+            <p:ph type="sldNum" idx="12"/>
           </p:nvPr>
         </p:nvSpPr>
         <p:spPr>
@@ -7884,7 +7813,7 @@
           </a:prstGeom>
         </p:spPr>
         <p:txBody>
-          <a:bodyPr anchorCtr="0" anchor="ctr" bIns="91425" lIns="91425" spcFirstLastPara="1" rIns="91425" wrap="square" tIns="91425">
+          <a:bodyPr spcFirstLastPara="1" wrap="square" lIns="91425" tIns="91425" rIns="91425" bIns="91425" anchor="ctr" anchorCtr="0">
             <a:normAutofit/>
           </a:bodyPr>
           <a:lstStyle>
@@ -7926,7 +7855,7 @@
             </a:lvl9pPr>
           </a:lstStyle>
           <a:p>
-            <a:pPr indent="0" lvl="0" marL="0" rtl="0" algn="r">
+            <a:pPr marL="0" lvl="0" indent="0" algn="r" rtl="0">
               <a:spcBef>
                 <a:spcPts val="0"/>
               </a:spcBef>
@@ -7952,11 +7881,11 @@
 </file>
 
 <file path=ppt/slideLayouts/slideLayout9.xml><?xml version="1.0" encoding="utf-8"?>
-<p:sldLayout xmlns:a="http://schemas.openxmlformats.org/drawingml/2006/main" xmlns:r="http://schemas.openxmlformats.org/officeDocument/2006/relationships" xmlns:mc="http://schemas.openxmlformats.org/markup-compatibility/2006" xmlns:mv="urn:schemas-microsoft-com:mac:vml" xmlns:p="http://schemas.openxmlformats.org/presentationml/2006/main" xmlns:c="http://schemas.openxmlformats.org/drawingml/2006/chart" xmlns:dgm="http://schemas.openxmlformats.org/drawingml/2006/diagram" xmlns:o="urn:schemas-microsoft-com:office:office" xmlns:v="urn:schemas-microsoft-com:vml" xmlns:pvml="urn:schemas-microsoft-com:office:powerpoint" xmlns:com="http://schemas.openxmlformats.org/drawingml/2006/compatibility" xmlns:p14="http://schemas.microsoft.com/office/powerpoint/2010/main" xmlns:p15="http://schemas.microsoft.com/office/powerpoint/2012/main" xmlns:ahyp="http://schemas.microsoft.com/office/drawing/2018/hyperlinkcolor" matchingName="Caption">
+<p:sldLayout xmlns:a="http://schemas.openxmlformats.org/drawingml/2006/main" xmlns:r="http://schemas.openxmlformats.org/officeDocument/2006/relationships" xmlns:p="http://schemas.openxmlformats.org/presentationml/2006/main" matchingName="Caption">
   <p:cSld name="CAPTION_ONLY">
     <p:spTree>
       <p:nvGrpSpPr>
-        <p:cNvPr id="99" name="Shape 99"/>
+        <p:cNvPr id="1" name="Shape 99"/>
         <p:cNvGrpSpPr/>
         <p:nvPr/>
       </p:nvGrpSpPr>
@@ -7995,7 +7924,7 @@
             </a:xfrm>
             <a:prstGeom prst="diagStripe">
               <a:avLst>
-                <a:gd fmla="val 50000" name="adj"/>
+                <a:gd name="adj" fmla="val 50000"/>
               </a:avLst>
             </a:prstGeom>
             <a:solidFill>
@@ -8008,12 +7937,12 @@
             </a:ln>
           </p:spPr>
           <p:txBody>
-            <a:bodyPr anchorCtr="0" anchor="ctr" bIns="91425" lIns="91425" spcFirstLastPara="1" rIns="91425" wrap="square" tIns="91425">
+            <a:bodyPr spcFirstLastPara="1" wrap="square" lIns="91425" tIns="91425" rIns="91425" bIns="91425" anchor="ctr" anchorCtr="0">
               <a:noAutofit/>
             </a:bodyPr>
             <a:lstStyle/>
             <a:p>
-              <a:pPr indent="0" lvl="0" marL="0" rtl="0" algn="l">
+              <a:pPr marL="0" lvl="0" indent="0" algn="l" rtl="0">
                 <a:spcBef>
                   <a:spcPts val="0"/>
                 </a:spcBef>
@@ -8022,9 +7951,6 @@
                 </a:spcAft>
                 <a:buNone/>
               </a:pPr>
-              <a:r>
-                <a:t/>
-              </a:r>
               <a:endParaRPr/>
             </a:p>
           </p:txBody>
@@ -8042,7 +7968,7 @@
             </a:xfrm>
             <a:prstGeom prst="diagStripe">
               <a:avLst>
-                <a:gd fmla="val 50000" name="adj"/>
+                <a:gd name="adj" fmla="val 50000"/>
               </a:avLst>
             </a:prstGeom>
             <a:solidFill>
@@ -8055,12 +7981,12 @@
             </a:ln>
           </p:spPr>
           <p:txBody>
-            <a:bodyPr anchorCtr="0" anchor="ctr" bIns="91425" lIns="91425" spcFirstLastPara="1" rIns="91425" wrap="square" tIns="91425">
+            <a:bodyPr spcFirstLastPara="1" wrap="square" lIns="91425" tIns="91425" rIns="91425" bIns="91425" anchor="ctr" anchorCtr="0">
               <a:noAutofit/>
             </a:bodyPr>
             <a:lstStyle/>
             <a:p>
-              <a:pPr indent="0" lvl="0" marL="0" rtl="0" algn="l">
+              <a:pPr marL="0" lvl="0" indent="0" algn="l" rtl="0">
                 <a:spcBef>
                   <a:spcPts val="0"/>
                 </a:spcBef>
@@ -8069,9 +7995,6 @@
                 </a:spcAft>
                 <a:buNone/>
               </a:pPr>
-              <a:r>
-                <a:t/>
-              </a:r>
               <a:endParaRPr/>
             </a:p>
           </p:txBody>
@@ -8080,9 +8003,11 @@
       <p:sp>
         <p:nvSpPr>
           <p:cNvPr id="103" name="Google Shape;103;p10"/>
-          <p:cNvSpPr txBox="1"/>
+          <p:cNvSpPr txBox="1">
+            <a:spLocks noGrp="1"/>
+          </p:cNvSpPr>
           <p:nvPr>
-            <p:ph idx="1" type="body"/>
+            <p:ph type="body" idx="1"/>
           </p:nvPr>
         </p:nvSpPr>
         <p:spPr>
@@ -8095,11 +8020,11 @@
           </a:prstGeom>
         </p:spPr>
         <p:txBody>
-          <a:bodyPr anchorCtr="0" anchor="ctr" bIns="91425" lIns="91425" spcFirstLastPara="1" rIns="91425" wrap="square" tIns="91425">
+          <a:bodyPr spcFirstLastPara="1" wrap="square" lIns="91425" tIns="91425" rIns="91425" bIns="91425" anchor="ctr" anchorCtr="0">
             <a:normAutofit/>
           </a:bodyPr>
           <a:lstStyle>
-            <a:lvl1pPr indent="-228600" lvl="0" marL="457200">
+            <a:lvl1pPr marL="457200" lvl="0" indent="-228600">
               <a:lnSpc>
                 <a:spcPct val="100000"/>
               </a:lnSpc>
@@ -8114,15 +8039,19 @@
               <a:defRPr/>
             </a:lvl1pPr>
           </a:lstStyle>
-          <a:p/>
+          <a:p>
+            <a:endParaRPr/>
+          </a:p>
         </p:txBody>
       </p:sp>
       <p:sp>
         <p:nvSpPr>
           <p:cNvPr id="104" name="Google Shape;104;p10"/>
-          <p:cNvSpPr txBox="1"/>
+          <p:cNvSpPr txBox="1">
+            <a:spLocks noGrp="1"/>
+          </p:cNvSpPr>
           <p:nvPr>
-            <p:ph idx="12" type="sldNum"/>
+            <p:ph type="sldNum" idx="12"/>
           </p:nvPr>
         </p:nvSpPr>
         <p:spPr>
@@ -8135,7 +8064,7 @@
           </a:prstGeom>
         </p:spPr>
         <p:txBody>
-          <a:bodyPr anchorCtr="0" anchor="ctr" bIns="91425" lIns="91425" spcFirstLastPara="1" rIns="91425" wrap="square" tIns="91425">
+          <a:bodyPr spcFirstLastPara="1" wrap="square" lIns="91425" tIns="91425" rIns="91425" bIns="91425" anchor="ctr" anchorCtr="0">
             <a:normAutofit/>
           </a:bodyPr>
           <a:lstStyle>
@@ -8177,7 +8106,7 @@
             </a:lvl9pPr>
           </a:lstStyle>
           <a:p>
-            <a:pPr indent="0" lvl="0" marL="0" rtl="0" algn="r">
+            <a:pPr marL="0" lvl="0" indent="0" algn="r" rtl="0">
               <a:spcBef>
                 <a:spcPts val="0"/>
               </a:spcBef>
@@ -8203,18 +8132,19 @@
 </file>
 
 <file path=ppt/slideMasters/slideMaster1.xml><?xml version="1.0" encoding="utf-8"?>
-<p:sldMaster xmlns:a="http://schemas.openxmlformats.org/drawingml/2006/main" xmlns:r="http://schemas.openxmlformats.org/officeDocument/2006/relationships" xmlns:mc="http://schemas.openxmlformats.org/markup-compatibility/2006" xmlns:mv="urn:schemas-microsoft-com:mac:vml" xmlns:p="http://schemas.openxmlformats.org/presentationml/2006/main" xmlns:c="http://schemas.openxmlformats.org/drawingml/2006/chart" xmlns:dgm="http://schemas.openxmlformats.org/drawingml/2006/diagram" xmlns:o="urn:schemas-microsoft-com:office:office" xmlns:v="urn:schemas-microsoft-com:vml" xmlns:pvml="urn:schemas-microsoft-com:office:powerpoint" xmlns:com="http://schemas.openxmlformats.org/drawingml/2006/compatibility" xmlns:p14="http://schemas.microsoft.com/office/powerpoint/2010/main" xmlns:p15="http://schemas.microsoft.com/office/powerpoint/2012/main" xmlns:ahyp="http://schemas.microsoft.com/office/drawing/2018/hyperlinkcolor">
+<p:sldMaster xmlns:a="http://schemas.openxmlformats.org/drawingml/2006/main" xmlns:r="http://schemas.openxmlformats.org/officeDocument/2006/relationships" xmlns:p="http://schemas.openxmlformats.org/presentationml/2006/main">
   <p:cSld name="focus">
     <p:bg>
       <p:bgPr>
         <a:solidFill>
           <a:schemeClr val="dk1"/>
         </a:solidFill>
+        <a:effectLst/>
       </p:bgPr>
     </p:bg>
     <p:spTree>
       <p:nvGrpSpPr>
-        <p:cNvPr id="5" name="Shape 5"/>
+        <p:cNvPr id="1" name="Shape 5"/>
         <p:cNvGrpSpPr/>
         <p:nvPr/>
       </p:nvGrpSpPr>
@@ -8229,7 +8159,9 @@
       <p:sp>
         <p:nvSpPr>
           <p:cNvPr id="6" name="Google Shape;6;p1"/>
-          <p:cNvSpPr txBox="1"/>
+          <p:cNvSpPr txBox="1">
+            <a:spLocks noGrp="1"/>
+          </p:cNvSpPr>
           <p:nvPr>
             <p:ph type="title"/>
           </p:nvPr>
@@ -8248,7 +8180,7 @@
           </a:ln>
         </p:spPr>
         <p:txBody>
-          <a:bodyPr anchorCtr="0" anchor="t" bIns="91425" lIns="91425" spcFirstLastPara="1" rIns="91425" wrap="square" tIns="91425">
+          <a:bodyPr spcFirstLastPara="1" wrap="square" lIns="91425" tIns="91425" rIns="91425" bIns="91425" anchor="t" anchorCtr="0">
             <a:normAutofit/>
           </a:bodyPr>
           <a:lstStyle>
@@ -8460,15 +8392,19 @@
               </a:defRPr>
             </a:lvl9pPr>
           </a:lstStyle>
-          <a:p/>
+          <a:p>
+            <a:endParaRPr/>
+          </a:p>
         </p:txBody>
       </p:sp>
       <p:sp>
         <p:nvSpPr>
           <p:cNvPr id="7" name="Google Shape;7;p1"/>
-          <p:cNvSpPr txBox="1"/>
+          <p:cNvSpPr txBox="1">
+            <a:spLocks noGrp="1"/>
+          </p:cNvSpPr>
           <p:nvPr>
-            <p:ph idx="1" type="body"/>
+            <p:ph type="body" idx="1"/>
           </p:nvPr>
         </p:nvSpPr>
         <p:spPr>
@@ -8485,11 +8421,11 @@
           </a:ln>
         </p:spPr>
         <p:txBody>
-          <a:bodyPr anchorCtr="0" anchor="t" bIns="91425" lIns="91425" spcFirstLastPara="1" rIns="91425" wrap="square" tIns="91425">
+          <a:bodyPr spcFirstLastPara="1" wrap="square" lIns="91425" tIns="91425" rIns="91425" bIns="91425" anchor="t" anchorCtr="0">
             <a:normAutofit/>
           </a:bodyPr>
           <a:lstStyle>
-            <a:lvl1pPr indent="-311150" lvl="0" marL="457200">
+            <a:lvl1pPr marL="457200" lvl="0" indent="-311150">
               <a:lnSpc>
                 <a:spcPct val="115000"/>
               </a:lnSpc>
@@ -8515,7 +8451,7 @@
                 <a:sym typeface="Lato"/>
               </a:defRPr>
             </a:lvl1pPr>
-            <a:lvl2pPr indent="-298450" lvl="1" marL="914400">
+            <a:lvl2pPr marL="914400" lvl="1" indent="-298450">
               <a:lnSpc>
                 <a:spcPct val="115000"/>
               </a:lnSpc>
@@ -8541,7 +8477,7 @@
                 <a:sym typeface="Lato"/>
               </a:defRPr>
             </a:lvl2pPr>
-            <a:lvl3pPr indent="-298450" lvl="2" marL="1371600">
+            <a:lvl3pPr marL="1371600" lvl="2" indent="-298450">
               <a:lnSpc>
                 <a:spcPct val="115000"/>
               </a:lnSpc>
@@ -8567,7 +8503,7 @@
                 <a:sym typeface="Lato"/>
               </a:defRPr>
             </a:lvl3pPr>
-            <a:lvl4pPr indent="-298450" lvl="3" marL="1828800">
+            <a:lvl4pPr marL="1828800" lvl="3" indent="-298450">
               <a:lnSpc>
                 <a:spcPct val="115000"/>
               </a:lnSpc>
@@ -8593,7 +8529,7 @@
                 <a:sym typeface="Lato"/>
               </a:defRPr>
             </a:lvl4pPr>
-            <a:lvl5pPr indent="-298450" lvl="4" marL="2286000">
+            <a:lvl5pPr marL="2286000" lvl="4" indent="-298450">
               <a:lnSpc>
                 <a:spcPct val="115000"/>
               </a:lnSpc>
@@ -8619,7 +8555,7 @@
                 <a:sym typeface="Lato"/>
               </a:defRPr>
             </a:lvl5pPr>
-            <a:lvl6pPr indent="-298450" lvl="5" marL="2743200">
+            <a:lvl6pPr marL="2743200" lvl="5" indent="-298450">
               <a:lnSpc>
                 <a:spcPct val="115000"/>
               </a:lnSpc>
@@ -8645,7 +8581,7 @@
                 <a:sym typeface="Lato"/>
               </a:defRPr>
             </a:lvl6pPr>
-            <a:lvl7pPr indent="-298450" lvl="6" marL="3200400">
+            <a:lvl7pPr marL="3200400" lvl="6" indent="-298450">
               <a:lnSpc>
                 <a:spcPct val="115000"/>
               </a:lnSpc>
@@ -8671,7 +8607,7 @@
                 <a:sym typeface="Lato"/>
               </a:defRPr>
             </a:lvl7pPr>
-            <a:lvl8pPr indent="-298450" lvl="7" marL="3657600">
+            <a:lvl8pPr marL="3657600" lvl="7" indent="-298450">
               <a:lnSpc>
                 <a:spcPct val="115000"/>
               </a:lnSpc>
@@ -8697,7 +8633,7 @@
                 <a:sym typeface="Lato"/>
               </a:defRPr>
             </a:lvl8pPr>
-            <a:lvl9pPr indent="-298450" lvl="8" marL="4114800">
+            <a:lvl9pPr marL="4114800" lvl="8" indent="-298450">
               <a:lnSpc>
                 <a:spcPct val="115000"/>
               </a:lnSpc>
@@ -8724,15 +8660,19 @@
               </a:defRPr>
             </a:lvl9pPr>
           </a:lstStyle>
-          <a:p/>
+          <a:p>
+            <a:endParaRPr/>
+          </a:p>
         </p:txBody>
       </p:sp>
       <p:sp>
         <p:nvSpPr>
           <p:cNvPr id="8" name="Google Shape;8;p1"/>
-          <p:cNvSpPr txBox="1"/>
+          <p:cNvSpPr txBox="1">
+            <a:spLocks noGrp="1"/>
+          </p:cNvSpPr>
           <p:nvPr>
-            <p:ph idx="12" type="sldNum"/>
+            <p:ph type="sldNum" idx="12"/>
           </p:nvPr>
         </p:nvSpPr>
         <p:spPr>
@@ -8749,7 +8689,7 @@
           </a:ln>
         </p:spPr>
         <p:txBody>
-          <a:bodyPr anchorCtr="0" anchor="ctr" bIns="91425" lIns="91425" spcFirstLastPara="1" rIns="91425" wrap="square" tIns="91425">
+          <a:bodyPr spcFirstLastPara="1" wrap="square" lIns="91425" tIns="91425" rIns="91425" bIns="91425" anchor="ctr" anchorCtr="0">
             <a:normAutofit/>
           </a:bodyPr>
           <a:lstStyle>
@@ -8863,7 +8803,7 @@
             </a:lvl9pPr>
           </a:lstStyle>
           <a:p>
-            <a:pPr indent="0" lvl="0" marL="0" rtl="0" algn="r">
+            <a:pPr marL="0" lvl="0" indent="0" algn="r" rtl="0">
               <a:spcBef>
                 <a:spcPts val="0"/>
               </a:spcBef>
@@ -8882,7 +8822,7 @@
       </p:sp>
     </p:spTree>
   </p:cSld>
-  <p:clrMap accent1="accent1" accent2="accent2" accent3="accent3" accent4="accent4" accent5="accent5" accent6="accent6" bg1="lt1" bg2="dk2" tx1="dk1" tx2="lt2" folHlink="folHlink" hlink="hlink"/>
+  <p:clrMap bg1="lt1" tx1="dk1" bg2="dk2" tx2="lt2" accent1="accent1" accent2="accent2" accent3="accent3" accent4="accent4" accent5="accent5" accent6="accent6" hlink="hlink" folHlink="folHlink"/>
   <p:sldLayoutIdLst>
     <p:sldLayoutId id="2147483648" r:id="rId1"/>
     <p:sldLayoutId id="2147483649" r:id="rId2"/>
@@ -8896,10 +8836,10 @@
     <p:sldLayoutId id="2147483657" r:id="rId10"/>
     <p:sldLayoutId id="2147483658" r:id="rId11"/>
   </p:sldLayoutIdLst>
-  <p:hf dt="0" ftr="0" hdr="0" sldNum="0"/>
+  <p:hf sldNum="0" hdr="0" ftr="0" dt="0"/>
   <p:txStyles>
     <p:titleStyle>
-      <a:defPPr lvl="0" marR="0" rtl="0" algn="l">
+      <a:defPPr marR="0" lvl="0" algn="l" rtl="0">
         <a:lnSpc>
           <a:spcPct val="100000"/>
         </a:lnSpc>
@@ -8910,7 +8850,7 @@
           <a:spcPts val="0"/>
         </a:spcAft>
       </a:defPPr>
-      <a:lvl1pPr lvl="0" marR="0" rtl="0" algn="l">
+      <a:lvl1pPr marR="0" lvl="0" algn="l" rtl="0">
         <a:lnSpc>
           <a:spcPct val="100000"/>
         </a:lnSpc>
@@ -8924,7 +8864,7 @@
           <a:srgbClr val="000000"/>
         </a:buClr>
         <a:buFont typeface="Arial"/>
-        <a:defRPr b="0" i="0" sz="1400" u="none" cap="none" strike="noStrike">
+        <a:defRPr sz="1400" b="0" i="0" u="none" strike="noStrike" cap="none">
           <a:solidFill>
             <a:srgbClr val="000000"/>
           </a:solidFill>
@@ -8934,7 +8874,7 @@
           <a:sym typeface="Arial"/>
         </a:defRPr>
       </a:lvl1pPr>
-      <a:lvl2pPr lvl="1" marR="0" rtl="0" algn="l">
+      <a:lvl2pPr marR="0" lvl="1" algn="l" rtl="0">
         <a:lnSpc>
           <a:spcPct val="100000"/>
         </a:lnSpc>
@@ -8948,7 +8888,7 @@
           <a:srgbClr val="000000"/>
         </a:buClr>
         <a:buFont typeface="Arial"/>
-        <a:defRPr b="0" i="0" sz="1400" u="none" cap="none" strike="noStrike">
+        <a:defRPr sz="1400" b="0" i="0" u="none" strike="noStrike" cap="none">
           <a:solidFill>
             <a:srgbClr val="000000"/>
           </a:solidFill>
@@ -8958,7 +8898,7 @@
           <a:sym typeface="Arial"/>
         </a:defRPr>
       </a:lvl2pPr>
-      <a:lvl3pPr lvl="2" marR="0" rtl="0" algn="l">
+      <a:lvl3pPr marR="0" lvl="2" algn="l" rtl="0">
         <a:lnSpc>
           <a:spcPct val="100000"/>
         </a:lnSpc>
@@ -8972,7 +8912,7 @@
           <a:srgbClr val="000000"/>
         </a:buClr>
         <a:buFont typeface="Arial"/>
-        <a:defRPr b="0" i="0" sz="1400" u="none" cap="none" strike="noStrike">
+        <a:defRPr sz="1400" b="0" i="0" u="none" strike="noStrike" cap="none">
           <a:solidFill>
             <a:srgbClr val="000000"/>
           </a:solidFill>
@@ -8982,7 +8922,7 @@
           <a:sym typeface="Arial"/>
         </a:defRPr>
       </a:lvl3pPr>
-      <a:lvl4pPr lvl="3" marR="0" rtl="0" algn="l">
+      <a:lvl4pPr marR="0" lvl="3" algn="l" rtl="0">
         <a:lnSpc>
           <a:spcPct val="100000"/>
         </a:lnSpc>
@@ -8996,7 +8936,7 @@
           <a:srgbClr val="000000"/>
         </a:buClr>
         <a:buFont typeface="Arial"/>
-        <a:defRPr b="0" i="0" sz="1400" u="none" cap="none" strike="noStrike">
+        <a:defRPr sz="1400" b="0" i="0" u="none" strike="noStrike" cap="none">
           <a:solidFill>
             <a:srgbClr val="000000"/>
           </a:solidFill>
@@ -9006,7 +8946,7 @@
           <a:sym typeface="Arial"/>
         </a:defRPr>
       </a:lvl4pPr>
-      <a:lvl5pPr lvl="4" marR="0" rtl="0" algn="l">
+      <a:lvl5pPr marR="0" lvl="4" algn="l" rtl="0">
         <a:lnSpc>
           <a:spcPct val="100000"/>
         </a:lnSpc>
@@ -9020,7 +8960,7 @@
           <a:srgbClr val="000000"/>
         </a:buClr>
         <a:buFont typeface="Arial"/>
-        <a:defRPr b="0" i="0" sz="1400" u="none" cap="none" strike="noStrike">
+        <a:defRPr sz="1400" b="0" i="0" u="none" strike="noStrike" cap="none">
           <a:solidFill>
             <a:srgbClr val="000000"/>
           </a:solidFill>
@@ -9030,7 +8970,7 @@
           <a:sym typeface="Arial"/>
         </a:defRPr>
       </a:lvl5pPr>
-      <a:lvl6pPr lvl="5" marR="0" rtl="0" algn="l">
+      <a:lvl6pPr marR="0" lvl="5" algn="l" rtl="0">
         <a:lnSpc>
           <a:spcPct val="100000"/>
         </a:lnSpc>
@@ -9044,7 +8984,7 @@
           <a:srgbClr val="000000"/>
         </a:buClr>
         <a:buFont typeface="Arial"/>
-        <a:defRPr b="0" i="0" sz="1400" u="none" cap="none" strike="noStrike">
+        <a:defRPr sz="1400" b="0" i="0" u="none" strike="noStrike" cap="none">
           <a:solidFill>
             <a:srgbClr val="000000"/>
           </a:solidFill>
@@ -9054,7 +8994,7 @@
           <a:sym typeface="Arial"/>
         </a:defRPr>
       </a:lvl6pPr>
-      <a:lvl7pPr lvl="6" marR="0" rtl="0" algn="l">
+      <a:lvl7pPr marR="0" lvl="6" algn="l" rtl="0">
         <a:lnSpc>
           <a:spcPct val="100000"/>
         </a:lnSpc>
@@ -9068,7 +9008,7 @@
           <a:srgbClr val="000000"/>
         </a:buClr>
         <a:buFont typeface="Arial"/>
-        <a:defRPr b="0" i="0" sz="1400" u="none" cap="none" strike="noStrike">
+        <a:defRPr sz="1400" b="0" i="0" u="none" strike="noStrike" cap="none">
           <a:solidFill>
             <a:srgbClr val="000000"/>
           </a:solidFill>
@@ -9078,7 +9018,7 @@
           <a:sym typeface="Arial"/>
         </a:defRPr>
       </a:lvl7pPr>
-      <a:lvl8pPr lvl="7" marR="0" rtl="0" algn="l">
+      <a:lvl8pPr marR="0" lvl="7" algn="l" rtl="0">
         <a:lnSpc>
           <a:spcPct val="100000"/>
         </a:lnSpc>
@@ -9092,7 +9032,7 @@
           <a:srgbClr val="000000"/>
         </a:buClr>
         <a:buFont typeface="Arial"/>
-        <a:defRPr b="0" i="0" sz="1400" u="none" cap="none" strike="noStrike">
+        <a:defRPr sz="1400" b="0" i="0" u="none" strike="noStrike" cap="none">
           <a:solidFill>
             <a:srgbClr val="000000"/>
           </a:solidFill>
@@ -9102,7 +9042,7 @@
           <a:sym typeface="Arial"/>
         </a:defRPr>
       </a:lvl8pPr>
-      <a:lvl9pPr lvl="8" marR="0" rtl="0" algn="l">
+      <a:lvl9pPr marR="0" lvl="8" algn="l" rtl="0">
         <a:lnSpc>
           <a:spcPct val="100000"/>
         </a:lnSpc>
@@ -9116,7 +9056,7 @@
           <a:srgbClr val="000000"/>
         </a:buClr>
         <a:buFont typeface="Arial"/>
-        <a:defRPr b="0" i="0" sz="1400" u="none" cap="none" strike="noStrike">
+        <a:defRPr sz="1400" b="0" i="0" u="none" strike="noStrike" cap="none">
           <a:solidFill>
             <a:srgbClr val="000000"/>
           </a:solidFill>
@@ -9128,7 +9068,7 @@
       </a:lvl9pPr>
     </p:titleStyle>
     <p:bodyStyle>
-      <a:defPPr lvl="0" marR="0" rtl="0" algn="l">
+      <a:defPPr marR="0" lvl="0" algn="l" rtl="0">
         <a:lnSpc>
           <a:spcPct val="100000"/>
         </a:lnSpc>
@@ -9139,7 +9079,7 @@
           <a:spcPts val="0"/>
         </a:spcAft>
       </a:defPPr>
-      <a:lvl1pPr lvl="0" marR="0" rtl="0" algn="l">
+      <a:lvl1pPr marR="0" lvl="0" algn="l" rtl="0">
         <a:lnSpc>
           <a:spcPct val="100000"/>
         </a:lnSpc>
@@ -9153,7 +9093,7 @@
           <a:srgbClr val="000000"/>
         </a:buClr>
         <a:buFont typeface="Arial"/>
-        <a:defRPr b="0" i="0" sz="1400" u="none" cap="none" strike="noStrike">
+        <a:defRPr sz="1400" b="0" i="0" u="none" strike="noStrike" cap="none">
           <a:solidFill>
             <a:srgbClr val="000000"/>
           </a:solidFill>
@@ -9163,7 +9103,7 @@
           <a:sym typeface="Arial"/>
         </a:defRPr>
       </a:lvl1pPr>
-      <a:lvl2pPr lvl="1" marR="0" rtl="0" algn="l">
+      <a:lvl2pPr marR="0" lvl="1" algn="l" rtl="0">
         <a:lnSpc>
           <a:spcPct val="100000"/>
         </a:lnSpc>
@@ -9177,7 +9117,7 @@
           <a:srgbClr val="000000"/>
         </a:buClr>
         <a:buFont typeface="Arial"/>
-        <a:defRPr b="0" i="0" sz="1400" u="none" cap="none" strike="noStrike">
+        <a:defRPr sz="1400" b="0" i="0" u="none" strike="noStrike" cap="none">
           <a:solidFill>
             <a:srgbClr val="000000"/>
           </a:solidFill>
@@ -9187,7 +9127,7 @@
           <a:sym typeface="Arial"/>
         </a:defRPr>
       </a:lvl2pPr>
-      <a:lvl3pPr lvl="2" marR="0" rtl="0" algn="l">
+      <a:lvl3pPr marR="0" lvl="2" algn="l" rtl="0">
         <a:lnSpc>
           <a:spcPct val="100000"/>
         </a:lnSpc>
@@ -9201,7 +9141,7 @@
           <a:srgbClr val="000000"/>
         </a:buClr>
         <a:buFont typeface="Arial"/>
-        <a:defRPr b="0" i="0" sz="1400" u="none" cap="none" strike="noStrike">
+        <a:defRPr sz="1400" b="0" i="0" u="none" strike="noStrike" cap="none">
           <a:solidFill>
             <a:srgbClr val="000000"/>
           </a:solidFill>
@@ -9211,7 +9151,7 @@
           <a:sym typeface="Arial"/>
         </a:defRPr>
       </a:lvl3pPr>
-      <a:lvl4pPr lvl="3" marR="0" rtl="0" algn="l">
+      <a:lvl4pPr marR="0" lvl="3" algn="l" rtl="0">
         <a:lnSpc>
           <a:spcPct val="100000"/>
         </a:lnSpc>
@@ -9225,7 +9165,7 @@
           <a:srgbClr val="000000"/>
         </a:buClr>
         <a:buFont typeface="Arial"/>
-        <a:defRPr b="0" i="0" sz="1400" u="none" cap="none" strike="noStrike">
+        <a:defRPr sz="1400" b="0" i="0" u="none" strike="noStrike" cap="none">
           <a:solidFill>
             <a:srgbClr val="000000"/>
           </a:solidFill>
@@ -9235,7 +9175,7 @@
           <a:sym typeface="Arial"/>
         </a:defRPr>
       </a:lvl4pPr>
-      <a:lvl5pPr lvl="4" marR="0" rtl="0" algn="l">
+      <a:lvl5pPr marR="0" lvl="4" algn="l" rtl="0">
         <a:lnSpc>
           <a:spcPct val="100000"/>
         </a:lnSpc>
@@ -9249,7 +9189,7 @@
           <a:srgbClr val="000000"/>
         </a:buClr>
         <a:buFont typeface="Arial"/>
-        <a:defRPr b="0" i="0" sz="1400" u="none" cap="none" strike="noStrike">
+        <a:defRPr sz="1400" b="0" i="0" u="none" strike="noStrike" cap="none">
           <a:solidFill>
             <a:srgbClr val="000000"/>
           </a:solidFill>
@@ -9259,7 +9199,7 @@
           <a:sym typeface="Arial"/>
         </a:defRPr>
       </a:lvl5pPr>
-      <a:lvl6pPr lvl="5" marR="0" rtl="0" algn="l">
+      <a:lvl6pPr marR="0" lvl="5" algn="l" rtl="0">
         <a:lnSpc>
           <a:spcPct val="100000"/>
         </a:lnSpc>
@@ -9273,7 +9213,7 @@
           <a:srgbClr val="000000"/>
         </a:buClr>
         <a:buFont typeface="Arial"/>
-        <a:defRPr b="0" i="0" sz="1400" u="none" cap="none" strike="noStrike">
+        <a:defRPr sz="1400" b="0" i="0" u="none" strike="noStrike" cap="none">
           <a:solidFill>
             <a:srgbClr val="000000"/>
           </a:solidFill>
@@ -9283,7 +9223,7 @@
           <a:sym typeface="Arial"/>
         </a:defRPr>
       </a:lvl6pPr>
-      <a:lvl7pPr lvl="6" marR="0" rtl="0" algn="l">
+      <a:lvl7pPr marR="0" lvl="6" algn="l" rtl="0">
         <a:lnSpc>
           <a:spcPct val="100000"/>
         </a:lnSpc>
@@ -9297,7 +9237,7 @@
           <a:srgbClr val="000000"/>
         </a:buClr>
         <a:buFont typeface="Arial"/>
-        <a:defRPr b="0" i="0" sz="1400" u="none" cap="none" strike="noStrike">
+        <a:defRPr sz="1400" b="0" i="0" u="none" strike="noStrike" cap="none">
           <a:solidFill>
             <a:srgbClr val="000000"/>
           </a:solidFill>
@@ -9307,7 +9247,7 @@
           <a:sym typeface="Arial"/>
         </a:defRPr>
       </a:lvl7pPr>
-      <a:lvl8pPr lvl="7" marR="0" rtl="0" algn="l">
+      <a:lvl8pPr marR="0" lvl="7" algn="l" rtl="0">
         <a:lnSpc>
           <a:spcPct val="100000"/>
         </a:lnSpc>
@@ -9321,7 +9261,7 @@
           <a:srgbClr val="000000"/>
         </a:buClr>
         <a:buFont typeface="Arial"/>
-        <a:defRPr b="0" i="0" sz="1400" u="none" cap="none" strike="noStrike">
+        <a:defRPr sz="1400" b="0" i="0" u="none" strike="noStrike" cap="none">
           <a:solidFill>
             <a:srgbClr val="000000"/>
           </a:solidFill>
@@ -9331,7 +9271,7 @@
           <a:sym typeface="Arial"/>
         </a:defRPr>
       </a:lvl8pPr>
-      <a:lvl9pPr lvl="8" marR="0" rtl="0" algn="l">
+      <a:lvl9pPr marR="0" lvl="8" algn="l" rtl="0">
         <a:lnSpc>
           <a:spcPct val="100000"/>
         </a:lnSpc>
@@ -9345,7 +9285,7 @@
           <a:srgbClr val="000000"/>
         </a:buClr>
         <a:buFont typeface="Arial"/>
-        <a:defRPr b="0" i="0" sz="1400" u="none" cap="none" strike="noStrike">
+        <a:defRPr sz="1400" b="0" i="0" u="none" strike="noStrike" cap="none">
           <a:solidFill>
             <a:srgbClr val="000000"/>
           </a:solidFill>
@@ -9357,7 +9297,7 @@
       </a:lvl9pPr>
     </p:bodyStyle>
     <p:otherStyle>
-      <a:defPPr lvl="0" marR="0" rtl="0" algn="l">
+      <a:defPPr marR="0" lvl="0" algn="l" rtl="0">
         <a:lnSpc>
           <a:spcPct val="100000"/>
         </a:lnSpc>
@@ -9368,7 +9308,7 @@
           <a:spcPts val="0"/>
         </a:spcAft>
       </a:defPPr>
-      <a:lvl1pPr lvl="0" marR="0" rtl="0" algn="l">
+      <a:lvl1pPr marR="0" lvl="0" algn="l" rtl="0">
         <a:lnSpc>
           <a:spcPct val="100000"/>
         </a:lnSpc>
@@ -9382,7 +9322,7 @@
           <a:srgbClr val="000000"/>
         </a:buClr>
         <a:buFont typeface="Arial"/>
-        <a:defRPr b="0" i="0" sz="1400" u="none" cap="none" strike="noStrike">
+        <a:defRPr sz="1400" b="0" i="0" u="none" strike="noStrike" cap="none">
           <a:solidFill>
             <a:srgbClr val="000000"/>
           </a:solidFill>
@@ -9392,7 +9332,7 @@
           <a:sym typeface="Arial"/>
         </a:defRPr>
       </a:lvl1pPr>
-      <a:lvl2pPr lvl="1" marR="0" rtl="0" algn="l">
+      <a:lvl2pPr marR="0" lvl="1" algn="l" rtl="0">
         <a:lnSpc>
           <a:spcPct val="100000"/>
         </a:lnSpc>
@@ -9406,7 +9346,7 @@
           <a:srgbClr val="000000"/>
         </a:buClr>
         <a:buFont typeface="Arial"/>
-        <a:defRPr b="0" i="0" sz="1400" u="none" cap="none" strike="noStrike">
+        <a:defRPr sz="1400" b="0" i="0" u="none" strike="noStrike" cap="none">
           <a:solidFill>
             <a:srgbClr val="000000"/>
           </a:solidFill>
@@ -9416,7 +9356,7 @@
           <a:sym typeface="Arial"/>
         </a:defRPr>
       </a:lvl2pPr>
-      <a:lvl3pPr lvl="2" marR="0" rtl="0" algn="l">
+      <a:lvl3pPr marR="0" lvl="2" algn="l" rtl="0">
         <a:lnSpc>
           <a:spcPct val="100000"/>
         </a:lnSpc>
@@ -9430,7 +9370,7 @@
           <a:srgbClr val="000000"/>
         </a:buClr>
         <a:buFont typeface="Arial"/>
-        <a:defRPr b="0" i="0" sz="1400" u="none" cap="none" strike="noStrike">
+        <a:defRPr sz="1400" b="0" i="0" u="none" strike="noStrike" cap="none">
           <a:solidFill>
             <a:srgbClr val="000000"/>
           </a:solidFill>
@@ -9440,7 +9380,7 @@
           <a:sym typeface="Arial"/>
         </a:defRPr>
       </a:lvl3pPr>
-      <a:lvl4pPr lvl="3" marR="0" rtl="0" algn="l">
+      <a:lvl4pPr marR="0" lvl="3" algn="l" rtl="0">
         <a:lnSpc>
           <a:spcPct val="100000"/>
         </a:lnSpc>
@@ -9454,7 +9394,7 @@
           <a:srgbClr val="000000"/>
         </a:buClr>
         <a:buFont typeface="Arial"/>
-        <a:defRPr b="0" i="0" sz="1400" u="none" cap="none" strike="noStrike">
+        <a:defRPr sz="1400" b="0" i="0" u="none" strike="noStrike" cap="none">
           <a:solidFill>
             <a:srgbClr val="000000"/>
           </a:solidFill>
@@ -9464,7 +9404,7 @@
           <a:sym typeface="Arial"/>
         </a:defRPr>
       </a:lvl4pPr>
-      <a:lvl5pPr lvl="4" marR="0" rtl="0" algn="l">
+      <a:lvl5pPr marR="0" lvl="4" algn="l" rtl="0">
         <a:lnSpc>
           <a:spcPct val="100000"/>
         </a:lnSpc>
@@ -9478,7 +9418,7 @@
           <a:srgbClr val="000000"/>
         </a:buClr>
         <a:buFont typeface="Arial"/>
-        <a:defRPr b="0" i="0" sz="1400" u="none" cap="none" strike="noStrike">
+        <a:defRPr sz="1400" b="0" i="0" u="none" strike="noStrike" cap="none">
           <a:solidFill>
             <a:srgbClr val="000000"/>
           </a:solidFill>
@@ -9488,7 +9428,7 @@
           <a:sym typeface="Arial"/>
         </a:defRPr>
       </a:lvl5pPr>
-      <a:lvl6pPr lvl="5" marR="0" rtl="0" algn="l">
+      <a:lvl6pPr marR="0" lvl="5" algn="l" rtl="0">
         <a:lnSpc>
           <a:spcPct val="100000"/>
         </a:lnSpc>
@@ -9502,7 +9442,7 @@
           <a:srgbClr val="000000"/>
         </a:buClr>
         <a:buFont typeface="Arial"/>
-        <a:defRPr b="0" i="0" sz="1400" u="none" cap="none" strike="noStrike">
+        <a:defRPr sz="1400" b="0" i="0" u="none" strike="noStrike" cap="none">
           <a:solidFill>
             <a:srgbClr val="000000"/>
           </a:solidFill>
@@ -9512,7 +9452,7 @@
           <a:sym typeface="Arial"/>
         </a:defRPr>
       </a:lvl6pPr>
-      <a:lvl7pPr lvl="6" marR="0" rtl="0" algn="l">
+      <a:lvl7pPr marR="0" lvl="6" algn="l" rtl="0">
         <a:lnSpc>
           <a:spcPct val="100000"/>
         </a:lnSpc>
@@ -9526,7 +9466,7 @@
           <a:srgbClr val="000000"/>
         </a:buClr>
         <a:buFont typeface="Arial"/>
-        <a:defRPr b="0" i="0" sz="1400" u="none" cap="none" strike="noStrike">
+        <a:defRPr sz="1400" b="0" i="0" u="none" strike="noStrike" cap="none">
           <a:solidFill>
             <a:srgbClr val="000000"/>
           </a:solidFill>
@@ -9536,7 +9476,7 @@
           <a:sym typeface="Arial"/>
         </a:defRPr>
       </a:lvl7pPr>
-      <a:lvl8pPr lvl="7" marR="0" rtl="0" algn="l">
+      <a:lvl8pPr marR="0" lvl="7" algn="l" rtl="0">
         <a:lnSpc>
           <a:spcPct val="100000"/>
         </a:lnSpc>
@@ -9550,7 +9490,7 @@
           <a:srgbClr val="000000"/>
         </a:buClr>
         <a:buFont typeface="Arial"/>
-        <a:defRPr b="0" i="0" sz="1400" u="none" cap="none" strike="noStrike">
+        <a:defRPr sz="1400" b="0" i="0" u="none" strike="noStrike" cap="none">
           <a:solidFill>
             <a:srgbClr val="000000"/>
           </a:solidFill>
@@ -9560,7 +9500,7 @@
           <a:sym typeface="Arial"/>
         </a:defRPr>
       </a:lvl8pPr>
-      <a:lvl9pPr lvl="8" marR="0" rtl="0" algn="l">
+      <a:lvl9pPr marR="0" lvl="8" algn="l" rtl="0">
         <a:lnSpc>
           <a:spcPct val="100000"/>
         </a:lnSpc>
@@ -9574,7 +9514,7 @@
           <a:srgbClr val="000000"/>
         </a:buClr>
         <a:buFont typeface="Arial"/>
-        <a:defRPr b="0" i="0" sz="1400" u="none" cap="none" strike="noStrike">
+        <a:defRPr sz="1400" b="0" i="0" u="none" strike="noStrike" cap="none">
           <a:solidFill>
             <a:srgbClr val="000000"/>
           </a:solidFill>
@@ -9590,11 +9530,11 @@
 </file>
 
 <file path=ppt/slides/slide1.xml><?xml version="1.0" encoding="utf-8"?>
-<p:sld xmlns:a="http://schemas.openxmlformats.org/drawingml/2006/main" xmlns:r="http://schemas.openxmlformats.org/officeDocument/2006/relationships" xmlns:mc="http://schemas.openxmlformats.org/markup-compatibility/2006" xmlns:mv="urn:schemas-microsoft-com:mac:vml" xmlns:p="http://schemas.openxmlformats.org/presentationml/2006/main" xmlns:c="http://schemas.openxmlformats.org/drawingml/2006/chart" xmlns:dgm="http://schemas.openxmlformats.org/drawingml/2006/diagram" xmlns:o="urn:schemas-microsoft-com:office:office" xmlns:v="urn:schemas-microsoft-com:vml" xmlns:pvml="urn:schemas-microsoft-com:office:powerpoint" xmlns:com="http://schemas.openxmlformats.org/drawingml/2006/compatibility" xmlns:p14="http://schemas.microsoft.com/office/powerpoint/2010/main" xmlns:p15="http://schemas.microsoft.com/office/powerpoint/2012/main" xmlns:ahyp="http://schemas.microsoft.com/office/drawing/2018/hyperlinkcolor">
+<p:sld xmlns:a="http://schemas.openxmlformats.org/drawingml/2006/main" xmlns:r="http://schemas.openxmlformats.org/officeDocument/2006/relationships" xmlns:p="http://schemas.openxmlformats.org/presentationml/2006/main">
   <p:cSld>
     <p:spTree>
       <p:nvGrpSpPr>
-        <p:cNvPr id="133" name="Shape 133"/>
+        <p:cNvPr id="1" name="Shape 133"/>
         <p:cNvGrpSpPr/>
         <p:nvPr/>
       </p:nvGrpSpPr>
@@ -9609,14 +9549,16 @@
       <p:sp>
         <p:nvSpPr>
           <p:cNvPr id="134" name="Google Shape;134;p13"/>
-          <p:cNvSpPr txBox="1"/>
+          <p:cNvSpPr txBox="1">
+            <a:spLocks noGrp="1"/>
+          </p:cNvSpPr>
           <p:nvPr>
             <p:ph type="title"/>
           </p:nvPr>
         </p:nvSpPr>
         <p:spPr>
           <a:xfrm>
-            <a:off x="702875" y="453725"/>
+            <a:off x="631020" y="261700"/>
             <a:ext cx="8520600" cy="1114800"/>
           </a:xfrm>
           <a:prstGeom prst="rect">
@@ -9624,12 +9566,12 @@
           </a:prstGeom>
         </p:spPr>
         <p:txBody>
-          <a:bodyPr anchorCtr="0" anchor="t" bIns="91425" lIns="91425" spcFirstLastPara="1" rIns="91425" wrap="square" tIns="91425">
+          <a:bodyPr spcFirstLastPara="1" wrap="square" lIns="91425" tIns="91425" rIns="91425" bIns="91425" anchor="t" anchorCtr="0">
             <a:normAutofit fontScale="90000"/>
           </a:bodyPr>
           <a:lstStyle/>
           <a:p>
-            <a:pPr indent="0" lvl="0" marL="0" rtl="0" algn="ctr">
+            <a:pPr marL="0" lvl="0" indent="0" algn="ctr" rtl="0">
               <a:lnSpc>
                 <a:spcPct val="130000"/>
               </a:lnSpc>
@@ -9646,10 +9588,7 @@
               <a:buFont typeface="Arial"/>
               <a:buNone/>
             </a:pPr>
-            <a:r>
-              <a:t/>
-            </a:r>
-            <a:endParaRPr b="1" sz="2480">
+            <a:endParaRPr sz="2480" b="1" dirty="0">
               <a:latin typeface="Times New Roman"/>
               <a:ea typeface="Times New Roman"/>
               <a:cs typeface="Times New Roman"/>
@@ -9657,7 +9596,7 @@
             </a:endParaRPr>
           </a:p>
           <a:p>
-            <a:pPr indent="0" lvl="0" marL="0" rtl="0" algn="ctr">
+            <a:pPr marL="0" lvl="0" indent="0" algn="ctr" rtl="0">
               <a:lnSpc>
                 <a:spcPct val="130000"/>
               </a:lnSpc>
@@ -9675,7 +9614,7 @@
               <a:buNone/>
             </a:pPr>
             <a:r>
-              <a:rPr b="1" lang="en" sz="2480">
+              <a:rPr lang="en" sz="2480" b="1" dirty="0">
                 <a:latin typeface="Times New Roman"/>
                 <a:ea typeface="Times New Roman"/>
                 <a:cs typeface="Times New Roman"/>
@@ -9683,7 +9622,7 @@
               </a:rPr>
               <a:t>Medical AI Diagnosis Prediction tool for Heart disease </a:t>
             </a:r>
-            <a:endParaRPr sz="3110">
+            <a:endParaRPr sz="3110" dirty="0">
               <a:latin typeface="Times New Roman"/>
               <a:ea typeface="Times New Roman"/>
               <a:cs typeface="Times New Roman"/>
@@ -9695,14 +9634,16 @@
       <p:sp>
         <p:nvSpPr>
           <p:cNvPr id="135" name="Google Shape;135;p13"/>
-          <p:cNvSpPr txBox="1"/>
+          <p:cNvSpPr txBox="1">
+            <a:spLocks noGrp="1"/>
+          </p:cNvSpPr>
           <p:nvPr>
-            <p:ph idx="1" type="body"/>
+            <p:ph type="body" idx="1"/>
           </p:nvPr>
         </p:nvSpPr>
         <p:spPr>
           <a:xfrm>
-            <a:off x="311700" y="1773800"/>
+            <a:off x="311700" y="1430900"/>
             <a:ext cx="8520600" cy="3108000"/>
           </a:xfrm>
           <a:prstGeom prst="rect">
@@ -9710,12 +9651,12 @@
           </a:prstGeom>
         </p:spPr>
         <p:txBody>
-          <a:bodyPr anchorCtr="0" anchor="t" bIns="91425" lIns="91425" spcFirstLastPara="1" rIns="91425" wrap="square" tIns="91425">
+          <a:bodyPr spcFirstLastPara="1" wrap="square" lIns="91425" tIns="91425" rIns="91425" bIns="91425" anchor="t" anchorCtr="0">
             <a:noAutofit/>
           </a:bodyPr>
           <a:lstStyle/>
           <a:p>
-            <a:pPr indent="0" lvl="0" marL="0" rtl="0" algn="ctr">
+            <a:pPr marL="0" lvl="0" indent="0" algn="ctr" rtl="0">
               <a:lnSpc>
                 <a:spcPct val="200000"/>
               </a:lnSpc>
@@ -9733,7 +9674,7 @@
               <a:buNone/>
             </a:pPr>
             <a:r>
-              <a:rPr b="1" lang="en" sz="2100">
+              <a:rPr lang="en" sz="2100" b="1" dirty="0">
                 <a:highlight>
                   <a:schemeClr val="dk1"/>
                 </a:highlight>
@@ -9744,7 +9685,7 @@
               </a:rPr>
               <a:t>By</a:t>
             </a:r>
-            <a:endParaRPr b="1" sz="2100">
+            <a:endParaRPr sz="2100" b="1" dirty="0">
               <a:highlight>
                 <a:schemeClr val="dk1"/>
               </a:highlight>
@@ -9755,7 +9696,7 @@
             </a:endParaRPr>
           </a:p>
           <a:p>
-            <a:pPr indent="0" lvl="0" marL="0" rtl="0" algn="ctr">
+            <a:pPr marL="0" lvl="0" indent="0" algn="ctr" rtl="0">
               <a:lnSpc>
                 <a:spcPct val="200000"/>
               </a:lnSpc>
@@ -9773,7 +9714,7 @@
               <a:buNone/>
             </a:pPr>
             <a:r>
-              <a:rPr b="1" lang="en" sz="2100">
+              <a:rPr lang="en" sz="2100" b="1" dirty="0">
                 <a:highlight>
                   <a:schemeClr val="dk1"/>
                 </a:highlight>
@@ -9784,7 +9725,7 @@
               </a:rPr>
               <a:t>Korie Westbrook</a:t>
             </a:r>
-            <a:endParaRPr b="1" sz="2100">
+            <a:endParaRPr sz="2100" b="1" dirty="0">
               <a:highlight>
                 <a:schemeClr val="dk1"/>
               </a:highlight>
@@ -9795,7 +9736,7 @@
             </a:endParaRPr>
           </a:p>
           <a:p>
-            <a:pPr indent="0" lvl="0" marL="0" rtl="0" algn="ctr">
+            <a:pPr marL="0" lvl="0" indent="0" algn="ctr" rtl="0">
               <a:lnSpc>
                 <a:spcPct val="200000"/>
               </a:lnSpc>
@@ -9808,7 +9749,7 @@
               <a:buNone/>
             </a:pPr>
             <a:r>
-              <a:rPr b="1" lang="en" sz="2100">
+              <a:rPr lang="en" sz="2100" b="1" dirty="0">
                 <a:highlight>
                   <a:schemeClr val="dk1"/>
                 </a:highlight>
@@ -9819,7 +9760,7 @@
               </a:rPr>
               <a:t>Kelvin Luk</a:t>
             </a:r>
-            <a:endParaRPr b="1" sz="2100">
+            <a:endParaRPr sz="2100" b="1" dirty="0">
               <a:highlight>
                 <a:schemeClr val="dk1"/>
               </a:highlight>
@@ -9830,7 +9771,7 @@
             </a:endParaRPr>
           </a:p>
           <a:p>
-            <a:pPr indent="0" lvl="0" marL="0" rtl="0" algn="ctr">
+            <a:pPr marL="0" lvl="0" indent="0" algn="ctr" rtl="0">
               <a:lnSpc>
                 <a:spcPct val="200000"/>
               </a:lnSpc>
@@ -9848,7 +9789,7 @@
               <a:buNone/>
             </a:pPr>
             <a:r>
-              <a:rPr b="1" lang="en" sz="2100">
+              <a:rPr lang="en" sz="2100" b="1" dirty="0">
                 <a:highlight>
                   <a:schemeClr val="dk1"/>
                 </a:highlight>
@@ -9859,7 +9800,7 @@
               </a:rPr>
               <a:t>Mansoor Haidari</a:t>
             </a:r>
-            <a:endParaRPr b="1" sz="2400">
+            <a:endParaRPr sz="2400" b="1" dirty="0">
               <a:highlight>
                 <a:schemeClr val="dk1"/>
               </a:highlight>
@@ -9880,11 +9821,11 @@
 </file>
 
 <file path=ppt/slides/slide2.xml><?xml version="1.0" encoding="utf-8"?>
-<p:sld xmlns:a="http://schemas.openxmlformats.org/drawingml/2006/main" xmlns:r="http://schemas.openxmlformats.org/officeDocument/2006/relationships" xmlns:mc="http://schemas.openxmlformats.org/markup-compatibility/2006" xmlns:mv="urn:schemas-microsoft-com:mac:vml" xmlns:p="http://schemas.openxmlformats.org/presentationml/2006/main" xmlns:c="http://schemas.openxmlformats.org/drawingml/2006/chart" xmlns:dgm="http://schemas.openxmlformats.org/drawingml/2006/diagram" xmlns:o="urn:schemas-microsoft-com:office:office" xmlns:v="urn:schemas-microsoft-com:vml" xmlns:pvml="urn:schemas-microsoft-com:office:powerpoint" xmlns:com="http://schemas.openxmlformats.org/drawingml/2006/compatibility" xmlns:p14="http://schemas.microsoft.com/office/powerpoint/2010/main" xmlns:p15="http://schemas.microsoft.com/office/powerpoint/2012/main" xmlns:ahyp="http://schemas.microsoft.com/office/drawing/2018/hyperlinkcolor">
+<p:sld xmlns:a="http://schemas.openxmlformats.org/drawingml/2006/main" xmlns:r="http://schemas.openxmlformats.org/officeDocument/2006/relationships" xmlns:p="http://schemas.openxmlformats.org/presentationml/2006/main">
   <p:cSld>
     <p:spTree>
       <p:nvGrpSpPr>
-        <p:cNvPr id="139" name="Shape 139"/>
+        <p:cNvPr id="1" name="Shape 139"/>
         <p:cNvGrpSpPr/>
         <p:nvPr/>
       </p:nvGrpSpPr>
@@ -9899,27 +9840,29 @@
       <p:sp>
         <p:nvSpPr>
           <p:cNvPr id="140" name="Google Shape;140;p14"/>
-          <p:cNvSpPr txBox="1"/>
+          <p:cNvSpPr txBox="1">
+            <a:spLocks noGrp="1"/>
+          </p:cNvSpPr>
           <p:nvPr>
             <p:ph type="title"/>
           </p:nvPr>
         </p:nvSpPr>
         <p:spPr>
           <a:xfrm>
-            <a:off x="1267150" y="295000"/>
-            <a:ext cx="7183500" cy="745500"/>
+            <a:off x="1283600" y="-46715"/>
+            <a:ext cx="7527600" cy="822960"/>
           </a:xfrm>
           <a:prstGeom prst="rect">
             <a:avLst/>
           </a:prstGeom>
         </p:spPr>
         <p:txBody>
-          <a:bodyPr anchorCtr="0" anchor="t" bIns="91425" lIns="91425" spcFirstLastPara="1" rIns="91425" wrap="square" tIns="91425">
+          <a:bodyPr spcFirstLastPara="1" wrap="square" lIns="91425" tIns="91425" rIns="91425" bIns="91425" anchor="t" anchorCtr="0">
             <a:noAutofit/>
           </a:bodyPr>
           <a:lstStyle/>
           <a:p>
-            <a:pPr indent="0" lvl="0" marL="0" rtl="0" algn="l">
+            <a:pPr marL="0" lvl="0" indent="0" algn="l" rtl="0">
               <a:lnSpc>
                 <a:spcPct val="130000"/>
               </a:lnSpc>
@@ -9937,7 +9880,7 @@
               <a:buNone/>
             </a:pPr>
             <a:r>
-              <a:rPr b="1" lang="en" sz="2160">
+              <a:rPr lang="en" sz="2160" b="1" dirty="0">
                 <a:latin typeface="Times New Roman"/>
                 <a:ea typeface="Times New Roman"/>
                 <a:cs typeface="Times New Roman"/>
@@ -9945,7 +9888,7 @@
               </a:rPr>
               <a:t>Introduction:</a:t>
             </a:r>
-            <a:endParaRPr b="1" sz="2160">
+            <a:endParaRPr sz="2160" b="1" dirty="0">
               <a:latin typeface="Times New Roman"/>
               <a:ea typeface="Times New Roman"/>
               <a:cs typeface="Times New Roman"/>
@@ -9953,7 +9896,7 @@
             </a:endParaRPr>
           </a:p>
           <a:p>
-            <a:pPr indent="0" lvl="0" marL="0" rtl="0" algn="l">
+            <a:pPr marL="0" lvl="0" indent="0" algn="l" rtl="0">
               <a:spcBef>
                 <a:spcPts val="0"/>
               </a:spcBef>
@@ -9963,24 +9906,23 @@
               <a:buSzPts val="990"/>
               <a:buNone/>
             </a:pPr>
-            <a:r>
-              <a:t/>
-            </a:r>
-            <a:endParaRPr sz="3060"/>
+            <a:endParaRPr sz="3060" dirty="0"/>
           </a:p>
         </p:txBody>
       </p:sp>
       <p:sp>
         <p:nvSpPr>
           <p:cNvPr id="141" name="Google Shape;141;p14"/>
-          <p:cNvSpPr txBox="1"/>
+          <p:cNvSpPr txBox="1">
+            <a:spLocks noGrp="1"/>
+          </p:cNvSpPr>
           <p:nvPr>
-            <p:ph idx="1" type="body"/>
+            <p:ph type="body" idx="1"/>
           </p:nvPr>
         </p:nvSpPr>
         <p:spPr>
           <a:xfrm>
-            <a:off x="940700" y="913325"/>
+            <a:off x="1001660" y="570505"/>
             <a:ext cx="7871700" cy="4116900"/>
           </a:xfrm>
           <a:prstGeom prst="rect">
@@ -9988,12 +9930,12 @@
           </a:prstGeom>
         </p:spPr>
         <p:txBody>
-          <a:bodyPr anchorCtr="0" anchor="t" bIns="91425" lIns="91425" spcFirstLastPara="1" rIns="91425" wrap="square" tIns="91425">
+          <a:bodyPr spcFirstLastPara="1" wrap="square" lIns="91425" tIns="91425" rIns="91425" bIns="91425" anchor="t" anchorCtr="0">
             <a:noAutofit/>
           </a:bodyPr>
           <a:lstStyle/>
           <a:p>
-            <a:pPr indent="-342900" lvl="0" marL="457200" rtl="0" algn="l">
+            <a:pPr marL="457200" lvl="0" indent="-342900" algn="l" rtl="0">
               <a:lnSpc>
                 <a:spcPct val="130000"/>
               </a:lnSpc>
@@ -10008,7 +9950,7 @@
               <a:buChar char="●"/>
             </a:pPr>
             <a:r>
-              <a:rPr lang="en" sz="1800">
+              <a:rPr lang="en" sz="1800" dirty="0">
                 <a:latin typeface="Times New Roman"/>
                 <a:ea typeface="Times New Roman"/>
                 <a:cs typeface="Times New Roman"/>
@@ -10016,7 +9958,7 @@
               </a:rPr>
               <a:t>Heart disease is the leading cause of death worldwide, causing millions of fatalities annually.</a:t>
             </a:r>
-            <a:endParaRPr sz="1800">
+            <a:endParaRPr sz="1800" dirty="0">
               <a:latin typeface="Times New Roman"/>
               <a:ea typeface="Times New Roman"/>
               <a:cs typeface="Times New Roman"/>
@@ -10024,7 +9966,7 @@
             </a:endParaRPr>
           </a:p>
           <a:p>
-            <a:pPr indent="-342900" lvl="0" marL="457200" rtl="0" algn="l">
+            <a:pPr marL="457200" lvl="0" indent="-342900" algn="l" rtl="0">
               <a:lnSpc>
                 <a:spcPct val="130000"/>
               </a:lnSpc>
@@ -10039,7 +9981,7 @@
               <a:buChar char="●"/>
             </a:pPr>
             <a:r>
-              <a:rPr lang="en" sz="1800">
+              <a:rPr lang="en" sz="1800" dirty="0">
                 <a:latin typeface="Times New Roman"/>
                 <a:ea typeface="Times New Roman"/>
                 <a:cs typeface="Times New Roman"/>
@@ -10047,7 +9989,7 @@
               </a:rPr>
               <a:t>It encompasses various heart and blood vessel conditions, including coronary artery disease, heart failure, and arrhythmias.</a:t>
             </a:r>
-            <a:endParaRPr sz="1800">
+            <a:endParaRPr sz="1800" dirty="0">
               <a:latin typeface="Times New Roman"/>
               <a:ea typeface="Times New Roman"/>
               <a:cs typeface="Times New Roman"/>
@@ -10055,7 +9997,7 @@
             </a:endParaRPr>
           </a:p>
           <a:p>
-            <a:pPr indent="-342900" lvl="0" marL="457200" rtl="0" algn="l">
+            <a:pPr marL="457200" lvl="0" indent="-342900" algn="l" rtl="0">
               <a:lnSpc>
                 <a:spcPct val="130000"/>
               </a:lnSpc>
@@ -10070,7 +10012,7 @@
               <a:buChar char="●"/>
             </a:pPr>
             <a:r>
-              <a:rPr lang="en" sz="1800">
+              <a:rPr lang="en" sz="1800" dirty="0">
                 <a:latin typeface="Times New Roman"/>
                 <a:ea typeface="Times New Roman"/>
                 <a:cs typeface="Times New Roman"/>
@@ -10078,7 +10020,7 @@
               </a:rPr>
               <a:t>Traditional diagnostic methods, such as physical exams and imaging tests, can be costly, time-consuming, or invasive.</a:t>
             </a:r>
-            <a:endParaRPr sz="1800">
+            <a:endParaRPr sz="1800" dirty="0">
               <a:latin typeface="Times New Roman"/>
               <a:ea typeface="Times New Roman"/>
               <a:cs typeface="Times New Roman"/>
@@ -10086,7 +10028,7 @@
             </a:endParaRPr>
           </a:p>
           <a:p>
-            <a:pPr indent="-342900" lvl="0" marL="457200" rtl="0" algn="l">
+            <a:pPr marL="457200" lvl="0" indent="-342900" algn="l" rtl="0">
               <a:lnSpc>
                 <a:spcPct val="130000"/>
               </a:lnSpc>
@@ -10101,7 +10043,7 @@
               <a:buChar char="●"/>
             </a:pPr>
             <a:r>
-              <a:rPr lang="en" sz="1800">
+              <a:rPr lang="en" sz="1800" dirty="0">
                 <a:latin typeface="Times New Roman"/>
                 <a:ea typeface="Times New Roman"/>
                 <a:cs typeface="Times New Roman"/>
@@ -10109,7 +10051,7 @@
               </a:rPr>
               <a:t>This project aims to create an AI-powered medical diagnosis prediction tool using machine learning algorithms to predict heart disease based on patient data.</a:t>
             </a:r>
-            <a:endParaRPr sz="1800">
+            <a:endParaRPr sz="1800" dirty="0">
               <a:latin typeface="Times New Roman"/>
               <a:ea typeface="Times New Roman"/>
               <a:cs typeface="Times New Roman"/>
@@ -10117,7 +10059,7 @@
             </a:endParaRPr>
           </a:p>
           <a:p>
-            <a:pPr indent="-342900" lvl="0" marL="457200" rtl="0" algn="l">
+            <a:pPr marL="457200" lvl="0" indent="-342900" algn="l" rtl="0">
               <a:lnSpc>
                 <a:spcPct val="130000"/>
               </a:lnSpc>
@@ -10132,7 +10074,7 @@
               <a:buChar char="●"/>
             </a:pPr>
             <a:r>
-              <a:rPr lang="en" sz="1800">
+              <a:rPr lang="en" sz="1800" dirty="0">
                 <a:latin typeface="Times New Roman"/>
                 <a:ea typeface="Times New Roman"/>
                 <a:cs typeface="Times New Roman"/>
@@ -10140,7 +10082,7 @@
               </a:rPr>
               <a:t>The tool has the potential to improve patient outcomes, decrease healthcare costs, and save lives.</a:t>
             </a:r>
-            <a:endParaRPr sz="1800">
+            <a:endParaRPr sz="1800" dirty="0">
               <a:latin typeface="Times New Roman"/>
               <a:ea typeface="Times New Roman"/>
               <a:cs typeface="Times New Roman"/>
@@ -10148,7 +10090,7 @@
             </a:endParaRPr>
           </a:p>
           <a:p>
-            <a:pPr indent="0" lvl="0" marL="457200" rtl="0" algn="l">
+            <a:pPr marL="457200" lvl="0" indent="0" algn="l" rtl="0">
               <a:lnSpc>
                 <a:spcPct val="130000"/>
               </a:lnSpc>
@@ -10160,10 +10102,7 @@
               </a:spcAft>
               <a:buNone/>
             </a:pPr>
-            <a:r>
-              <a:t/>
-            </a:r>
-            <a:endParaRPr sz="1400">
+            <a:endParaRPr sz="1400" dirty="0">
               <a:latin typeface="Times New Roman"/>
               <a:ea typeface="Times New Roman"/>
               <a:cs typeface="Times New Roman"/>
@@ -10181,11 +10120,11 @@
 </file>
 
 <file path=ppt/slides/slide3.xml><?xml version="1.0" encoding="utf-8"?>
-<p:sld xmlns:a="http://schemas.openxmlformats.org/drawingml/2006/main" xmlns:r="http://schemas.openxmlformats.org/officeDocument/2006/relationships" xmlns:mc="http://schemas.openxmlformats.org/markup-compatibility/2006" xmlns:mv="urn:schemas-microsoft-com:mac:vml" xmlns:p="http://schemas.openxmlformats.org/presentationml/2006/main" xmlns:c="http://schemas.openxmlformats.org/drawingml/2006/chart" xmlns:dgm="http://schemas.openxmlformats.org/drawingml/2006/diagram" xmlns:o="urn:schemas-microsoft-com:office:office" xmlns:v="urn:schemas-microsoft-com:vml" xmlns:pvml="urn:schemas-microsoft-com:office:powerpoint" xmlns:com="http://schemas.openxmlformats.org/drawingml/2006/compatibility" xmlns:p14="http://schemas.microsoft.com/office/powerpoint/2010/main" xmlns:p15="http://schemas.microsoft.com/office/powerpoint/2012/main" xmlns:ahyp="http://schemas.microsoft.com/office/drawing/2018/hyperlinkcolor">
+<p:sld xmlns:a="http://schemas.openxmlformats.org/drawingml/2006/main" xmlns:r="http://schemas.openxmlformats.org/officeDocument/2006/relationships" xmlns:p="http://schemas.openxmlformats.org/presentationml/2006/main">
   <p:cSld>
     <p:spTree>
       <p:nvGrpSpPr>
-        <p:cNvPr id="145" name="Shape 145"/>
+        <p:cNvPr id="1" name="Shape 145"/>
         <p:cNvGrpSpPr/>
         <p:nvPr/>
       </p:nvGrpSpPr>
@@ -10200,14 +10139,16 @@
       <p:sp>
         <p:nvSpPr>
           <p:cNvPr id="146" name="Google Shape;146;p15"/>
-          <p:cNvSpPr txBox="1"/>
+          <p:cNvSpPr txBox="1">
+            <a:spLocks noGrp="1"/>
+          </p:cNvSpPr>
           <p:nvPr>
             <p:ph type="title"/>
           </p:nvPr>
         </p:nvSpPr>
         <p:spPr>
           <a:xfrm>
-            <a:off x="950475" y="111475"/>
+            <a:off x="1001550" y="-109505"/>
             <a:ext cx="7140900" cy="725100"/>
           </a:xfrm>
           <a:prstGeom prst="rect">
@@ -10215,12 +10156,12 @@
           </a:prstGeom>
         </p:spPr>
         <p:txBody>
-          <a:bodyPr anchorCtr="0" anchor="t" bIns="91425" lIns="91425" spcFirstLastPara="1" rIns="91425" wrap="square" tIns="91425">
-            <a:normAutofit/>
+          <a:bodyPr spcFirstLastPara="1" wrap="square" lIns="91425" tIns="91425" rIns="91425" bIns="91425" anchor="t" anchorCtr="0">
+            <a:normAutofit fontScale="90000"/>
           </a:bodyPr>
           <a:lstStyle/>
           <a:p>
-            <a:pPr indent="0" lvl="0" marL="0" rtl="0" algn="l">
+            <a:pPr marL="0" lvl="0" indent="0" algn="l" rtl="0">
               <a:lnSpc>
                 <a:spcPct val="130000"/>
               </a:lnSpc>
@@ -10238,7 +10179,7 @@
               <a:buNone/>
             </a:pPr>
             <a:r>
-              <a:rPr b="1" lang="en" sz="2500">
+              <a:rPr lang="en" sz="2500" b="1" dirty="0">
                 <a:latin typeface="Times New Roman"/>
                 <a:ea typeface="Times New Roman"/>
                 <a:cs typeface="Times New Roman"/>
@@ -10246,7 +10187,7 @@
               </a:rPr>
               <a:t>Implementation:</a:t>
             </a:r>
-            <a:endParaRPr sz="3500">
+            <a:endParaRPr sz="3500" dirty="0">
               <a:latin typeface="Times New Roman"/>
               <a:ea typeface="Times New Roman"/>
               <a:cs typeface="Times New Roman"/>
@@ -10258,14 +10199,16 @@
       <p:sp>
         <p:nvSpPr>
           <p:cNvPr id="147" name="Google Shape;147;p15"/>
-          <p:cNvSpPr txBox="1"/>
+          <p:cNvSpPr txBox="1">
+            <a:spLocks noGrp="1"/>
+          </p:cNvSpPr>
           <p:nvPr>
-            <p:ph idx="1" type="body"/>
+            <p:ph type="body" idx="1"/>
           </p:nvPr>
         </p:nvSpPr>
         <p:spPr>
           <a:xfrm>
-            <a:off x="950475" y="541725"/>
+            <a:off x="950475" y="366465"/>
             <a:ext cx="8018400" cy="2992200"/>
           </a:xfrm>
           <a:prstGeom prst="rect">
@@ -10273,12 +10216,12 @@
           </a:prstGeom>
         </p:spPr>
         <p:txBody>
-          <a:bodyPr anchorCtr="0" anchor="t" bIns="91425" lIns="91425" spcFirstLastPara="1" rIns="91425" wrap="square" tIns="91425">
+          <a:bodyPr spcFirstLastPara="1" wrap="square" lIns="91425" tIns="91425" rIns="91425" bIns="91425" anchor="t" anchorCtr="0">
             <a:normAutofit/>
           </a:bodyPr>
           <a:lstStyle/>
           <a:p>
-            <a:pPr indent="0" lvl="0" marL="0" rtl="0" algn="l">
+            <a:pPr marL="0" lvl="0" indent="0" algn="l" rtl="0">
               <a:lnSpc>
                 <a:spcPct val="130000"/>
               </a:lnSpc>
@@ -10296,7 +10239,7 @@
               <a:buNone/>
             </a:pPr>
             <a:r>
-              <a:rPr lang="en" sz="1600">
+              <a:rPr lang="en" sz="1600" dirty="0">
                 <a:highlight>
                   <a:schemeClr val="dk1"/>
                 </a:highlight>
@@ -10307,7 +10250,7 @@
               </a:rPr>
               <a:t>The Medical AI - Disease Diagnostic Prediction Tool is an application that uses machine learning and statistical models to predict diseases or medical conditions based on input data from the user. The application includes the following key characteristics:</a:t>
             </a:r>
-            <a:endParaRPr sz="1600">
+            <a:endParaRPr sz="1600" dirty="0">
               <a:highlight>
                 <a:schemeClr val="dk1"/>
               </a:highlight>
@@ -10318,7 +10261,7 @@
             </a:endParaRPr>
           </a:p>
           <a:p>
-            <a:pPr indent="-330200" lvl="0" marL="457200" rtl="0" algn="l">
+            <a:pPr marL="457200" lvl="0" indent="-330200" algn="l" rtl="0">
               <a:lnSpc>
                 <a:spcPct val="130000"/>
               </a:lnSpc>
@@ -10333,7 +10276,7 @@
               <a:buChar char="●"/>
             </a:pPr>
             <a:r>
-              <a:rPr lang="en" sz="1600">
+              <a:rPr lang="en" sz="1600" dirty="0">
                 <a:highlight>
                   <a:schemeClr val="dk1"/>
                 </a:highlight>
@@ -10344,7 +10287,7 @@
               </a:rPr>
               <a:t>Inputting patient symptoms and medical history</a:t>
             </a:r>
-            <a:endParaRPr sz="1600">
+            <a:endParaRPr sz="1600" dirty="0">
               <a:highlight>
                 <a:schemeClr val="dk1"/>
               </a:highlight>
@@ -10355,7 +10298,7 @@
             </a:endParaRPr>
           </a:p>
           <a:p>
-            <a:pPr indent="-330200" lvl="0" marL="457200" rtl="0" algn="l">
+            <a:pPr marL="457200" lvl="0" indent="-330200" algn="l" rtl="0">
               <a:lnSpc>
                 <a:spcPct val="130000"/>
               </a:lnSpc>
@@ -10370,7 +10313,7 @@
               <a:buChar char="●"/>
             </a:pPr>
             <a:r>
-              <a:rPr lang="en" sz="1600">
+              <a:rPr lang="en" sz="1600" dirty="0">
                 <a:highlight>
                   <a:schemeClr val="dk1"/>
                 </a:highlight>
@@ -10381,7 +10324,7 @@
               </a:rPr>
               <a:t>Data Cleaning and Preparation</a:t>
             </a:r>
-            <a:endParaRPr sz="1600">
+            <a:endParaRPr sz="1600" dirty="0">
               <a:highlight>
                 <a:schemeClr val="dk1"/>
               </a:highlight>
@@ -10392,7 +10335,7 @@
             </a:endParaRPr>
           </a:p>
           <a:p>
-            <a:pPr indent="-330200" lvl="0" marL="457200" rtl="0" algn="l">
+            <a:pPr marL="457200" lvl="0" indent="-330200" algn="l" rtl="0">
               <a:lnSpc>
                 <a:spcPct val="130000"/>
               </a:lnSpc>
@@ -10407,7 +10350,7 @@
               <a:buChar char="●"/>
             </a:pPr>
             <a:r>
-              <a:rPr lang="en" sz="1600">
+              <a:rPr lang="en" sz="1600" dirty="0">
                 <a:highlight>
                   <a:schemeClr val="dk1"/>
                 </a:highlight>
@@ -10418,7 +10361,7 @@
               </a:rPr>
               <a:t>Machine Learning/Statistical Models</a:t>
             </a:r>
-            <a:endParaRPr sz="1600">
+            <a:endParaRPr sz="1600" dirty="0">
               <a:highlight>
                 <a:schemeClr val="dk1"/>
               </a:highlight>
@@ -10429,7 +10372,7 @@
             </a:endParaRPr>
           </a:p>
           <a:p>
-            <a:pPr indent="-330200" lvl="0" marL="457200" rtl="0" algn="l">
+            <a:pPr marL="457200" lvl="0" indent="-330200" algn="l" rtl="0">
               <a:lnSpc>
                 <a:spcPct val="130000"/>
               </a:lnSpc>
@@ -10444,7 +10387,7 @@
               <a:buChar char="●"/>
             </a:pPr>
             <a:r>
-              <a:rPr lang="en" sz="1600">
+              <a:rPr lang="en" sz="1600" dirty="0">
                 <a:highlight>
                   <a:schemeClr val="dk1"/>
                 </a:highlight>
@@ -10455,7 +10398,7 @@
               </a:rPr>
               <a:t>Prediction Results.</a:t>
             </a:r>
-            <a:endParaRPr sz="1000">
+            <a:endParaRPr sz="1000" dirty="0">
               <a:solidFill>
                 <a:srgbClr val="FF0000"/>
               </a:solidFill>
@@ -10563,11 +10506,11 @@
 </file>
 
 <file path=ppt/slides/slide4.xml><?xml version="1.0" encoding="utf-8"?>
-<p:sld xmlns:a="http://schemas.openxmlformats.org/drawingml/2006/main" xmlns:r="http://schemas.openxmlformats.org/officeDocument/2006/relationships" xmlns:mc="http://schemas.openxmlformats.org/markup-compatibility/2006" xmlns:mv="urn:schemas-microsoft-com:mac:vml" xmlns:p="http://schemas.openxmlformats.org/presentationml/2006/main" xmlns:c="http://schemas.openxmlformats.org/drawingml/2006/chart" xmlns:dgm="http://schemas.openxmlformats.org/drawingml/2006/diagram" xmlns:o="urn:schemas-microsoft-com:office:office" xmlns:v="urn:schemas-microsoft-com:vml" xmlns:pvml="urn:schemas-microsoft-com:office:powerpoint" xmlns:com="http://schemas.openxmlformats.org/drawingml/2006/compatibility" xmlns:p14="http://schemas.microsoft.com/office/powerpoint/2010/main" xmlns:p15="http://schemas.microsoft.com/office/powerpoint/2012/main" xmlns:ahyp="http://schemas.microsoft.com/office/drawing/2018/hyperlinkcolor">
+<p:sld xmlns:a="http://schemas.openxmlformats.org/drawingml/2006/main" xmlns:r="http://schemas.openxmlformats.org/officeDocument/2006/relationships" xmlns:p="http://schemas.openxmlformats.org/presentationml/2006/main">
   <p:cSld>
     <p:spTree>
       <p:nvGrpSpPr>
-        <p:cNvPr id="154" name="Shape 154"/>
+        <p:cNvPr id="1" name="Shape 154"/>
         <p:cNvGrpSpPr/>
         <p:nvPr/>
       </p:nvGrpSpPr>
@@ -10582,7 +10525,9 @@
       <p:sp>
         <p:nvSpPr>
           <p:cNvPr id="155" name="Google Shape;155;p16"/>
-          <p:cNvSpPr txBox="1"/>
+          <p:cNvSpPr txBox="1">
+            <a:spLocks noGrp="1"/>
+          </p:cNvSpPr>
           <p:nvPr>
             <p:ph type="title"/>
           </p:nvPr>
@@ -10597,12 +10542,12 @@
           </a:prstGeom>
         </p:spPr>
         <p:txBody>
-          <a:bodyPr anchorCtr="0" anchor="t" bIns="91425" lIns="91425" spcFirstLastPara="1" rIns="91425" wrap="square" tIns="91425">
+          <a:bodyPr spcFirstLastPara="1" wrap="square" lIns="91425" tIns="91425" rIns="91425" bIns="91425" anchor="t" anchorCtr="0">
             <a:normAutofit/>
           </a:bodyPr>
           <a:lstStyle/>
           <a:p>
-            <a:pPr indent="0" lvl="0" marL="0" rtl="0" algn="l">
+            <a:pPr marL="0" lvl="0" indent="0" algn="l" rtl="0">
               <a:spcBef>
                 <a:spcPts val="0"/>
               </a:spcBef>
@@ -10612,7 +10557,7 @@
               <a:buNone/>
             </a:pPr>
             <a:r>
-              <a:rPr b="1" lang="en">
+              <a:rPr lang="en" b="1">
                 <a:latin typeface="Times New Roman"/>
                 <a:ea typeface="Times New Roman"/>
                 <a:cs typeface="Times New Roman"/>
@@ -10632,9 +10577,11 @@
       <p:sp>
         <p:nvSpPr>
           <p:cNvPr id="156" name="Google Shape;156;p16"/>
-          <p:cNvSpPr txBox="1"/>
+          <p:cNvSpPr txBox="1">
+            <a:spLocks noGrp="1"/>
+          </p:cNvSpPr>
           <p:nvPr>
-            <p:ph idx="1" type="body"/>
+            <p:ph type="body" idx="1"/>
           </p:nvPr>
         </p:nvSpPr>
         <p:spPr>
@@ -10647,12 +10594,12 @@
           </a:prstGeom>
         </p:spPr>
         <p:txBody>
-          <a:bodyPr anchorCtr="0" anchor="t" bIns="91425" lIns="91425" spcFirstLastPara="1" rIns="91425" wrap="square" tIns="91425">
+          <a:bodyPr spcFirstLastPara="1" wrap="square" lIns="91425" tIns="91425" rIns="91425" bIns="91425" anchor="t" anchorCtr="0">
             <a:normAutofit fontScale="40000" lnSpcReduction="20000"/>
           </a:bodyPr>
           <a:lstStyle/>
           <a:p>
-            <a:pPr indent="-330200" lvl="0" marL="457200" rtl="0" algn="l">
+            <a:pPr marL="457200" lvl="0" indent="-330200" algn="l" rtl="0">
               <a:spcBef>
                 <a:spcPts val="0"/>
               </a:spcBef>
@@ -10680,7 +10627,7 @@
             </a:endParaRPr>
           </a:p>
           <a:p>
-            <a:pPr indent="0" lvl="0" marL="457200" rtl="0" algn="l">
+            <a:pPr marL="457200" lvl="0" indent="0" algn="l" rtl="0">
               <a:spcBef>
                 <a:spcPts val="0"/>
               </a:spcBef>
@@ -10689,9 +10636,6 @@
               </a:spcAft>
               <a:buNone/>
             </a:pPr>
-            <a:r>
-              <a:t/>
-            </a:r>
             <a:endParaRPr sz="4000">
               <a:latin typeface="Times New Roman"/>
               <a:ea typeface="Times New Roman"/>
@@ -10700,7 +10644,7 @@
             </a:endParaRPr>
           </a:p>
           <a:p>
-            <a:pPr indent="-330200" lvl="0" marL="457200" rtl="0" algn="l">
+            <a:pPr marL="457200" lvl="0" indent="-330200" algn="l" rtl="0">
               <a:spcBef>
                 <a:spcPts val="0"/>
               </a:spcBef>
@@ -10728,7 +10672,7 @@
             </a:endParaRPr>
           </a:p>
           <a:p>
-            <a:pPr indent="0" lvl="0" marL="457200" rtl="0" algn="l">
+            <a:pPr marL="457200" lvl="0" indent="0" algn="l" rtl="0">
               <a:spcBef>
                 <a:spcPts val="0"/>
               </a:spcBef>
@@ -10737,9 +10681,6 @@
               </a:spcAft>
               <a:buNone/>
             </a:pPr>
-            <a:r>
-              <a:t/>
-            </a:r>
             <a:endParaRPr sz="4000">
               <a:latin typeface="Times New Roman"/>
               <a:ea typeface="Times New Roman"/>
@@ -10748,7 +10689,7 @@
             </a:endParaRPr>
           </a:p>
           <a:p>
-            <a:pPr indent="-330200" lvl="0" marL="457200" rtl="0" algn="l">
+            <a:pPr marL="457200" lvl="0" indent="-330200" algn="l" rtl="0">
               <a:spcBef>
                 <a:spcPts val="0"/>
               </a:spcBef>
@@ -10776,7 +10717,7 @@
             </a:endParaRPr>
           </a:p>
           <a:p>
-            <a:pPr indent="0" lvl="0" marL="457200" rtl="0" algn="l">
+            <a:pPr marL="457200" lvl="0" indent="0" algn="l" rtl="0">
               <a:spcBef>
                 <a:spcPts val="0"/>
               </a:spcBef>
@@ -10785,9 +10726,6 @@
               </a:spcAft>
               <a:buNone/>
             </a:pPr>
-            <a:r>
-              <a:t/>
-            </a:r>
             <a:endParaRPr sz="4000">
               <a:latin typeface="Times New Roman"/>
               <a:ea typeface="Times New Roman"/>
@@ -10796,7 +10734,7 @@
             </a:endParaRPr>
           </a:p>
           <a:p>
-            <a:pPr indent="-330200" lvl="0" marL="457200" rtl="0" algn="l">
+            <a:pPr marL="457200" lvl="0" indent="-330200" algn="l" rtl="0">
               <a:spcBef>
                 <a:spcPts val="0"/>
               </a:spcBef>
@@ -10824,7 +10762,7 @@
             </a:endParaRPr>
           </a:p>
           <a:p>
-            <a:pPr indent="0" lvl="0" marL="0" rtl="0" algn="l">
+            <a:pPr marL="0" lvl="0" indent="0" algn="l" rtl="0">
               <a:spcBef>
                 <a:spcPts val="0"/>
               </a:spcBef>
@@ -10833,9 +10771,6 @@
               </a:spcAft>
               <a:buNone/>
             </a:pPr>
-            <a:r>
-              <a:t/>
-            </a:r>
             <a:endParaRPr sz="4000">
               <a:latin typeface="Arial"/>
               <a:ea typeface="Arial"/>
@@ -10844,7 +10779,7 @@
             </a:endParaRPr>
           </a:p>
           <a:p>
-            <a:pPr indent="0" lvl="0" marL="0" rtl="0" algn="l">
+            <a:pPr marL="0" lvl="0" indent="0" algn="l" rtl="0">
               <a:lnSpc>
                 <a:spcPct val="130000"/>
               </a:lnSpc>
@@ -10861,10 +10796,7 @@
               <a:buFont typeface="Arial"/>
               <a:buNone/>
             </a:pPr>
-            <a:r>
-              <a:t/>
-            </a:r>
-            <a:endParaRPr b="1" sz="1400">
+            <a:endParaRPr sz="1400" b="1">
               <a:highlight>
                 <a:schemeClr val="dk1"/>
               </a:highlight>
@@ -10885,11 +10817,11 @@
 </file>
 
 <file path=ppt/slides/slide5.xml><?xml version="1.0" encoding="utf-8"?>
-<p:sld xmlns:a="http://schemas.openxmlformats.org/drawingml/2006/main" xmlns:r="http://schemas.openxmlformats.org/officeDocument/2006/relationships" xmlns:mc="http://schemas.openxmlformats.org/markup-compatibility/2006" xmlns:mv="urn:schemas-microsoft-com:mac:vml" xmlns:p="http://schemas.openxmlformats.org/presentationml/2006/main" xmlns:c="http://schemas.openxmlformats.org/drawingml/2006/chart" xmlns:dgm="http://schemas.openxmlformats.org/drawingml/2006/diagram" xmlns:o="urn:schemas-microsoft-com:office:office" xmlns:v="urn:schemas-microsoft-com:vml" xmlns:pvml="urn:schemas-microsoft-com:office:powerpoint" xmlns:com="http://schemas.openxmlformats.org/drawingml/2006/compatibility" xmlns:p14="http://schemas.microsoft.com/office/powerpoint/2010/main" xmlns:p15="http://schemas.microsoft.com/office/powerpoint/2012/main" xmlns:ahyp="http://schemas.microsoft.com/office/drawing/2018/hyperlinkcolor">
+<p:sld xmlns:a="http://schemas.openxmlformats.org/drawingml/2006/main" xmlns:r="http://schemas.openxmlformats.org/officeDocument/2006/relationships" xmlns:p="http://schemas.openxmlformats.org/presentationml/2006/main">
   <p:cSld>
     <p:spTree>
       <p:nvGrpSpPr>
-        <p:cNvPr id="160" name="Shape 160"/>
+        <p:cNvPr id="1" name="Shape 160"/>
         <p:cNvGrpSpPr/>
         <p:nvPr/>
       </p:nvGrpSpPr>
@@ -10904,7 +10836,9 @@
       <p:sp>
         <p:nvSpPr>
           <p:cNvPr id="161" name="Google Shape;161;p17"/>
-          <p:cNvSpPr txBox="1"/>
+          <p:cNvSpPr txBox="1">
+            <a:spLocks noGrp="1"/>
+          </p:cNvSpPr>
           <p:nvPr>
             <p:ph type="title"/>
           </p:nvPr>
@@ -10919,12 +10853,12 @@
           </a:prstGeom>
         </p:spPr>
         <p:txBody>
-          <a:bodyPr anchorCtr="0" anchor="t" bIns="91425" lIns="91425" spcFirstLastPara="1" rIns="91425" wrap="square" tIns="91425">
+          <a:bodyPr spcFirstLastPara="1" wrap="square" lIns="91425" tIns="91425" rIns="91425" bIns="91425" anchor="t" anchorCtr="0">
             <a:normAutofit fontScale="90000"/>
           </a:bodyPr>
           <a:lstStyle/>
           <a:p>
-            <a:pPr indent="0" lvl="0" marL="0" rtl="0" algn="l">
+            <a:pPr marL="0" lvl="0" indent="0" algn="l" rtl="0">
               <a:lnSpc>
                 <a:spcPct val="130000"/>
               </a:lnSpc>
@@ -10942,7 +10876,7 @@
               <a:buNone/>
             </a:pPr>
             <a:r>
-              <a:rPr b="1" lang="en" sz="3500">
+              <a:rPr lang="en" sz="3500" b="1">
                 <a:latin typeface="Times New Roman"/>
                 <a:ea typeface="Times New Roman"/>
                 <a:cs typeface="Times New Roman"/>
@@ -10962,9 +10896,11 @@
       <p:sp>
         <p:nvSpPr>
           <p:cNvPr id="162" name="Google Shape;162;p17"/>
-          <p:cNvSpPr txBox="1"/>
+          <p:cNvSpPr txBox="1">
+            <a:spLocks noGrp="1"/>
+          </p:cNvSpPr>
           <p:nvPr>
-            <p:ph idx="1" type="body"/>
+            <p:ph type="body" idx="1"/>
           </p:nvPr>
         </p:nvSpPr>
         <p:spPr>
@@ -10977,12 +10913,12 @@
           </a:prstGeom>
         </p:spPr>
         <p:txBody>
-          <a:bodyPr anchorCtr="0" anchor="t" bIns="91425" lIns="91425" spcFirstLastPara="1" rIns="91425" wrap="square" tIns="91425">
+          <a:bodyPr spcFirstLastPara="1" wrap="square" lIns="91425" tIns="91425" rIns="91425" bIns="91425" anchor="t" anchorCtr="0">
             <a:normAutofit fontScale="85000" lnSpcReduction="20000"/>
           </a:bodyPr>
           <a:lstStyle/>
           <a:p>
-            <a:pPr indent="-340897" lvl="0" marL="457200" rtl="0" algn="l">
+            <a:pPr marL="457200" lvl="0" indent="-340897" algn="l" rtl="0">
               <a:lnSpc>
                 <a:spcPct val="130000"/>
               </a:lnSpc>
@@ -11019,7 +10955,7 @@
             </a:endParaRPr>
           </a:p>
           <a:p>
-            <a:pPr indent="-340897" lvl="0" marL="457200" rtl="0" algn="l">
+            <a:pPr marL="457200" lvl="0" indent="-340897" algn="l" rtl="0">
               <a:lnSpc>
                 <a:spcPct val="130000"/>
               </a:lnSpc>
@@ -11056,7 +10992,7 @@
             </a:endParaRPr>
           </a:p>
           <a:p>
-            <a:pPr indent="-340897" lvl="0" marL="457200" rtl="0" algn="l">
+            <a:pPr marL="457200" lvl="0" indent="-340897" algn="l" rtl="0">
               <a:lnSpc>
                 <a:spcPct val="130000"/>
               </a:lnSpc>
@@ -11093,7 +11029,7 @@
             </a:endParaRPr>
           </a:p>
           <a:p>
-            <a:pPr indent="-340897" lvl="0" marL="457200" rtl="0" algn="l">
+            <a:pPr marL="457200" lvl="0" indent="-340897" algn="l" rtl="0">
               <a:lnSpc>
                 <a:spcPct val="130000"/>
               </a:lnSpc>
@@ -11130,7 +11066,7 @@
             </a:endParaRPr>
           </a:p>
           <a:p>
-            <a:pPr indent="-340897" lvl="0" marL="457200" rtl="0" algn="l">
+            <a:pPr marL="457200" lvl="0" indent="-340897" algn="l" rtl="0">
               <a:lnSpc>
                 <a:spcPct val="130000"/>
               </a:lnSpc>
@@ -11177,11 +11113,11 @@
 </file>
 
 <file path=ppt/slides/slide6.xml><?xml version="1.0" encoding="utf-8"?>
-<p:sld xmlns:a="http://schemas.openxmlformats.org/drawingml/2006/main" xmlns:r="http://schemas.openxmlformats.org/officeDocument/2006/relationships" xmlns:mc="http://schemas.openxmlformats.org/markup-compatibility/2006" xmlns:mv="urn:schemas-microsoft-com:mac:vml" xmlns:p="http://schemas.openxmlformats.org/presentationml/2006/main" xmlns:c="http://schemas.openxmlformats.org/drawingml/2006/chart" xmlns:dgm="http://schemas.openxmlformats.org/drawingml/2006/diagram" xmlns:o="urn:schemas-microsoft-com:office:office" xmlns:v="urn:schemas-microsoft-com:vml" xmlns:pvml="urn:schemas-microsoft-com:office:powerpoint" xmlns:com="http://schemas.openxmlformats.org/drawingml/2006/compatibility" xmlns:p14="http://schemas.microsoft.com/office/powerpoint/2010/main" xmlns:p15="http://schemas.microsoft.com/office/powerpoint/2012/main" xmlns:ahyp="http://schemas.microsoft.com/office/drawing/2018/hyperlinkcolor">
+<p:sld xmlns:a="http://schemas.openxmlformats.org/drawingml/2006/main" xmlns:r="http://schemas.openxmlformats.org/officeDocument/2006/relationships" xmlns:p="http://schemas.openxmlformats.org/presentationml/2006/main">
   <p:cSld>
     <p:spTree>
       <p:nvGrpSpPr>
-        <p:cNvPr id="166" name="Shape 166"/>
+        <p:cNvPr id="1" name="Shape 166"/>
         <p:cNvGrpSpPr/>
         <p:nvPr/>
       </p:nvGrpSpPr>
@@ -11196,7 +11132,9 @@
       <p:sp>
         <p:nvSpPr>
           <p:cNvPr id="167" name="Google Shape;167;p18"/>
-          <p:cNvSpPr txBox="1"/>
+          <p:cNvSpPr txBox="1">
+            <a:spLocks noGrp="1"/>
+          </p:cNvSpPr>
           <p:nvPr>
             <p:ph type="title"/>
           </p:nvPr>
@@ -11211,12 +11149,12 @@
           </a:prstGeom>
         </p:spPr>
         <p:txBody>
-          <a:bodyPr anchorCtr="0" anchor="t" bIns="91425" lIns="91425" spcFirstLastPara="1" rIns="91425" wrap="square" tIns="91425">
+          <a:bodyPr spcFirstLastPara="1" wrap="square" lIns="91425" tIns="91425" rIns="91425" bIns="91425" anchor="t" anchorCtr="0">
             <a:noAutofit/>
           </a:bodyPr>
           <a:lstStyle/>
           <a:p>
-            <a:pPr indent="0" lvl="0" marL="0" rtl="0" algn="l">
+            <a:pPr marL="0" lvl="0" indent="0" algn="l" rtl="0">
               <a:lnSpc>
                 <a:spcPct val="130000"/>
               </a:lnSpc>
@@ -11234,7 +11172,7 @@
               <a:buNone/>
             </a:pPr>
             <a:r>
-              <a:rPr b="1" lang="en" sz="2200">
+              <a:rPr lang="en" sz="2200" b="1">
                 <a:latin typeface="Times New Roman"/>
                 <a:ea typeface="Times New Roman"/>
                 <a:cs typeface="Times New Roman"/>
@@ -11249,9 +11187,11 @@
       <p:sp>
         <p:nvSpPr>
           <p:cNvPr id="168" name="Google Shape;168;p18"/>
-          <p:cNvSpPr txBox="1"/>
+          <p:cNvSpPr txBox="1">
+            <a:spLocks noGrp="1"/>
+          </p:cNvSpPr>
           <p:nvPr>
-            <p:ph idx="1" type="body"/>
+            <p:ph type="body" idx="1"/>
           </p:nvPr>
         </p:nvSpPr>
         <p:spPr>
@@ -11264,12 +11204,12 @@
           </a:prstGeom>
         </p:spPr>
         <p:txBody>
-          <a:bodyPr anchorCtr="0" anchor="t" bIns="91425" lIns="91425" spcFirstLastPara="1" rIns="91425" wrap="square" tIns="91425">
+          <a:bodyPr spcFirstLastPara="1" wrap="square" lIns="91425" tIns="91425" rIns="91425" bIns="91425" anchor="t" anchorCtr="0">
             <a:noAutofit/>
           </a:bodyPr>
           <a:lstStyle/>
           <a:p>
-            <a:pPr indent="-348540" lvl="0" marL="457200" rtl="0" algn="l">
+            <a:pPr marL="457200" lvl="0" indent="-348540" algn="l" rtl="0">
               <a:lnSpc>
                 <a:spcPct val="105000"/>
               </a:lnSpc>
@@ -11300,7 +11240,7 @@
             </a:endParaRPr>
           </a:p>
           <a:p>
-            <a:pPr indent="-348540" lvl="0" marL="457200" rtl="0" algn="l">
+            <a:pPr marL="457200" lvl="0" indent="-348540" algn="l" rtl="0">
               <a:lnSpc>
                 <a:spcPct val="105000"/>
               </a:lnSpc>
@@ -11331,7 +11271,7 @@
             </a:endParaRPr>
           </a:p>
           <a:p>
-            <a:pPr indent="-348540" lvl="0" marL="457200" rtl="0" algn="l">
+            <a:pPr marL="457200" lvl="0" indent="-348540" algn="l" rtl="0">
               <a:lnSpc>
                 <a:spcPct val="105000"/>
               </a:lnSpc>
@@ -11362,7 +11302,7 @@
             </a:endParaRPr>
           </a:p>
           <a:p>
-            <a:pPr indent="-348540" lvl="0" marL="457200" rtl="0" algn="l">
+            <a:pPr marL="457200" lvl="0" indent="-348540" algn="l" rtl="0">
               <a:lnSpc>
                 <a:spcPct val="105000"/>
               </a:lnSpc>
@@ -11377,7 +11317,7 @@
               <a:buChar char="●"/>
             </a:pPr>
             <a:r>
-              <a:rPr b="1" lang="en" sz="1888" u="sng">
+              <a:rPr lang="en" sz="1888" b="1" u="sng">
                 <a:latin typeface="Times New Roman"/>
                 <a:ea typeface="Times New Roman"/>
                 <a:cs typeface="Times New Roman"/>
@@ -11402,7 +11342,7 @@
             </a:endParaRPr>
           </a:p>
           <a:p>
-            <a:pPr indent="-348540" lvl="0" marL="457200" rtl="0" algn="l">
+            <a:pPr marL="457200" lvl="0" indent="-348540" algn="l" rtl="0">
               <a:lnSpc>
                 <a:spcPct val="105000"/>
               </a:lnSpc>
@@ -11417,7 +11357,7 @@
               <a:buChar char="●"/>
             </a:pPr>
             <a:r>
-              <a:rPr b="1" lang="en" sz="1888" u="sng">
+              <a:rPr lang="en" sz="1888" b="1" u="sng">
                 <a:latin typeface="Times New Roman"/>
                 <a:ea typeface="Times New Roman"/>
                 <a:cs typeface="Times New Roman"/>
@@ -11442,7 +11382,7 @@
             </a:endParaRPr>
           </a:p>
           <a:p>
-            <a:pPr indent="-348540" lvl="0" marL="457200" rtl="0" algn="l">
+            <a:pPr marL="457200" lvl="0" indent="-348540" algn="l" rtl="0">
               <a:lnSpc>
                 <a:spcPct val="105000"/>
               </a:lnSpc>
@@ -11473,7 +11413,7 @@
             </a:endParaRPr>
           </a:p>
           <a:p>
-            <a:pPr indent="0" lvl="0" marL="0" rtl="0" algn="l">
+            <a:pPr marL="0" lvl="0" indent="0" algn="l" rtl="0">
               <a:lnSpc>
                 <a:spcPct val="105000"/>
               </a:lnSpc>
@@ -11486,13 +11426,10 @@
               <a:buSzPts val="1018"/>
               <a:buNone/>
             </a:pPr>
-            <a:r>
-              <a:t/>
-            </a:r>
             <a:endParaRPr sz="1202"/>
           </a:p>
           <a:p>
-            <a:pPr indent="0" lvl="0" marL="0" rtl="0" algn="l">
+            <a:pPr marL="0" lvl="0" indent="0" algn="l" rtl="0">
               <a:lnSpc>
                 <a:spcPct val="105000"/>
               </a:lnSpc>
@@ -11505,9 +11442,6 @@
               <a:buSzPts val="1018"/>
               <a:buNone/>
             </a:pPr>
-            <a:r>
-              <a:t/>
-            </a:r>
             <a:endParaRPr sz="1202"/>
           </a:p>
         </p:txBody>
@@ -11521,11 +11455,11 @@
 </file>
 
 <file path=ppt/slides/slide7.xml><?xml version="1.0" encoding="utf-8"?>
-<p:sld xmlns:a="http://schemas.openxmlformats.org/drawingml/2006/main" xmlns:r="http://schemas.openxmlformats.org/officeDocument/2006/relationships" xmlns:mc="http://schemas.openxmlformats.org/markup-compatibility/2006" xmlns:mv="urn:schemas-microsoft-com:mac:vml" xmlns:p="http://schemas.openxmlformats.org/presentationml/2006/main" xmlns:c="http://schemas.openxmlformats.org/drawingml/2006/chart" xmlns:dgm="http://schemas.openxmlformats.org/drawingml/2006/diagram" xmlns:o="urn:schemas-microsoft-com:office:office" xmlns:v="urn:schemas-microsoft-com:vml" xmlns:pvml="urn:schemas-microsoft-com:office:powerpoint" xmlns:com="http://schemas.openxmlformats.org/drawingml/2006/compatibility" xmlns:p14="http://schemas.microsoft.com/office/powerpoint/2010/main" xmlns:p15="http://schemas.microsoft.com/office/powerpoint/2012/main" xmlns:ahyp="http://schemas.microsoft.com/office/drawing/2018/hyperlinkcolor">
+<p:sld xmlns:a="http://schemas.openxmlformats.org/drawingml/2006/main" xmlns:r="http://schemas.openxmlformats.org/officeDocument/2006/relationships" xmlns:p="http://schemas.openxmlformats.org/presentationml/2006/main">
   <p:cSld>
     <p:spTree>
       <p:nvGrpSpPr>
-        <p:cNvPr id="172" name="Shape 172"/>
+        <p:cNvPr id="1" name="Shape 172"/>
         <p:cNvGrpSpPr/>
         <p:nvPr/>
       </p:nvGrpSpPr>
@@ -11540,7 +11474,9 @@
       <p:sp>
         <p:nvSpPr>
           <p:cNvPr id="173" name="Google Shape;173;p19"/>
-          <p:cNvSpPr txBox="1"/>
+          <p:cNvSpPr txBox="1">
+            <a:spLocks noGrp="1"/>
+          </p:cNvSpPr>
           <p:nvPr>
             <p:ph type="title"/>
           </p:nvPr>
@@ -11555,12 +11491,12 @@
           </a:prstGeom>
         </p:spPr>
         <p:txBody>
-          <a:bodyPr anchorCtr="0" anchor="ctr" bIns="91425" lIns="91425" spcFirstLastPara="1" rIns="91425" wrap="square" tIns="91425">
+          <a:bodyPr spcFirstLastPara="1" wrap="square" lIns="91425" tIns="91425" rIns="91425" bIns="91425" anchor="ctr" anchorCtr="0">
             <a:normAutofit/>
           </a:bodyPr>
           <a:lstStyle/>
           <a:p>
-            <a:pPr indent="0" lvl="0" marL="0" rtl="0" algn="l">
+            <a:pPr marL="0" lvl="0" indent="0" algn="l" rtl="0">
               <a:spcBef>
                 <a:spcPts val="0"/>
               </a:spcBef>
@@ -11570,37 +11506,19 @@
               <a:buNone/>
             </a:pPr>
             <a:r>
-              <a:rPr b="1" lang="en" sz="4000"/>
+              <a:rPr lang="en" sz="4000" b="1"/>
               <a:t>     </a:t>
             </a:r>
             <a:r>
-              <a:rPr b="1" lang="en" sz="4800">
+              <a:rPr lang="en" sz="4800" b="1">
                 <a:latin typeface="Times New Roman"/>
                 <a:ea typeface="Times New Roman"/>
                 <a:cs typeface="Times New Roman"/>
                 <a:sym typeface="Times New Roman"/>
               </a:rPr>
-              <a:t>  </a:t>
+              <a:t>  Question?</a:t>
             </a:r>
-            <a:r>
-              <a:rPr b="1" lang="en" sz="4800">
-                <a:latin typeface="Times New Roman"/>
-                <a:ea typeface="Times New Roman"/>
-                <a:cs typeface="Times New Roman"/>
-                <a:sym typeface="Times New Roman"/>
-              </a:rPr>
-              <a:t>Question</a:t>
-            </a:r>
-            <a:r>
-              <a:rPr b="1" lang="en" sz="4800">
-                <a:latin typeface="Times New Roman"/>
-                <a:ea typeface="Times New Roman"/>
-                <a:cs typeface="Times New Roman"/>
-                <a:sym typeface="Times New Roman"/>
-              </a:rPr>
-              <a:t>?</a:t>
-            </a:r>
-            <a:endParaRPr b="1" sz="4800">
+            <a:endParaRPr sz="4800" b="1">
               <a:latin typeface="Times New Roman"/>
               <a:ea typeface="Times New Roman"/>
               <a:cs typeface="Times New Roman"/>
@@ -11618,7 +11536,7 @@
 </file>
 
 <file path=ppt/theme/theme1.xml><?xml version="1.0" encoding="utf-8"?>
-<a:theme xmlns:a="http://schemas.openxmlformats.org/drawingml/2006/main" xmlns:r="http://schemas.openxmlformats.org/officeDocument/2006/relationships" name="Focus">
+<a:theme xmlns:a="http://schemas.openxmlformats.org/drawingml/2006/main" name="Focus">
   <a:themeElements>
     <a:clrScheme name="Focus">
       <a:dk1>
@@ -11893,11 +11811,13 @@
       </a:bgFillStyleLst>
     </a:fmtScheme>
   </a:themeElements>
+  <a:objectDefaults/>
+  <a:extraClrSchemeLst/>
 </a:theme>
 </file>
 
 <file path=ppt/theme/theme2.xml><?xml version="1.0" encoding="utf-8"?>
-<a:theme xmlns:a="http://schemas.openxmlformats.org/drawingml/2006/main" xmlns:r="http://schemas.openxmlformats.org/officeDocument/2006/relationships">
+<a:theme xmlns:a="http://schemas.openxmlformats.org/drawingml/2006/main">
   <a:themeElements>
     <a:clrScheme name="Default">
       <a:dk1>
@@ -12172,5 +12092,7 @@
       </a:bgFillStyleLst>
     </a:fmtScheme>
   </a:themeElements>
+  <a:objectDefaults/>
+  <a:extraClrSchemeLst/>
 </a:theme>
 </file>